--- a/TP_01_MCC_Hacheur_Simulation/TP_01_MCC_Hacheur_Corrige.pptx
+++ b/TP_01_MCC_Hacheur_Simulation/TP_01_MCC_Hacheur_Corrige.pptx
@@ -6,7 +6,8 @@
   </p:sldMasterIdLst>
   <p:sldIdLst>
     <p:sldId id="256" r:id="rId2"/>
-    <p:sldId id="257" r:id="rId3"/>
+    <p:sldId id="258" r:id="rId3"/>
+    <p:sldId id="257" r:id="rId4"/>
   </p:sldIdLst>
   <p:sldSz cx="12801600" cy="9601200" type="A3"/>
   <p:notesSz cx="6858000" cy="9144000"/>
@@ -255,7 +256,7 @@
           <a:p>
             <a:fld id="{721FCA7F-9C42-4E77-B08A-C2F4145F0622}" type="datetimeFigureOut">
               <a:rPr lang="fr-FR" smtClean="0"/>
-              <a:t>09/07/2022</a:t>
+              <a:t>09/09/2022</a:t>
             </a:fld>
             <a:endParaRPr lang="fr-FR"/>
           </a:p>
@@ -425,7 +426,7 @@
           <a:p>
             <a:fld id="{721FCA7F-9C42-4E77-B08A-C2F4145F0622}" type="datetimeFigureOut">
               <a:rPr lang="fr-FR" smtClean="0"/>
-              <a:t>09/07/2022</a:t>
+              <a:t>09/09/2022</a:t>
             </a:fld>
             <a:endParaRPr lang="fr-FR"/>
           </a:p>
@@ -605,7 +606,7 @@
           <a:p>
             <a:fld id="{721FCA7F-9C42-4E77-B08A-C2F4145F0622}" type="datetimeFigureOut">
               <a:rPr lang="fr-FR" smtClean="0"/>
-              <a:t>09/07/2022</a:t>
+              <a:t>09/09/2022</a:t>
             </a:fld>
             <a:endParaRPr lang="fr-FR"/>
           </a:p>
@@ -775,7 +776,7 @@
           <a:p>
             <a:fld id="{721FCA7F-9C42-4E77-B08A-C2F4145F0622}" type="datetimeFigureOut">
               <a:rPr lang="fr-FR" smtClean="0"/>
-              <a:t>09/07/2022</a:t>
+              <a:t>09/09/2022</a:t>
             </a:fld>
             <a:endParaRPr lang="fr-FR"/>
           </a:p>
@@ -1019,7 +1020,7 @@
           <a:p>
             <a:fld id="{721FCA7F-9C42-4E77-B08A-C2F4145F0622}" type="datetimeFigureOut">
               <a:rPr lang="fr-FR" smtClean="0"/>
-              <a:t>09/07/2022</a:t>
+              <a:t>09/09/2022</a:t>
             </a:fld>
             <a:endParaRPr lang="fr-FR"/>
           </a:p>
@@ -1251,7 +1252,7 @@
           <a:p>
             <a:fld id="{721FCA7F-9C42-4E77-B08A-C2F4145F0622}" type="datetimeFigureOut">
               <a:rPr lang="fr-FR" smtClean="0"/>
-              <a:t>09/07/2022</a:t>
+              <a:t>09/09/2022</a:t>
             </a:fld>
             <a:endParaRPr lang="fr-FR"/>
           </a:p>
@@ -1618,7 +1619,7 @@
           <a:p>
             <a:fld id="{721FCA7F-9C42-4E77-B08A-C2F4145F0622}" type="datetimeFigureOut">
               <a:rPr lang="fr-FR" smtClean="0"/>
-              <a:t>09/07/2022</a:t>
+              <a:t>09/09/2022</a:t>
             </a:fld>
             <a:endParaRPr lang="fr-FR"/>
           </a:p>
@@ -1736,7 +1737,7 @@
           <a:p>
             <a:fld id="{721FCA7F-9C42-4E77-B08A-C2F4145F0622}" type="datetimeFigureOut">
               <a:rPr lang="fr-FR" smtClean="0"/>
-              <a:t>09/07/2022</a:t>
+              <a:t>09/09/2022</a:t>
             </a:fld>
             <a:endParaRPr lang="fr-FR"/>
           </a:p>
@@ -1831,7 +1832,7 @@
           <a:p>
             <a:fld id="{721FCA7F-9C42-4E77-B08A-C2F4145F0622}" type="datetimeFigureOut">
               <a:rPr lang="fr-FR" smtClean="0"/>
-              <a:t>09/07/2022</a:t>
+              <a:t>09/09/2022</a:t>
             </a:fld>
             <a:endParaRPr lang="fr-FR"/>
           </a:p>
@@ -2108,7 +2109,7 @@
           <a:p>
             <a:fld id="{721FCA7F-9C42-4E77-B08A-C2F4145F0622}" type="datetimeFigureOut">
               <a:rPr lang="fr-FR" smtClean="0"/>
-              <a:t>09/07/2022</a:t>
+              <a:t>09/09/2022</a:t>
             </a:fld>
             <a:endParaRPr lang="fr-FR"/>
           </a:p>
@@ -2365,7 +2366,7 @@
           <a:p>
             <a:fld id="{721FCA7F-9C42-4E77-B08A-C2F4145F0622}" type="datetimeFigureOut">
               <a:rPr lang="fr-FR" smtClean="0"/>
-              <a:t>09/07/2022</a:t>
+              <a:t>09/09/2022</a:t>
             </a:fld>
             <a:endParaRPr lang="fr-FR"/>
           </a:p>
@@ -2578,7 +2579,7 @@
           <a:p>
             <a:fld id="{721FCA7F-9C42-4E77-B08A-C2F4145F0622}" type="datetimeFigureOut">
               <a:rPr lang="fr-FR" smtClean="0"/>
-              <a:t>09/07/2022</a:t>
+              <a:t>09/09/2022</a:t>
             </a:fld>
             <a:endParaRPr lang="fr-FR"/>
           </a:p>
@@ -2983,910 +2984,270 @@
           <a:chExt cx="0" cy="0"/>
         </a:xfrm>
       </p:grpSpPr>
-      <p:sp>
-        <p:nvSpPr>
-          <p:cNvPr id="4" name="Rectangle 3"/>
-          <p:cNvSpPr/>
-          <p:nvPr/>
-        </p:nvSpPr>
-        <p:spPr>
-          <a:xfrm>
-            <a:off x="352426" y="1304925"/>
-            <a:ext cx="12110310" cy="1975485"/>
-          </a:xfrm>
-          <a:prstGeom prst="rect">
-            <a:avLst/>
-          </a:prstGeom>
-          <a:noFill/>
-          <a:ln>
-            <a:solidFill>
-              <a:schemeClr val="tx2"/>
-            </a:solidFill>
-          </a:ln>
-        </p:spPr>
-        <p:style>
-          <a:lnRef idx="2">
-            <a:schemeClr val="accent1">
-              <a:shade val="50000"/>
-            </a:schemeClr>
-          </a:lnRef>
-          <a:fillRef idx="1">
-            <a:schemeClr val="accent1"/>
-          </a:fillRef>
-          <a:effectRef idx="0">
-            <a:schemeClr val="accent1"/>
-          </a:effectRef>
-          <a:fontRef idx="minor">
-            <a:schemeClr val="lt1"/>
-          </a:fontRef>
-        </p:style>
-        <p:txBody>
-          <a:bodyPr rtlCol="0" anchor="ctr"/>
-          <a:lstStyle/>
-          <a:p>
-            <a:pPr algn="ctr"/>
-            <a:endParaRPr lang="fr-FR" sz="2223"/>
-          </a:p>
-        </p:txBody>
-      </p:sp>
-      <p:sp>
-        <p:nvSpPr>
-          <p:cNvPr id="5" name="Rectangle 4"/>
-          <p:cNvSpPr/>
-          <p:nvPr/>
-        </p:nvSpPr>
-        <p:spPr>
-          <a:xfrm>
-            <a:off x="547853" y="1960374"/>
-            <a:ext cx="1323000" cy="567000"/>
-          </a:xfrm>
-          <a:prstGeom prst="rect">
-            <a:avLst/>
-          </a:prstGeom>
-          <a:noFill/>
-          <a:ln w="19050" cap="flat" cmpd="sng" algn="ctr">
-            <a:solidFill>
-              <a:srgbClr val="00B050"/>
-            </a:solidFill>
-            <a:prstDash val="sysDot"/>
-          </a:ln>
-          <a:effectLst/>
-        </p:spPr>
-        <p:txBody>
-          <a:bodyPr rtlCol="0" anchor="t"/>
-          <a:lstStyle/>
-          <a:p>
-            <a:pPr algn="ctr" defTabSz="960120">
-              <a:defRPr/>
-            </a:pPr>
-            <a:r>
-              <a:rPr lang="fr-FR" sz="1050" kern="0" dirty="0">
-                <a:solidFill>
-                  <a:prstClr val="black"/>
-                </a:solidFill>
-                <a:latin typeface="Calibri"/>
-              </a:rPr>
-              <a:t>ALIMENTER</a:t>
-            </a:r>
-          </a:p>
-          <a:p>
-            <a:pPr algn="ctr" defTabSz="960120">
-              <a:defRPr/>
-            </a:pPr>
-            <a:r>
-              <a:rPr lang="fr-FR" sz="1050" kern="0" dirty="0">
-                <a:solidFill>
-                  <a:prstClr val="black"/>
-                </a:solidFill>
-                <a:latin typeface="Calibri"/>
-              </a:rPr>
-              <a:t>Générateur de tension</a:t>
-            </a:r>
-          </a:p>
-        </p:txBody>
-      </p:sp>
-      <p:sp>
-        <p:nvSpPr>
-          <p:cNvPr id="6" name="Rectangle 5"/>
-          <p:cNvSpPr/>
-          <p:nvPr/>
-        </p:nvSpPr>
-        <p:spPr>
-          <a:xfrm>
-            <a:off x="2173282" y="1960374"/>
-            <a:ext cx="1323000" cy="567000"/>
-          </a:xfrm>
-          <a:prstGeom prst="rect">
-            <a:avLst/>
-          </a:prstGeom>
-          <a:noFill/>
-          <a:ln w="19050" cap="flat" cmpd="sng" algn="ctr">
-            <a:solidFill>
-              <a:srgbClr val="FF0000"/>
-            </a:solidFill>
-            <a:prstDash val="sysDash"/>
-          </a:ln>
-          <a:effectLst/>
-        </p:spPr>
-        <p:txBody>
-          <a:bodyPr rtlCol="0" anchor="t"/>
-          <a:lstStyle/>
-          <a:p>
-            <a:pPr algn="ctr" defTabSz="960120">
-              <a:defRPr/>
-            </a:pPr>
-            <a:r>
-              <a:rPr lang="fr-FR" sz="1050" kern="0" dirty="0">
-                <a:solidFill>
-                  <a:prstClr val="black"/>
-                </a:solidFill>
-                <a:latin typeface="Calibri"/>
-              </a:rPr>
-              <a:t>DISTRIBUER</a:t>
-            </a:r>
-          </a:p>
-          <a:p>
-            <a:pPr algn="ctr" defTabSz="960120">
-              <a:defRPr/>
-            </a:pPr>
-            <a:r>
-              <a:rPr lang="fr-FR" sz="1050" b="1" kern="0" dirty="0">
-                <a:solidFill>
-                  <a:prstClr val="black"/>
-                </a:solidFill>
-                <a:latin typeface="Calibri"/>
-              </a:rPr>
-              <a:t>Hacheur</a:t>
-            </a:r>
-          </a:p>
-          <a:p>
-            <a:pPr algn="ctr" defTabSz="960120">
-              <a:defRPr/>
-            </a:pPr>
-            <a:r>
-              <a:rPr lang="fr-FR" sz="1050" b="1" kern="0" dirty="0">
-                <a:solidFill>
-                  <a:prstClr val="black"/>
-                </a:solidFill>
-                <a:latin typeface="Calibri"/>
-              </a:rPr>
-              <a:t>Ou Pont en H ou…</a:t>
-            </a:r>
-          </a:p>
-        </p:txBody>
-      </p:sp>
-      <p:sp>
-        <p:nvSpPr>
-          <p:cNvPr id="7" name="Rectangle 6"/>
-          <p:cNvSpPr/>
-          <p:nvPr/>
-        </p:nvSpPr>
-        <p:spPr>
-          <a:xfrm>
-            <a:off x="3798710" y="1960374"/>
-            <a:ext cx="1323000" cy="567000"/>
-          </a:xfrm>
-          <a:prstGeom prst="rect">
-            <a:avLst/>
-          </a:prstGeom>
-          <a:noFill/>
-          <a:ln w="19050" cap="flat" cmpd="sng" algn="ctr">
-            <a:solidFill>
-              <a:srgbClr val="7030A0"/>
-            </a:solidFill>
-            <a:prstDash val="sysDash"/>
-          </a:ln>
-          <a:effectLst/>
-        </p:spPr>
-        <p:txBody>
-          <a:bodyPr rtlCol="0" anchor="t"/>
-          <a:lstStyle/>
-          <a:p>
-            <a:pPr algn="ctr" defTabSz="960120">
-              <a:defRPr/>
-            </a:pPr>
-            <a:r>
-              <a:rPr lang="fr-FR" sz="1050" kern="0" dirty="0">
-                <a:solidFill>
-                  <a:prstClr val="black"/>
-                </a:solidFill>
-                <a:latin typeface="Calibri"/>
-              </a:rPr>
-              <a:t>CONVERTIR</a:t>
-            </a:r>
-          </a:p>
-          <a:p>
-            <a:pPr algn="ctr" defTabSz="960120">
-              <a:defRPr/>
-            </a:pPr>
-            <a:r>
-              <a:rPr lang="fr-FR" sz="1050" b="1" kern="0" dirty="0">
-                <a:solidFill>
-                  <a:prstClr val="black"/>
-                </a:solidFill>
-                <a:latin typeface="Calibri"/>
-              </a:rPr>
-              <a:t>Moteur à courant continu</a:t>
-            </a:r>
-          </a:p>
-        </p:txBody>
-      </p:sp>
-      <p:cxnSp>
-        <p:nvCxnSpPr>
-          <p:cNvPr id="8" name="Connecteur droit 7"/>
-          <p:cNvCxnSpPr/>
-          <p:nvPr/>
-        </p:nvCxnSpPr>
-        <p:spPr>
-          <a:xfrm>
-            <a:off x="1987749" y="2095269"/>
-            <a:ext cx="189000" cy="0"/>
-          </a:xfrm>
-          <a:prstGeom prst="line">
-            <a:avLst/>
-          </a:prstGeom>
-          <a:noFill/>
-          <a:ln w="28575" cap="flat" cmpd="sng" algn="ctr">
-            <a:solidFill>
-              <a:srgbClr val="FF0000"/>
-            </a:solidFill>
-            <a:prstDash val="solid"/>
-            <a:headEnd type="none" w="med" len="med"/>
-            <a:tailEnd type="arrow" w="med" len="med"/>
-          </a:ln>
-          <a:effectLst/>
-        </p:spPr>
-      </p:cxnSp>
-      <p:cxnSp>
-        <p:nvCxnSpPr>
-          <p:cNvPr id="9" name="Connecteur droit 8"/>
-          <p:cNvCxnSpPr>
-            <a:stCxn id="5" idx="3"/>
-            <a:endCxn id="6" idx="1"/>
-          </p:cNvCxnSpPr>
-          <p:nvPr/>
-        </p:nvCxnSpPr>
-        <p:spPr>
-          <a:xfrm>
-            <a:off x="1870854" y="2243874"/>
-            <a:ext cx="302428" cy="0"/>
-          </a:xfrm>
-          <a:prstGeom prst="line">
-            <a:avLst/>
-          </a:prstGeom>
-          <a:noFill/>
-          <a:ln w="28575" cap="flat" cmpd="sng" algn="ctr">
-            <a:solidFill>
-              <a:srgbClr val="0070C0"/>
-            </a:solidFill>
-            <a:prstDash val="solid"/>
-            <a:headEnd type="none" w="med" len="med"/>
-            <a:tailEnd type="arrow" w="med" len="med"/>
-          </a:ln>
-          <a:effectLst/>
-        </p:spPr>
-      </p:cxnSp>
-      <p:cxnSp>
-        <p:nvCxnSpPr>
-          <p:cNvPr id="10" name="Connecteur droit 9"/>
-          <p:cNvCxnSpPr>
-            <a:stCxn id="6" idx="3"/>
-            <a:endCxn id="7" idx="1"/>
-          </p:cNvCxnSpPr>
-          <p:nvPr/>
-        </p:nvCxnSpPr>
-        <p:spPr>
-          <a:xfrm>
-            <a:off x="3496282" y="2243874"/>
-            <a:ext cx="302428" cy="0"/>
-          </a:xfrm>
-          <a:prstGeom prst="line">
-            <a:avLst/>
-          </a:prstGeom>
-          <a:noFill/>
-          <a:ln w="28575" cap="flat" cmpd="sng" algn="ctr">
-            <a:solidFill>
-              <a:srgbClr val="0070C0"/>
-            </a:solidFill>
-            <a:prstDash val="solid"/>
-            <a:headEnd type="none" w="med" len="med"/>
-            <a:tailEnd type="arrow" w="med" len="med"/>
-          </a:ln>
-          <a:effectLst/>
-        </p:spPr>
-      </p:cxnSp>
-      <p:cxnSp>
-        <p:nvCxnSpPr>
-          <p:cNvPr id="11" name="Connecteur droit 10"/>
-          <p:cNvCxnSpPr>
-            <a:stCxn id="7" idx="3"/>
-          </p:cNvCxnSpPr>
-          <p:nvPr/>
-        </p:nvCxnSpPr>
-        <p:spPr>
-          <a:xfrm>
-            <a:off x="5121711" y="2243874"/>
-            <a:ext cx="302428" cy="0"/>
-          </a:xfrm>
-          <a:prstGeom prst="line">
-            <a:avLst/>
-          </a:prstGeom>
-          <a:noFill/>
-          <a:ln w="28575" cap="flat" cmpd="sng" algn="ctr">
-            <a:solidFill>
-              <a:srgbClr val="0070C0"/>
-            </a:solidFill>
-            <a:prstDash val="solid"/>
-            <a:headEnd type="none" w="med" len="med"/>
-            <a:tailEnd type="arrow" w="med" len="med"/>
-          </a:ln>
-          <a:effectLst/>
-        </p:spPr>
-      </p:cxnSp>
-      <p:cxnSp>
-        <p:nvCxnSpPr>
-          <p:cNvPr id="12" name="Connecteur droit 11"/>
-          <p:cNvCxnSpPr/>
-          <p:nvPr/>
-        </p:nvCxnSpPr>
-        <p:spPr>
-          <a:xfrm>
-            <a:off x="235325" y="2243874"/>
-            <a:ext cx="312529" cy="0"/>
-          </a:xfrm>
-          <a:prstGeom prst="line">
-            <a:avLst/>
-          </a:prstGeom>
-          <a:noFill/>
-          <a:ln w="28575" cap="flat" cmpd="sng" algn="ctr">
-            <a:solidFill>
-              <a:srgbClr val="0070C0"/>
-            </a:solidFill>
-            <a:prstDash val="solid"/>
-            <a:headEnd type="none" w="med" len="med"/>
-            <a:tailEnd type="arrow" w="med" len="med"/>
-          </a:ln>
-          <a:effectLst/>
-        </p:spPr>
-      </p:cxnSp>
-      <p:cxnSp>
-        <p:nvCxnSpPr>
-          <p:cNvPr id="13" name="Connecteur droit 12"/>
-          <p:cNvCxnSpPr/>
-          <p:nvPr/>
-        </p:nvCxnSpPr>
-        <p:spPr>
-          <a:xfrm flipV="1">
-            <a:off x="1987749" y="1756140"/>
-            <a:ext cx="0" cy="339129"/>
-          </a:xfrm>
-          <a:prstGeom prst="line">
-            <a:avLst/>
-          </a:prstGeom>
-          <a:noFill/>
-          <a:ln w="28575" cap="flat" cmpd="sng" algn="ctr">
-            <a:solidFill>
-              <a:srgbClr val="FF0000"/>
-            </a:solidFill>
-            <a:prstDash val="solid"/>
-          </a:ln>
-          <a:effectLst/>
-        </p:spPr>
-      </p:cxnSp>
-      <p:pic>
-        <p:nvPicPr>
-          <p:cNvPr id="14" name="Image 13"/>
-          <p:cNvPicPr>
-            <a:picLocks noChangeAspect="1"/>
-          </p:cNvPicPr>
-          <p:nvPr/>
-        </p:nvPicPr>
-        <p:blipFill>
-          <a:blip r:embed="rId2"/>
-          <a:stretch>
-            <a:fillRect/>
-          </a:stretch>
-        </p:blipFill>
-        <p:spPr>
-          <a:xfrm>
-            <a:off x="1601158" y="2600010"/>
-            <a:ext cx="773181" cy="680400"/>
-          </a:xfrm>
-          <a:prstGeom prst="rect">
-            <a:avLst/>
-          </a:prstGeom>
-        </p:spPr>
-      </p:pic>
-      <p:pic>
-        <p:nvPicPr>
-          <p:cNvPr id="16" name="Image 15"/>
-          <p:cNvPicPr>
-            <a:picLocks noChangeAspect="1"/>
-          </p:cNvPicPr>
-          <p:nvPr/>
-        </p:nvPicPr>
-        <p:blipFill rotWithShape="1">
-          <a:blip r:embed="rId3"/>
-          <a:srcRect l="16299" t="16979" r="13216" b="20755"/>
-          <a:stretch/>
-        </p:blipFill>
-        <p:spPr>
-          <a:xfrm>
-            <a:off x="2374339" y="2656710"/>
-            <a:ext cx="641851" cy="567000"/>
-          </a:xfrm>
-          <a:prstGeom prst="rect">
-            <a:avLst/>
-          </a:prstGeom>
-        </p:spPr>
-      </p:pic>
-      <p:pic>
-        <p:nvPicPr>
-          <p:cNvPr id="17" name="Image 16"/>
-          <p:cNvPicPr>
-            <a:picLocks noChangeAspect="1"/>
-          </p:cNvPicPr>
-          <p:nvPr/>
-        </p:nvPicPr>
-        <p:blipFill rotWithShape="1">
-          <a:blip r:embed="rId4"/>
-          <a:srcRect l="5766" t="18694" r="5797" b="16462"/>
-          <a:stretch/>
-        </p:blipFill>
-        <p:spPr>
-          <a:xfrm>
-            <a:off x="3082154" y="2626651"/>
-            <a:ext cx="266261" cy="195227"/>
-          </a:xfrm>
-          <a:prstGeom prst="rect">
-            <a:avLst/>
-          </a:prstGeom>
-        </p:spPr>
-      </p:pic>
-      <p:sp>
-        <p:nvSpPr>
-          <p:cNvPr id="18" name="Rectangle 17"/>
-          <p:cNvSpPr/>
-          <p:nvPr/>
-        </p:nvSpPr>
-        <p:spPr>
-          <a:xfrm rot="19486981">
-            <a:off x="2691496" y="2903518"/>
-            <a:ext cx="84242" cy="74837"/>
-          </a:xfrm>
-          <a:prstGeom prst="rect">
-            <a:avLst/>
-          </a:prstGeom>
-          <a:noFill/>
-          <a:ln>
-            <a:solidFill>
-              <a:srgbClr val="FF0000"/>
-            </a:solidFill>
-            <a:prstDash val="sysDash"/>
-          </a:ln>
-        </p:spPr>
-        <p:style>
-          <a:lnRef idx="2">
-            <a:schemeClr val="accent1">
-              <a:shade val="50000"/>
-            </a:schemeClr>
-          </a:lnRef>
-          <a:fillRef idx="1">
-            <a:schemeClr val="accent1"/>
-          </a:fillRef>
-          <a:effectRef idx="0">
-            <a:schemeClr val="accent1"/>
-          </a:effectRef>
-          <a:fontRef idx="minor">
-            <a:schemeClr val="lt1"/>
-          </a:fontRef>
-        </p:style>
-        <p:txBody>
-          <a:bodyPr rtlCol="0" anchor="ctr"/>
-          <a:lstStyle/>
-          <a:p>
-            <a:pPr algn="ctr"/>
-            <a:endParaRPr lang="fr-FR" sz="2223"/>
-          </a:p>
-        </p:txBody>
-      </p:sp>
-      <p:sp>
-        <p:nvSpPr>
-          <p:cNvPr id="19" name="Rectangle 18"/>
-          <p:cNvSpPr/>
-          <p:nvPr/>
-        </p:nvSpPr>
-        <p:spPr>
-          <a:xfrm>
-            <a:off x="3049172" y="2594158"/>
-            <a:ext cx="318749" cy="260213"/>
-          </a:xfrm>
-          <a:prstGeom prst="rect">
-            <a:avLst/>
-          </a:prstGeom>
-          <a:noFill/>
-          <a:ln>
-            <a:solidFill>
-              <a:srgbClr val="FF0000"/>
-            </a:solidFill>
-            <a:prstDash val="sysDash"/>
-          </a:ln>
-        </p:spPr>
-        <p:style>
-          <a:lnRef idx="2">
-            <a:schemeClr val="accent1">
-              <a:shade val="50000"/>
-            </a:schemeClr>
-          </a:lnRef>
-          <a:fillRef idx="1">
-            <a:schemeClr val="accent1"/>
-          </a:fillRef>
-          <a:effectRef idx="0">
-            <a:schemeClr val="accent1"/>
-          </a:effectRef>
-          <a:fontRef idx="minor">
-            <a:schemeClr val="lt1"/>
-          </a:fontRef>
-        </p:style>
-        <p:txBody>
-          <a:bodyPr rtlCol="0" anchor="ctr"/>
-          <a:lstStyle/>
-          <a:p>
-            <a:pPr algn="ctr"/>
-            <a:endParaRPr lang="fr-FR" sz="2223"/>
-          </a:p>
-        </p:txBody>
-      </p:sp>
-      <p:cxnSp>
-        <p:nvCxnSpPr>
-          <p:cNvPr id="22" name="Connecteur droit 21"/>
-          <p:cNvCxnSpPr>
-            <a:stCxn id="18" idx="0"/>
-          </p:cNvCxnSpPr>
-          <p:nvPr/>
-        </p:nvCxnSpPr>
-        <p:spPr>
-          <a:xfrm flipV="1">
-            <a:off x="2712039" y="2594158"/>
-            <a:ext cx="350610" cy="316208"/>
-          </a:xfrm>
-          <a:prstGeom prst="line">
-            <a:avLst/>
-          </a:prstGeom>
-          <a:noFill/>
-          <a:ln>
-            <a:solidFill>
-              <a:srgbClr val="FF0000"/>
-            </a:solidFill>
-            <a:prstDash val="sysDash"/>
-          </a:ln>
-        </p:spPr>
-        <p:style>
-          <a:lnRef idx="2">
-            <a:schemeClr val="accent1">
-              <a:shade val="50000"/>
-            </a:schemeClr>
-          </a:lnRef>
-          <a:fillRef idx="1">
-            <a:schemeClr val="accent1"/>
-          </a:fillRef>
-          <a:effectRef idx="0">
-            <a:schemeClr val="accent1"/>
-          </a:effectRef>
-          <a:fontRef idx="minor">
-            <a:schemeClr val="lt1"/>
-          </a:fontRef>
-        </p:style>
-      </p:cxnSp>
-      <p:cxnSp>
-        <p:nvCxnSpPr>
-          <p:cNvPr id="23" name="Connecteur droit 22"/>
-          <p:cNvCxnSpPr>
-            <a:stCxn id="18" idx="2"/>
-            <a:endCxn id="19" idx="2"/>
-          </p:cNvCxnSpPr>
-          <p:nvPr/>
-        </p:nvCxnSpPr>
-        <p:spPr>
-          <a:xfrm flipV="1">
-            <a:off x="2755196" y="2854372"/>
-            <a:ext cx="453351" cy="117135"/>
-          </a:xfrm>
-          <a:prstGeom prst="line">
-            <a:avLst/>
-          </a:prstGeom>
-          <a:noFill/>
-          <a:ln>
-            <a:solidFill>
-              <a:srgbClr val="FF0000"/>
-            </a:solidFill>
-            <a:prstDash val="sysDash"/>
-          </a:ln>
-        </p:spPr>
-        <p:style>
-          <a:lnRef idx="2">
-            <a:schemeClr val="accent1">
-              <a:shade val="50000"/>
-            </a:schemeClr>
-          </a:lnRef>
-          <a:fillRef idx="1">
-            <a:schemeClr val="accent1"/>
-          </a:fillRef>
-          <a:effectRef idx="0">
-            <a:schemeClr val="accent1"/>
-          </a:effectRef>
-          <a:fontRef idx="minor">
-            <a:schemeClr val="lt1"/>
-          </a:fontRef>
-        </p:style>
-      </p:cxnSp>
-      <p:pic>
-        <p:nvPicPr>
-          <p:cNvPr id="30" name="Image 29"/>
-          <p:cNvPicPr>
-            <a:picLocks noChangeAspect="1"/>
-          </p:cNvPicPr>
-          <p:nvPr/>
-        </p:nvPicPr>
-        <p:blipFill rotWithShape="1">
-          <a:blip r:embed="rId5"/>
-          <a:srcRect l="22667" t="16667" r="24444" b="17334"/>
-          <a:stretch/>
-        </p:blipFill>
-        <p:spPr>
-          <a:xfrm>
-            <a:off x="3452217" y="2684591"/>
-            <a:ext cx="614520" cy="511239"/>
-          </a:xfrm>
-          <a:prstGeom prst="rect">
-            <a:avLst/>
-          </a:prstGeom>
-        </p:spPr>
-      </p:pic>
       <p:grpSp>
         <p:nvGrpSpPr>
-          <p:cNvPr id="60" name="Groupe 59"/>
+          <p:cNvPr id="2" name="Groupe 1">
+            <a:extLst>
+              <a:ext uri="{FF2B5EF4-FFF2-40B4-BE49-F238E27FC236}">
+                <a16:creationId xmlns:a16="http://schemas.microsoft.com/office/drawing/2014/main" id="{F42E874A-D8BF-2052-10DD-2D8130108043}"/>
+              </a:ext>
+            </a:extLst>
+          </p:cNvPr>
           <p:cNvGrpSpPr/>
           <p:nvPr/>
         </p:nvGrpSpPr>
         <p:grpSpPr>
           <a:xfrm>
-            <a:off x="5169613" y="1402138"/>
-            <a:ext cx="3403112" cy="1569369"/>
-            <a:chOff x="5166157" y="1514700"/>
-            <a:chExt cx="3403112" cy="1569369"/>
+            <a:off x="235325" y="1304925"/>
+            <a:ext cx="12227411" cy="1975485"/>
+            <a:chOff x="235325" y="1304925"/>
+            <a:chExt cx="12227411" cy="1975485"/>
           </a:xfrm>
         </p:grpSpPr>
-        <p:grpSp>
-          <p:nvGrpSpPr>
-            <p:cNvPr id="55" name="Groupe 54"/>
-            <p:cNvGrpSpPr/>
+        <p:sp>
+          <p:nvSpPr>
+            <p:cNvPr id="4" name="Rectangle 3"/>
+            <p:cNvSpPr/>
             <p:nvPr/>
-          </p:nvGrpSpPr>
-          <p:grpSpPr>
+          </p:nvSpPr>
+          <p:spPr>
             <a:xfrm>
-              <a:off x="5166157" y="1514700"/>
-              <a:ext cx="3403112" cy="1569369"/>
-              <a:chOff x="4739399" y="4241884"/>
-              <a:chExt cx="3403112" cy="1569369"/>
+              <a:off x="352426" y="1304925"/>
+              <a:ext cx="12110310" cy="1975485"/>
             </a:xfrm>
-          </p:grpSpPr>
-          <p:pic>
-            <p:nvPicPr>
-              <p:cNvPr id="47" name="Image 46"/>
-              <p:cNvPicPr>
-                <a:picLocks noChangeAspect="1"/>
-              </p:cNvPicPr>
-              <p:nvPr/>
-            </p:nvPicPr>
-            <p:blipFill>
-              <a:blip r:embed="rId6"/>
-              <a:stretch>
-                <a:fillRect/>
-              </a:stretch>
-            </p:blipFill>
-            <p:spPr>
-              <a:xfrm>
-                <a:off x="4739399" y="4241884"/>
-                <a:ext cx="3403112" cy="1569369"/>
-              </a:xfrm>
-              <a:prstGeom prst="rect">
-                <a:avLst/>
-              </a:prstGeom>
-            </p:spPr>
-          </p:pic>
-          <p:sp>
-            <p:nvSpPr>
-              <p:cNvPr id="39" name="Rectangle 38"/>
-              <p:cNvSpPr/>
-              <p:nvPr/>
-            </p:nvSpPr>
-            <p:spPr>
-              <a:xfrm>
-                <a:off x="5582653" y="4920283"/>
-                <a:ext cx="1000093" cy="890970"/>
-              </a:xfrm>
-              <a:prstGeom prst="rect">
-                <a:avLst/>
-              </a:prstGeom>
-              <a:noFill/>
-              <a:ln w="19050" cap="flat" cmpd="sng" algn="ctr">
-                <a:solidFill>
-                  <a:srgbClr val="00B050"/>
-                </a:solidFill>
-                <a:prstDash val="sysDot"/>
-              </a:ln>
-              <a:effectLst/>
-            </p:spPr>
-            <p:txBody>
-              <a:bodyPr rtlCol="0" anchor="t"/>
-              <a:lstStyle/>
-              <a:p>
-                <a:pPr algn="ctr" defTabSz="960120"/>
-                <a:endParaRPr lang="fr-FR" sz="1050" kern="0" dirty="0">
+            <a:prstGeom prst="rect">
+              <a:avLst/>
+            </a:prstGeom>
+            <a:noFill/>
+            <a:ln>
+              <a:solidFill>
+                <a:schemeClr val="tx2"/>
+              </a:solidFill>
+            </a:ln>
+          </p:spPr>
+          <p:style>
+            <a:lnRef idx="2">
+              <a:schemeClr val="accent1">
+                <a:shade val="50000"/>
+              </a:schemeClr>
+            </a:lnRef>
+            <a:fillRef idx="1">
+              <a:schemeClr val="accent1"/>
+            </a:fillRef>
+            <a:effectRef idx="0">
+              <a:schemeClr val="accent1"/>
+            </a:effectRef>
+            <a:fontRef idx="minor">
+              <a:schemeClr val="lt1"/>
+            </a:fontRef>
+          </p:style>
+          <p:txBody>
+            <a:bodyPr rtlCol="0" anchor="ctr"/>
+            <a:lstStyle/>
+            <a:p>
+              <a:pPr algn="ctr"/>
+              <a:endParaRPr lang="fr-FR" sz="2223"/>
+            </a:p>
+          </p:txBody>
+        </p:sp>
+        <p:sp>
+          <p:nvSpPr>
+            <p:cNvPr id="5" name="Rectangle 4"/>
+            <p:cNvSpPr/>
+            <p:nvPr/>
+          </p:nvSpPr>
+          <p:spPr>
+            <a:xfrm>
+              <a:off x="547853" y="1960374"/>
+              <a:ext cx="1323000" cy="567000"/>
+            </a:xfrm>
+            <a:prstGeom prst="rect">
+              <a:avLst/>
+            </a:prstGeom>
+            <a:noFill/>
+            <a:ln w="19050" cap="flat" cmpd="sng" algn="ctr">
+              <a:solidFill>
+                <a:srgbClr val="00B050"/>
+              </a:solidFill>
+              <a:prstDash val="sysDot"/>
+            </a:ln>
+            <a:effectLst/>
+          </p:spPr>
+          <p:txBody>
+            <a:bodyPr rtlCol="0" anchor="t"/>
+            <a:lstStyle/>
+            <a:p>
+              <a:pPr algn="ctr" defTabSz="960120">
+                <a:defRPr/>
+              </a:pPr>
+              <a:r>
+                <a:rPr lang="fr-FR" sz="1050" kern="0" dirty="0">
                   <a:solidFill>
                     <a:prstClr val="black"/>
                   </a:solidFill>
                   <a:latin typeface="Calibri"/>
-                </a:endParaRPr>
-              </a:p>
-            </p:txBody>
-          </p:sp>
-          <p:sp>
-            <p:nvSpPr>
-              <p:cNvPr id="43" name="Rectangle 42"/>
-              <p:cNvSpPr/>
-              <p:nvPr/>
-            </p:nvSpPr>
-            <p:spPr>
-              <a:xfrm>
-                <a:off x="5582652" y="4313172"/>
-                <a:ext cx="1374407" cy="487428"/>
-              </a:xfrm>
-              <a:prstGeom prst="rect">
-                <a:avLst/>
-              </a:prstGeom>
-              <a:noFill/>
-              <a:ln w="19050">
-                <a:solidFill>
-                  <a:srgbClr val="FF0000"/>
-                </a:solidFill>
-                <a:prstDash val="sysDash"/>
-              </a:ln>
-            </p:spPr>
-            <p:style>
-              <a:lnRef idx="2">
-                <a:schemeClr val="accent1">
-                  <a:shade val="50000"/>
-                </a:schemeClr>
-              </a:lnRef>
-              <a:fillRef idx="1">
-                <a:schemeClr val="accent1"/>
-              </a:fillRef>
-              <a:effectRef idx="0">
-                <a:schemeClr val="accent1"/>
-              </a:effectRef>
-              <a:fontRef idx="minor">
-                <a:schemeClr val="lt1"/>
-              </a:fontRef>
-            </p:style>
-            <p:txBody>
-              <a:bodyPr rtlCol="0" anchor="ctr"/>
-              <a:lstStyle/>
-              <a:p>
-                <a:pPr algn="ctr"/>
-                <a:endParaRPr lang="fr-FR" sz="2223"/>
-              </a:p>
-            </p:txBody>
-          </p:sp>
-          <p:cxnSp>
-            <p:nvCxnSpPr>
-              <p:cNvPr id="44" name="Connecteur droit 43"/>
-              <p:cNvCxnSpPr/>
-              <p:nvPr/>
-            </p:nvCxnSpPr>
-            <p:spPr>
-              <a:xfrm flipV="1">
-                <a:off x="6728460" y="4800600"/>
-                <a:ext cx="0" cy="362866"/>
-              </a:xfrm>
-              <a:prstGeom prst="line">
-                <a:avLst/>
-              </a:prstGeom>
-              <a:noFill/>
-              <a:ln w="28575" cap="flat" cmpd="sng" algn="ctr">
-                <a:solidFill>
-                  <a:srgbClr val="0070C0"/>
-                </a:solidFill>
-                <a:prstDash val="solid"/>
-                <a:headEnd type="none" w="med" len="med"/>
-                <a:tailEnd type="arrow" w="med" len="med"/>
-              </a:ln>
-              <a:effectLst/>
-            </p:spPr>
-          </p:cxnSp>
-          <p:cxnSp>
-            <p:nvCxnSpPr>
-              <p:cNvPr id="51" name="Connecteur droit 50"/>
-              <p:cNvCxnSpPr/>
-              <p:nvPr/>
-            </p:nvCxnSpPr>
-            <p:spPr>
-              <a:xfrm>
-                <a:off x="6582746" y="5163466"/>
-                <a:ext cx="145714" cy="0"/>
-              </a:xfrm>
-              <a:prstGeom prst="line">
-                <a:avLst/>
-              </a:prstGeom>
-              <a:noFill/>
-              <a:ln w="28575" cap="flat" cmpd="sng" algn="ctr">
-                <a:solidFill>
-                  <a:srgbClr val="0070C0"/>
-                </a:solidFill>
-                <a:prstDash val="solid"/>
-                <a:headEnd type="none" w="med" len="med"/>
-                <a:tailEnd type="none" w="med" len="med"/>
-              </a:ln>
-              <a:effectLst/>
-            </p:spPr>
-          </p:cxnSp>
-          <p:sp>
-            <p:nvSpPr>
-              <p:cNvPr id="54" name="Rectangle 53"/>
-              <p:cNvSpPr/>
-              <p:nvPr/>
-            </p:nvSpPr>
-            <p:spPr>
-              <a:xfrm>
-                <a:off x="7067053" y="4879966"/>
-                <a:ext cx="751067" cy="621674"/>
-              </a:xfrm>
-              <a:prstGeom prst="rect">
-                <a:avLst/>
-              </a:prstGeom>
-              <a:noFill/>
-              <a:ln w="19050" cap="flat" cmpd="sng" algn="ctr">
-                <a:solidFill>
-                  <a:srgbClr val="7030A0"/>
-                </a:solidFill>
-                <a:prstDash val="sysDash"/>
-              </a:ln>
-              <a:effectLst/>
-            </p:spPr>
-            <p:txBody>
-              <a:bodyPr rtlCol="0" anchor="t"/>
-              <a:lstStyle/>
-              <a:p>
-                <a:pPr algn="ctr" defTabSz="960120">
-                  <a:defRPr/>
-                </a:pPr>
-                <a:endParaRPr lang="fr-FR" sz="1050" b="1" kern="0" dirty="0">
+                </a:rPr>
+                <a:t>ALIMENTER</a:t>
+              </a:r>
+            </a:p>
+            <a:p>
+              <a:pPr algn="ctr" defTabSz="960120">
+                <a:defRPr/>
+              </a:pPr>
+              <a:r>
+                <a:rPr lang="fr-FR" sz="1050" kern="0" dirty="0">
                   <a:solidFill>
                     <a:prstClr val="black"/>
                   </a:solidFill>
                   <a:latin typeface="Calibri"/>
-                </a:endParaRPr>
-              </a:p>
-            </p:txBody>
-          </p:sp>
-        </p:grpSp>
+                </a:rPr>
+                <a:t>Générateur de tension</a:t>
+              </a:r>
+            </a:p>
+          </p:txBody>
+        </p:sp>
+        <p:sp>
+          <p:nvSpPr>
+            <p:cNvPr id="6" name="Rectangle 5"/>
+            <p:cNvSpPr/>
+            <p:nvPr/>
+          </p:nvSpPr>
+          <p:spPr>
+            <a:xfrm>
+              <a:off x="2173282" y="1960374"/>
+              <a:ext cx="1323000" cy="567000"/>
+            </a:xfrm>
+            <a:prstGeom prst="rect">
+              <a:avLst/>
+            </a:prstGeom>
+            <a:noFill/>
+            <a:ln w="19050" cap="flat" cmpd="sng" algn="ctr">
+              <a:solidFill>
+                <a:srgbClr val="FF0000"/>
+              </a:solidFill>
+              <a:prstDash val="sysDash"/>
+            </a:ln>
+            <a:effectLst/>
+          </p:spPr>
+          <p:txBody>
+            <a:bodyPr rtlCol="0" anchor="t"/>
+            <a:lstStyle/>
+            <a:p>
+              <a:pPr algn="ctr" defTabSz="960120">
+                <a:defRPr/>
+              </a:pPr>
+              <a:r>
+                <a:rPr lang="fr-FR" sz="1050" kern="0" dirty="0">
+                  <a:solidFill>
+                    <a:prstClr val="black"/>
+                  </a:solidFill>
+                  <a:latin typeface="Calibri"/>
+                </a:rPr>
+                <a:t>DISTRIBUER</a:t>
+              </a:r>
+            </a:p>
+            <a:p>
+              <a:pPr algn="ctr" defTabSz="960120">
+                <a:defRPr/>
+              </a:pPr>
+              <a:r>
+                <a:rPr lang="fr-FR" sz="1050" b="1" kern="0" dirty="0">
+                  <a:solidFill>
+                    <a:prstClr val="black"/>
+                  </a:solidFill>
+                  <a:latin typeface="Calibri"/>
+                </a:rPr>
+                <a:t>Hacheur</a:t>
+              </a:r>
+            </a:p>
+            <a:p>
+              <a:pPr algn="ctr" defTabSz="960120">
+                <a:defRPr/>
+              </a:pPr>
+              <a:r>
+                <a:rPr lang="fr-FR" sz="1050" b="1" kern="0" dirty="0">
+                  <a:solidFill>
+                    <a:prstClr val="black"/>
+                  </a:solidFill>
+                  <a:latin typeface="Calibri"/>
+                </a:rPr>
+                <a:t>Ou Pont en H ou…</a:t>
+              </a:r>
+            </a:p>
+          </p:txBody>
+        </p:sp>
+        <p:sp>
+          <p:nvSpPr>
+            <p:cNvPr id="7" name="Rectangle 6"/>
+            <p:cNvSpPr/>
+            <p:nvPr/>
+          </p:nvSpPr>
+          <p:spPr>
+            <a:xfrm>
+              <a:off x="3798710" y="1960374"/>
+              <a:ext cx="1323000" cy="567000"/>
+            </a:xfrm>
+            <a:prstGeom prst="rect">
+              <a:avLst/>
+            </a:prstGeom>
+            <a:noFill/>
+            <a:ln w="19050" cap="flat" cmpd="sng" algn="ctr">
+              <a:solidFill>
+                <a:srgbClr val="7030A0"/>
+              </a:solidFill>
+              <a:prstDash val="sysDash"/>
+            </a:ln>
+            <a:effectLst/>
+          </p:spPr>
+          <p:txBody>
+            <a:bodyPr rtlCol="0" anchor="t"/>
+            <a:lstStyle/>
+            <a:p>
+              <a:pPr algn="ctr" defTabSz="960120">
+                <a:defRPr/>
+              </a:pPr>
+              <a:r>
+                <a:rPr lang="fr-FR" sz="1050" kern="0" dirty="0">
+                  <a:solidFill>
+                    <a:prstClr val="black"/>
+                  </a:solidFill>
+                  <a:latin typeface="Calibri"/>
+                </a:rPr>
+                <a:t>CONVERTIR</a:t>
+              </a:r>
+            </a:p>
+            <a:p>
+              <a:pPr algn="ctr" defTabSz="960120">
+                <a:defRPr/>
+              </a:pPr>
+              <a:r>
+                <a:rPr lang="fr-FR" sz="1050" b="1" kern="0" dirty="0">
+                  <a:solidFill>
+                    <a:prstClr val="black"/>
+                  </a:solidFill>
+                  <a:latin typeface="Calibri"/>
+                </a:rPr>
+                <a:t>Moteur à courant continu</a:t>
+              </a:r>
+            </a:p>
+          </p:txBody>
+        </p:sp>
         <p:cxnSp>
           <p:nvCxnSpPr>
-            <p:cNvPr id="57" name="Connecteur droit 56"/>
+            <p:cNvPr id="8" name="Connecteur droit 7"/>
             <p:cNvCxnSpPr/>
             <p:nvPr/>
           </p:nvCxnSpPr>
           <p:spPr>
             <a:xfrm>
-              <a:off x="6400800" y="1839898"/>
-              <a:ext cx="466913" cy="0"/>
+              <a:off x="1987749" y="2095269"/>
+              <a:ext cx="189000" cy="0"/>
             </a:xfrm>
             <a:prstGeom prst="line">
               <a:avLst/>
             </a:prstGeom>
             <a:noFill/>
-            <a:ln w="57150" cap="flat" cmpd="sng" algn="ctr">
+            <a:ln w="28575" cap="flat" cmpd="sng" algn="ctr">
               <a:solidFill>
                 <a:srgbClr val="FF0000"/>
               </a:solidFill>
@@ -3897,17 +3258,744 @@
             <a:effectLst/>
           </p:spPr>
         </p:cxnSp>
+        <p:cxnSp>
+          <p:nvCxnSpPr>
+            <p:cNvPr id="9" name="Connecteur droit 8"/>
+            <p:cNvCxnSpPr>
+              <a:stCxn id="5" idx="3"/>
+              <a:endCxn id="6" idx="1"/>
+            </p:cNvCxnSpPr>
+            <p:nvPr/>
+          </p:nvCxnSpPr>
+          <p:spPr>
+            <a:xfrm>
+              <a:off x="1870854" y="2243874"/>
+              <a:ext cx="302428" cy="0"/>
+            </a:xfrm>
+            <a:prstGeom prst="line">
+              <a:avLst/>
+            </a:prstGeom>
+            <a:noFill/>
+            <a:ln w="28575" cap="flat" cmpd="sng" algn="ctr">
+              <a:solidFill>
+                <a:srgbClr val="0070C0"/>
+              </a:solidFill>
+              <a:prstDash val="solid"/>
+              <a:headEnd type="none" w="med" len="med"/>
+              <a:tailEnd type="arrow" w="med" len="med"/>
+            </a:ln>
+            <a:effectLst/>
+          </p:spPr>
+        </p:cxnSp>
+        <p:cxnSp>
+          <p:nvCxnSpPr>
+            <p:cNvPr id="10" name="Connecteur droit 9"/>
+            <p:cNvCxnSpPr>
+              <a:stCxn id="6" idx="3"/>
+              <a:endCxn id="7" idx="1"/>
+            </p:cNvCxnSpPr>
+            <p:nvPr/>
+          </p:nvCxnSpPr>
+          <p:spPr>
+            <a:xfrm>
+              <a:off x="3496282" y="2243874"/>
+              <a:ext cx="302428" cy="0"/>
+            </a:xfrm>
+            <a:prstGeom prst="line">
+              <a:avLst/>
+            </a:prstGeom>
+            <a:noFill/>
+            <a:ln w="28575" cap="flat" cmpd="sng" algn="ctr">
+              <a:solidFill>
+                <a:srgbClr val="0070C0"/>
+              </a:solidFill>
+              <a:prstDash val="solid"/>
+              <a:headEnd type="none" w="med" len="med"/>
+              <a:tailEnd type="arrow" w="med" len="med"/>
+            </a:ln>
+            <a:effectLst/>
+          </p:spPr>
+        </p:cxnSp>
+        <p:cxnSp>
+          <p:nvCxnSpPr>
+            <p:cNvPr id="11" name="Connecteur droit 10"/>
+            <p:cNvCxnSpPr>
+              <a:stCxn id="7" idx="3"/>
+            </p:cNvCxnSpPr>
+            <p:nvPr/>
+          </p:nvCxnSpPr>
+          <p:spPr>
+            <a:xfrm>
+              <a:off x="5121711" y="2243874"/>
+              <a:ext cx="302428" cy="0"/>
+            </a:xfrm>
+            <a:prstGeom prst="line">
+              <a:avLst/>
+            </a:prstGeom>
+            <a:noFill/>
+            <a:ln w="28575" cap="flat" cmpd="sng" algn="ctr">
+              <a:solidFill>
+                <a:srgbClr val="0070C0"/>
+              </a:solidFill>
+              <a:prstDash val="solid"/>
+              <a:headEnd type="none" w="med" len="med"/>
+              <a:tailEnd type="arrow" w="med" len="med"/>
+            </a:ln>
+            <a:effectLst/>
+          </p:spPr>
+        </p:cxnSp>
+        <p:cxnSp>
+          <p:nvCxnSpPr>
+            <p:cNvPr id="12" name="Connecteur droit 11"/>
+            <p:cNvCxnSpPr/>
+            <p:nvPr/>
+          </p:nvCxnSpPr>
+          <p:spPr>
+            <a:xfrm>
+              <a:off x="235325" y="2243874"/>
+              <a:ext cx="312529" cy="0"/>
+            </a:xfrm>
+            <a:prstGeom prst="line">
+              <a:avLst/>
+            </a:prstGeom>
+            <a:noFill/>
+            <a:ln w="28575" cap="flat" cmpd="sng" algn="ctr">
+              <a:solidFill>
+                <a:srgbClr val="0070C0"/>
+              </a:solidFill>
+              <a:prstDash val="solid"/>
+              <a:headEnd type="none" w="med" len="med"/>
+              <a:tailEnd type="arrow" w="med" len="med"/>
+            </a:ln>
+            <a:effectLst/>
+          </p:spPr>
+        </p:cxnSp>
+        <p:cxnSp>
+          <p:nvCxnSpPr>
+            <p:cNvPr id="13" name="Connecteur droit 12"/>
+            <p:cNvCxnSpPr/>
+            <p:nvPr/>
+          </p:nvCxnSpPr>
+          <p:spPr>
+            <a:xfrm flipV="1">
+              <a:off x="1987749" y="1756140"/>
+              <a:ext cx="0" cy="339129"/>
+            </a:xfrm>
+            <a:prstGeom prst="line">
+              <a:avLst/>
+            </a:prstGeom>
+            <a:noFill/>
+            <a:ln w="28575" cap="flat" cmpd="sng" algn="ctr">
+              <a:solidFill>
+                <a:srgbClr val="FF0000"/>
+              </a:solidFill>
+              <a:prstDash val="solid"/>
+            </a:ln>
+            <a:effectLst/>
+          </p:spPr>
+        </p:cxnSp>
+        <p:pic>
+          <p:nvPicPr>
+            <p:cNvPr id="14" name="Image 13"/>
+            <p:cNvPicPr>
+              <a:picLocks noChangeAspect="1"/>
+            </p:cNvPicPr>
+            <p:nvPr/>
+          </p:nvPicPr>
+          <p:blipFill>
+            <a:blip r:embed="rId2"/>
+            <a:stretch>
+              <a:fillRect/>
+            </a:stretch>
+          </p:blipFill>
+          <p:spPr>
+            <a:xfrm>
+              <a:off x="1601158" y="2600010"/>
+              <a:ext cx="773181" cy="680400"/>
+            </a:xfrm>
+            <a:prstGeom prst="rect">
+              <a:avLst/>
+            </a:prstGeom>
+          </p:spPr>
+        </p:pic>
+        <p:pic>
+          <p:nvPicPr>
+            <p:cNvPr id="16" name="Image 15"/>
+            <p:cNvPicPr>
+              <a:picLocks noChangeAspect="1"/>
+            </p:cNvPicPr>
+            <p:nvPr/>
+          </p:nvPicPr>
+          <p:blipFill rotWithShape="1">
+            <a:blip r:embed="rId3"/>
+            <a:srcRect l="16299" t="16979" r="13216" b="20755"/>
+            <a:stretch/>
+          </p:blipFill>
+          <p:spPr>
+            <a:xfrm>
+              <a:off x="2374339" y="2656710"/>
+              <a:ext cx="641851" cy="567000"/>
+            </a:xfrm>
+            <a:prstGeom prst="rect">
+              <a:avLst/>
+            </a:prstGeom>
+          </p:spPr>
+        </p:pic>
+        <p:pic>
+          <p:nvPicPr>
+            <p:cNvPr id="17" name="Image 16"/>
+            <p:cNvPicPr>
+              <a:picLocks noChangeAspect="1"/>
+            </p:cNvPicPr>
+            <p:nvPr/>
+          </p:nvPicPr>
+          <p:blipFill rotWithShape="1">
+            <a:blip r:embed="rId4"/>
+            <a:srcRect l="5766" t="18694" r="5797" b="16462"/>
+            <a:stretch/>
+          </p:blipFill>
+          <p:spPr>
+            <a:xfrm>
+              <a:off x="3082154" y="2626651"/>
+              <a:ext cx="266261" cy="195227"/>
+            </a:xfrm>
+            <a:prstGeom prst="rect">
+              <a:avLst/>
+            </a:prstGeom>
+          </p:spPr>
+        </p:pic>
+        <p:sp>
+          <p:nvSpPr>
+            <p:cNvPr id="18" name="Rectangle 17"/>
+            <p:cNvSpPr/>
+            <p:nvPr/>
+          </p:nvSpPr>
+          <p:spPr>
+            <a:xfrm rot="19486981">
+              <a:off x="2691496" y="2903518"/>
+              <a:ext cx="84242" cy="74837"/>
+            </a:xfrm>
+            <a:prstGeom prst="rect">
+              <a:avLst/>
+            </a:prstGeom>
+            <a:noFill/>
+            <a:ln>
+              <a:solidFill>
+                <a:srgbClr val="FF0000"/>
+              </a:solidFill>
+              <a:prstDash val="sysDash"/>
+            </a:ln>
+          </p:spPr>
+          <p:style>
+            <a:lnRef idx="2">
+              <a:schemeClr val="accent1">
+                <a:shade val="50000"/>
+              </a:schemeClr>
+            </a:lnRef>
+            <a:fillRef idx="1">
+              <a:schemeClr val="accent1"/>
+            </a:fillRef>
+            <a:effectRef idx="0">
+              <a:schemeClr val="accent1"/>
+            </a:effectRef>
+            <a:fontRef idx="minor">
+              <a:schemeClr val="lt1"/>
+            </a:fontRef>
+          </p:style>
+          <p:txBody>
+            <a:bodyPr rtlCol="0" anchor="ctr"/>
+            <a:lstStyle/>
+            <a:p>
+              <a:pPr algn="ctr"/>
+              <a:endParaRPr lang="fr-FR" sz="2223"/>
+            </a:p>
+          </p:txBody>
+        </p:sp>
+        <p:sp>
+          <p:nvSpPr>
+            <p:cNvPr id="19" name="Rectangle 18"/>
+            <p:cNvSpPr/>
+            <p:nvPr/>
+          </p:nvSpPr>
+          <p:spPr>
+            <a:xfrm>
+              <a:off x="3049172" y="2594158"/>
+              <a:ext cx="318749" cy="260213"/>
+            </a:xfrm>
+            <a:prstGeom prst="rect">
+              <a:avLst/>
+            </a:prstGeom>
+            <a:noFill/>
+            <a:ln>
+              <a:solidFill>
+                <a:srgbClr val="FF0000"/>
+              </a:solidFill>
+              <a:prstDash val="sysDash"/>
+            </a:ln>
+          </p:spPr>
+          <p:style>
+            <a:lnRef idx="2">
+              <a:schemeClr val="accent1">
+                <a:shade val="50000"/>
+              </a:schemeClr>
+            </a:lnRef>
+            <a:fillRef idx="1">
+              <a:schemeClr val="accent1"/>
+            </a:fillRef>
+            <a:effectRef idx="0">
+              <a:schemeClr val="accent1"/>
+            </a:effectRef>
+            <a:fontRef idx="minor">
+              <a:schemeClr val="lt1"/>
+            </a:fontRef>
+          </p:style>
+          <p:txBody>
+            <a:bodyPr rtlCol="0" anchor="ctr"/>
+            <a:lstStyle/>
+            <a:p>
+              <a:pPr algn="ctr"/>
+              <a:endParaRPr lang="fr-FR" sz="2223"/>
+            </a:p>
+          </p:txBody>
+        </p:sp>
+        <p:cxnSp>
+          <p:nvCxnSpPr>
+            <p:cNvPr id="22" name="Connecteur droit 21"/>
+            <p:cNvCxnSpPr>
+              <a:stCxn id="18" idx="0"/>
+            </p:cNvCxnSpPr>
+            <p:nvPr/>
+          </p:nvCxnSpPr>
+          <p:spPr>
+            <a:xfrm flipV="1">
+              <a:off x="2712039" y="2594158"/>
+              <a:ext cx="350610" cy="316208"/>
+            </a:xfrm>
+            <a:prstGeom prst="line">
+              <a:avLst/>
+            </a:prstGeom>
+            <a:noFill/>
+            <a:ln>
+              <a:solidFill>
+                <a:srgbClr val="FF0000"/>
+              </a:solidFill>
+              <a:prstDash val="sysDash"/>
+            </a:ln>
+          </p:spPr>
+          <p:style>
+            <a:lnRef idx="2">
+              <a:schemeClr val="accent1">
+                <a:shade val="50000"/>
+              </a:schemeClr>
+            </a:lnRef>
+            <a:fillRef idx="1">
+              <a:schemeClr val="accent1"/>
+            </a:fillRef>
+            <a:effectRef idx="0">
+              <a:schemeClr val="accent1"/>
+            </a:effectRef>
+            <a:fontRef idx="minor">
+              <a:schemeClr val="lt1"/>
+            </a:fontRef>
+          </p:style>
+        </p:cxnSp>
+        <p:cxnSp>
+          <p:nvCxnSpPr>
+            <p:cNvPr id="23" name="Connecteur droit 22"/>
+            <p:cNvCxnSpPr>
+              <a:stCxn id="18" idx="2"/>
+              <a:endCxn id="19" idx="2"/>
+            </p:cNvCxnSpPr>
+            <p:nvPr/>
+          </p:nvCxnSpPr>
+          <p:spPr>
+            <a:xfrm flipV="1">
+              <a:off x="2755196" y="2854372"/>
+              <a:ext cx="453351" cy="117135"/>
+            </a:xfrm>
+            <a:prstGeom prst="line">
+              <a:avLst/>
+            </a:prstGeom>
+            <a:noFill/>
+            <a:ln>
+              <a:solidFill>
+                <a:srgbClr val="FF0000"/>
+              </a:solidFill>
+              <a:prstDash val="sysDash"/>
+            </a:ln>
+          </p:spPr>
+          <p:style>
+            <a:lnRef idx="2">
+              <a:schemeClr val="accent1">
+                <a:shade val="50000"/>
+              </a:schemeClr>
+            </a:lnRef>
+            <a:fillRef idx="1">
+              <a:schemeClr val="accent1"/>
+            </a:fillRef>
+            <a:effectRef idx="0">
+              <a:schemeClr val="accent1"/>
+            </a:effectRef>
+            <a:fontRef idx="minor">
+              <a:schemeClr val="lt1"/>
+            </a:fontRef>
+          </p:style>
+        </p:cxnSp>
+        <p:pic>
+          <p:nvPicPr>
+            <p:cNvPr id="30" name="Image 29"/>
+            <p:cNvPicPr>
+              <a:picLocks noChangeAspect="1"/>
+            </p:cNvPicPr>
+            <p:nvPr/>
+          </p:nvPicPr>
+          <p:blipFill rotWithShape="1">
+            <a:blip r:embed="rId5"/>
+            <a:srcRect l="22667" t="16667" r="24444" b="17334"/>
+            <a:stretch/>
+          </p:blipFill>
+          <p:spPr>
+            <a:xfrm>
+              <a:off x="3452217" y="2684591"/>
+              <a:ext cx="614520" cy="511239"/>
+            </a:xfrm>
+            <a:prstGeom prst="rect">
+              <a:avLst/>
+            </a:prstGeom>
+          </p:spPr>
+        </p:pic>
+        <p:grpSp>
+          <p:nvGrpSpPr>
+            <p:cNvPr id="60" name="Groupe 59"/>
+            <p:cNvGrpSpPr/>
+            <p:nvPr/>
+          </p:nvGrpSpPr>
+          <p:grpSpPr>
+            <a:xfrm>
+              <a:off x="5169613" y="1402138"/>
+              <a:ext cx="3403112" cy="1569369"/>
+              <a:chOff x="5166157" y="1514700"/>
+              <a:chExt cx="3403112" cy="1569369"/>
+            </a:xfrm>
+          </p:grpSpPr>
+          <p:grpSp>
+            <p:nvGrpSpPr>
+              <p:cNvPr id="55" name="Groupe 54"/>
+              <p:cNvGrpSpPr/>
+              <p:nvPr/>
+            </p:nvGrpSpPr>
+            <p:grpSpPr>
+              <a:xfrm>
+                <a:off x="5166157" y="1514700"/>
+                <a:ext cx="3403112" cy="1569369"/>
+                <a:chOff x="4739399" y="4241884"/>
+                <a:chExt cx="3403112" cy="1569369"/>
+              </a:xfrm>
+            </p:grpSpPr>
+            <p:pic>
+              <p:nvPicPr>
+                <p:cNvPr id="47" name="Image 46"/>
+                <p:cNvPicPr>
+                  <a:picLocks noChangeAspect="1"/>
+                </p:cNvPicPr>
+                <p:nvPr/>
+              </p:nvPicPr>
+              <p:blipFill>
+                <a:blip r:embed="rId6"/>
+                <a:stretch>
+                  <a:fillRect/>
+                </a:stretch>
+              </p:blipFill>
+              <p:spPr>
+                <a:xfrm>
+                  <a:off x="4739399" y="4241884"/>
+                  <a:ext cx="3403112" cy="1569369"/>
+                </a:xfrm>
+                <a:prstGeom prst="rect">
+                  <a:avLst/>
+                </a:prstGeom>
+              </p:spPr>
+            </p:pic>
+            <p:sp>
+              <p:nvSpPr>
+                <p:cNvPr id="39" name="Rectangle 38"/>
+                <p:cNvSpPr/>
+                <p:nvPr/>
+              </p:nvSpPr>
+              <p:spPr>
+                <a:xfrm>
+                  <a:off x="5582653" y="4920283"/>
+                  <a:ext cx="1000093" cy="890970"/>
+                </a:xfrm>
+                <a:prstGeom prst="rect">
+                  <a:avLst/>
+                </a:prstGeom>
+                <a:noFill/>
+                <a:ln w="19050" cap="flat" cmpd="sng" algn="ctr">
+                  <a:solidFill>
+                    <a:srgbClr val="00B050"/>
+                  </a:solidFill>
+                  <a:prstDash val="sysDot"/>
+                </a:ln>
+                <a:effectLst/>
+              </p:spPr>
+              <p:txBody>
+                <a:bodyPr rtlCol="0" anchor="t"/>
+                <a:lstStyle/>
+                <a:p>
+                  <a:pPr algn="ctr" defTabSz="960120"/>
+                  <a:endParaRPr lang="fr-FR" sz="1050" kern="0" dirty="0">
+                    <a:solidFill>
+                      <a:prstClr val="black"/>
+                    </a:solidFill>
+                    <a:latin typeface="Calibri"/>
+                  </a:endParaRPr>
+                </a:p>
+              </p:txBody>
+            </p:sp>
+            <p:sp>
+              <p:nvSpPr>
+                <p:cNvPr id="43" name="Rectangle 42"/>
+                <p:cNvSpPr/>
+                <p:nvPr/>
+              </p:nvSpPr>
+              <p:spPr>
+                <a:xfrm>
+                  <a:off x="5582652" y="4313172"/>
+                  <a:ext cx="1374407" cy="487428"/>
+                </a:xfrm>
+                <a:prstGeom prst="rect">
+                  <a:avLst/>
+                </a:prstGeom>
+                <a:noFill/>
+                <a:ln w="19050">
+                  <a:solidFill>
+                    <a:srgbClr val="FF0000"/>
+                  </a:solidFill>
+                  <a:prstDash val="sysDash"/>
+                </a:ln>
+              </p:spPr>
+              <p:style>
+                <a:lnRef idx="2">
+                  <a:schemeClr val="accent1">
+                    <a:shade val="50000"/>
+                  </a:schemeClr>
+                </a:lnRef>
+                <a:fillRef idx="1">
+                  <a:schemeClr val="accent1"/>
+                </a:fillRef>
+                <a:effectRef idx="0">
+                  <a:schemeClr val="accent1"/>
+                </a:effectRef>
+                <a:fontRef idx="minor">
+                  <a:schemeClr val="lt1"/>
+                </a:fontRef>
+              </p:style>
+              <p:txBody>
+                <a:bodyPr rtlCol="0" anchor="ctr"/>
+                <a:lstStyle/>
+                <a:p>
+                  <a:pPr algn="ctr"/>
+                  <a:endParaRPr lang="fr-FR" sz="2223"/>
+                </a:p>
+              </p:txBody>
+            </p:sp>
+            <p:cxnSp>
+              <p:nvCxnSpPr>
+                <p:cNvPr id="44" name="Connecteur droit 43"/>
+                <p:cNvCxnSpPr/>
+                <p:nvPr/>
+              </p:nvCxnSpPr>
+              <p:spPr>
+                <a:xfrm flipV="1">
+                  <a:off x="6728460" y="4800600"/>
+                  <a:ext cx="0" cy="362866"/>
+                </a:xfrm>
+                <a:prstGeom prst="line">
+                  <a:avLst/>
+                </a:prstGeom>
+                <a:noFill/>
+                <a:ln w="28575" cap="flat" cmpd="sng" algn="ctr">
+                  <a:solidFill>
+                    <a:srgbClr val="0070C0"/>
+                  </a:solidFill>
+                  <a:prstDash val="solid"/>
+                  <a:headEnd type="none" w="med" len="med"/>
+                  <a:tailEnd type="arrow" w="med" len="med"/>
+                </a:ln>
+                <a:effectLst/>
+              </p:spPr>
+            </p:cxnSp>
+            <p:cxnSp>
+              <p:nvCxnSpPr>
+                <p:cNvPr id="51" name="Connecteur droit 50"/>
+                <p:cNvCxnSpPr/>
+                <p:nvPr/>
+              </p:nvCxnSpPr>
+              <p:spPr>
+                <a:xfrm>
+                  <a:off x="6582746" y="5163466"/>
+                  <a:ext cx="145714" cy="0"/>
+                </a:xfrm>
+                <a:prstGeom prst="line">
+                  <a:avLst/>
+                </a:prstGeom>
+                <a:noFill/>
+                <a:ln w="28575" cap="flat" cmpd="sng" algn="ctr">
+                  <a:solidFill>
+                    <a:srgbClr val="0070C0"/>
+                  </a:solidFill>
+                  <a:prstDash val="solid"/>
+                  <a:headEnd type="none" w="med" len="med"/>
+                  <a:tailEnd type="none" w="med" len="med"/>
+                </a:ln>
+                <a:effectLst/>
+              </p:spPr>
+            </p:cxnSp>
+            <p:sp>
+              <p:nvSpPr>
+                <p:cNvPr id="54" name="Rectangle 53"/>
+                <p:cNvSpPr/>
+                <p:nvPr/>
+              </p:nvSpPr>
+              <p:spPr>
+                <a:xfrm>
+                  <a:off x="7067053" y="4879966"/>
+                  <a:ext cx="751067" cy="621674"/>
+                </a:xfrm>
+                <a:prstGeom prst="rect">
+                  <a:avLst/>
+                </a:prstGeom>
+                <a:noFill/>
+                <a:ln w="19050" cap="flat" cmpd="sng" algn="ctr">
+                  <a:solidFill>
+                    <a:srgbClr val="7030A0"/>
+                  </a:solidFill>
+                  <a:prstDash val="sysDash"/>
+                </a:ln>
+                <a:effectLst/>
+              </p:spPr>
+              <p:txBody>
+                <a:bodyPr rtlCol="0" anchor="t"/>
+                <a:lstStyle/>
+                <a:p>
+                  <a:pPr algn="ctr" defTabSz="960120">
+                    <a:defRPr/>
+                  </a:pPr>
+                  <a:endParaRPr lang="fr-FR" sz="1050" b="1" kern="0" dirty="0">
+                    <a:solidFill>
+                      <a:prstClr val="black"/>
+                    </a:solidFill>
+                    <a:latin typeface="Calibri"/>
+                  </a:endParaRPr>
+                </a:p>
+              </p:txBody>
+            </p:sp>
+          </p:grpSp>
+          <p:cxnSp>
+            <p:nvCxnSpPr>
+              <p:cNvPr id="57" name="Connecteur droit 56"/>
+              <p:cNvCxnSpPr/>
+              <p:nvPr/>
+            </p:nvCxnSpPr>
+            <p:spPr>
+              <a:xfrm>
+                <a:off x="6400800" y="1839898"/>
+                <a:ext cx="466913" cy="0"/>
+              </a:xfrm>
+              <a:prstGeom prst="line">
+                <a:avLst/>
+              </a:prstGeom>
+              <a:noFill/>
+              <a:ln w="57150" cap="flat" cmpd="sng" algn="ctr">
+                <a:solidFill>
+                  <a:srgbClr val="FF0000"/>
+                </a:solidFill>
+                <a:prstDash val="solid"/>
+                <a:headEnd type="none" w="med" len="med"/>
+                <a:tailEnd type="arrow" w="med" len="med"/>
+              </a:ln>
+              <a:effectLst/>
+            </p:spPr>
+          </p:cxnSp>
+        </p:grpSp>
+        <p:sp>
+          <p:nvSpPr>
+            <p:cNvPr id="61" name="ZoneTexte 60"/>
+            <p:cNvSpPr txBox="1"/>
+            <p:nvPr/>
+          </p:nvSpPr>
+          <p:spPr>
+            <a:xfrm>
+              <a:off x="8776913" y="1569392"/>
+              <a:ext cx="3569745" cy="1446550"/>
+            </a:xfrm>
+            <a:prstGeom prst="rect">
+              <a:avLst/>
+            </a:prstGeom>
+            <a:noFill/>
+          </p:spPr>
+          <p:txBody>
+            <a:bodyPr wrap="square" rtlCol="0">
+              <a:spAutoFit/>
+            </a:bodyPr>
+            <a:lstStyle/>
+            <a:p>
+              <a:pPr algn="just"/>
+              <a:r>
+                <a:rPr lang="fr-FR" sz="1100" dirty="0"/>
+                <a:t>Pour moduler la vitesse d’un moteur à courant continu, on va ouvrir et fermer un interrupteur à haute fréquence. Ainsi, le moteur sera alimenté par une tension hachée. </a:t>
+              </a:r>
+            </a:p>
+            <a:p>
+              <a:pPr marL="171450" indent="-171450" algn="just">
+                <a:buFont typeface="Arial" panose="020B0604020202020204" pitchFamily="34" charset="0"/>
+                <a:buChar char="•"/>
+              </a:pPr>
+              <a:r>
+                <a:rPr lang="fr-FR" sz="1100" dirty="0"/>
+                <a:t>Si l’interrupteur et fermé, le moteur reçoit la totalité de la source d’alimentation. </a:t>
+              </a:r>
+            </a:p>
+            <a:p>
+              <a:pPr marL="171450" indent="-171450" algn="just">
+                <a:buFont typeface="Arial" panose="020B0604020202020204" pitchFamily="34" charset="0"/>
+                <a:buChar char="•"/>
+              </a:pPr>
+              <a:r>
+                <a:rPr lang="fr-FR" sz="1100" dirty="0"/>
+                <a:t>Si l’interrupteur est ouvert, le moteur reçoit 0V. </a:t>
+              </a:r>
+            </a:p>
+            <a:p>
+              <a:pPr marL="171450" indent="-171450" algn="just">
+                <a:buFont typeface="Arial" panose="020B0604020202020204" pitchFamily="34" charset="0"/>
+                <a:buChar char="•"/>
+              </a:pPr>
+              <a:r>
+                <a:rPr lang="fr-FR" sz="1100" dirty="0"/>
+                <a:t>Si il est ouvert 50% du temps et fermé 50% du temps, le moteur reçoit la moitié de la tension de la source. </a:t>
+              </a:r>
+            </a:p>
+          </p:txBody>
+        </p:sp>
       </p:grpSp>
       <p:sp>
         <p:nvSpPr>
-          <p:cNvPr id="61" name="ZoneTexte 60"/>
+          <p:cNvPr id="3" name="ZoneTexte 2">
+            <a:extLst>
+              <a:ext uri="{FF2B5EF4-FFF2-40B4-BE49-F238E27FC236}">
+                <a16:creationId xmlns:a16="http://schemas.microsoft.com/office/drawing/2014/main" id="{4C0B7EFB-FCED-FB44-C29E-759A82D2F2CC}"/>
+              </a:ext>
+            </a:extLst>
+          </p:cNvPr>
           <p:cNvSpPr txBox="1"/>
           <p:nvPr/>
         </p:nvSpPr>
         <p:spPr>
           <a:xfrm>
-            <a:off x="8746079" y="1402138"/>
-            <a:ext cx="3569745" cy="1323439"/>
+            <a:off x="352422" y="921605"/>
+            <a:ext cx="12110311" cy="369332"/>
           </a:xfrm>
           <a:prstGeom prst="rect">
             <a:avLst/>
@@ -3920,10 +4008,274 @@
           </a:bodyPr>
           <a:lstStyle/>
           <a:p>
+            <a:pPr algn="ctr"/>
+            <a:r>
+              <a:rPr lang="fr-FR" dirty="0"/>
+              <a:t>Hacheur « Interrupteur commandé »</a:t>
+            </a:r>
+          </a:p>
+        </p:txBody>
+      </p:sp>
+      <p:sp>
+        <p:nvSpPr>
+          <p:cNvPr id="15" name="ZoneTexte 14">
+            <a:extLst>
+              <a:ext uri="{FF2B5EF4-FFF2-40B4-BE49-F238E27FC236}">
+                <a16:creationId xmlns:a16="http://schemas.microsoft.com/office/drawing/2014/main" id="{6BF4E99E-D38B-F92F-A548-E9134CDCC616}"/>
+              </a:ext>
+            </a:extLst>
+          </p:cNvPr>
+          <p:cNvSpPr txBox="1"/>
+          <p:nvPr/>
+        </p:nvSpPr>
+        <p:spPr>
+          <a:xfrm>
+            <a:off x="457757" y="4163409"/>
+            <a:ext cx="12110311" cy="369332"/>
+          </a:xfrm>
+          <a:prstGeom prst="rect">
+            <a:avLst/>
+          </a:prstGeom>
+          <a:noFill/>
+        </p:spPr>
+        <p:txBody>
+          <a:bodyPr wrap="square" rtlCol="0">
+            <a:spAutoFit/>
+          </a:bodyPr>
+          <a:lstStyle/>
+          <a:p>
+            <a:pPr algn="ctr"/>
+            <a:r>
+              <a:rPr lang="fr-FR" dirty="0"/>
+              <a:t>Hacheur « MOSFET»</a:t>
+            </a:r>
+          </a:p>
+        </p:txBody>
+      </p:sp>
+      <p:grpSp>
+        <p:nvGrpSpPr>
+          <p:cNvPr id="32" name="Groupe 31">
+            <a:extLst>
+              <a:ext uri="{FF2B5EF4-FFF2-40B4-BE49-F238E27FC236}">
+                <a16:creationId xmlns:a16="http://schemas.microsoft.com/office/drawing/2014/main" id="{4059C890-6C0B-6AE1-67EE-C71DEA178803}"/>
+              </a:ext>
+            </a:extLst>
+          </p:cNvPr>
+          <p:cNvGrpSpPr/>
+          <p:nvPr/>
+        </p:nvGrpSpPr>
+        <p:grpSpPr>
+          <a:xfrm>
+            <a:off x="725280" y="4800600"/>
+            <a:ext cx="3973518" cy="1638839"/>
+            <a:chOff x="1299407" y="5247640"/>
+            <a:chExt cx="3973518" cy="1638839"/>
+          </a:xfrm>
+        </p:grpSpPr>
+        <p:pic>
+          <p:nvPicPr>
+            <p:cNvPr id="21" name="Image 20">
+              <a:extLst>
+                <a:ext uri="{FF2B5EF4-FFF2-40B4-BE49-F238E27FC236}">
+                  <a16:creationId xmlns:a16="http://schemas.microsoft.com/office/drawing/2014/main" id="{7D10C67B-7B67-6389-EFE1-EE6C6F254F29}"/>
+                </a:ext>
+              </a:extLst>
+            </p:cNvPr>
+            <p:cNvPicPr>
+              <a:picLocks noChangeAspect="1"/>
+            </p:cNvPicPr>
+            <p:nvPr/>
+          </p:nvPicPr>
+          <p:blipFill>
+            <a:blip r:embed="rId7"/>
+            <a:stretch>
+              <a:fillRect/>
+            </a:stretch>
+          </p:blipFill>
+          <p:spPr>
+            <a:xfrm>
+              <a:off x="1299407" y="5247640"/>
+              <a:ext cx="3973518" cy="1638839"/>
+            </a:xfrm>
+            <a:prstGeom prst="rect">
+              <a:avLst/>
+            </a:prstGeom>
+          </p:spPr>
+        </p:pic>
+        <p:sp>
+          <p:nvSpPr>
+            <p:cNvPr id="27" name="Rectangle 26">
+              <a:extLst>
+                <a:ext uri="{FF2B5EF4-FFF2-40B4-BE49-F238E27FC236}">
+                  <a16:creationId xmlns:a16="http://schemas.microsoft.com/office/drawing/2014/main" id="{4E6D0A52-58B3-1BD7-43EE-4B8B465F6D11}"/>
+                </a:ext>
+              </a:extLst>
+            </p:cNvPr>
+            <p:cNvSpPr/>
+            <p:nvPr/>
+          </p:nvSpPr>
+          <p:spPr>
+            <a:xfrm>
+              <a:off x="1903758" y="5247640"/>
+              <a:ext cx="808282" cy="739274"/>
+            </a:xfrm>
+            <a:prstGeom prst="rect">
+              <a:avLst/>
+            </a:prstGeom>
+            <a:noFill/>
+            <a:ln w="19050">
+              <a:solidFill>
+                <a:srgbClr val="FF0000"/>
+              </a:solidFill>
+              <a:prstDash val="sysDash"/>
+            </a:ln>
+          </p:spPr>
+          <p:style>
+            <a:lnRef idx="2">
+              <a:schemeClr val="accent1">
+                <a:shade val="50000"/>
+              </a:schemeClr>
+            </a:lnRef>
+            <a:fillRef idx="1">
+              <a:schemeClr val="accent1"/>
+            </a:fillRef>
+            <a:effectRef idx="0">
+              <a:schemeClr val="accent1"/>
+            </a:effectRef>
+            <a:fontRef idx="minor">
+              <a:schemeClr val="lt1"/>
+            </a:fontRef>
+          </p:style>
+          <p:txBody>
+            <a:bodyPr rtlCol="0" anchor="ctr"/>
+            <a:lstStyle/>
+            <a:p>
+              <a:pPr algn="ctr"/>
+              <a:endParaRPr lang="fr-FR" sz="2223"/>
+            </a:p>
+          </p:txBody>
+        </p:sp>
+        <p:sp>
+          <p:nvSpPr>
+            <p:cNvPr id="29" name="Rectangle 28">
+              <a:extLst>
+                <a:ext uri="{FF2B5EF4-FFF2-40B4-BE49-F238E27FC236}">
+                  <a16:creationId xmlns:a16="http://schemas.microsoft.com/office/drawing/2014/main" id="{B57507C7-88C0-EB4F-A86E-FF2B20A7E697}"/>
+                </a:ext>
+              </a:extLst>
+            </p:cNvPr>
+            <p:cNvSpPr/>
+            <p:nvPr/>
+          </p:nvSpPr>
+          <p:spPr>
+            <a:xfrm>
+              <a:off x="3423176" y="5900978"/>
+              <a:ext cx="643561" cy="621674"/>
+            </a:xfrm>
+            <a:prstGeom prst="rect">
+              <a:avLst/>
+            </a:prstGeom>
+            <a:noFill/>
+            <a:ln w="19050" cap="flat" cmpd="sng" algn="ctr">
+              <a:solidFill>
+                <a:srgbClr val="7030A0"/>
+              </a:solidFill>
+              <a:prstDash val="sysDash"/>
+            </a:ln>
+            <a:effectLst/>
+          </p:spPr>
+          <p:txBody>
+            <a:bodyPr rtlCol="0" anchor="t"/>
+            <a:lstStyle/>
+            <a:p>
+              <a:pPr algn="ctr" defTabSz="960120">
+                <a:defRPr/>
+              </a:pPr>
+              <a:endParaRPr lang="fr-FR" sz="1050" b="1" kern="0" dirty="0">
+                <a:solidFill>
+                  <a:prstClr val="black"/>
+                </a:solidFill>
+                <a:latin typeface="Calibri"/>
+              </a:endParaRPr>
+            </a:p>
+          </p:txBody>
+        </p:sp>
+        <p:sp>
+          <p:nvSpPr>
+            <p:cNvPr id="31" name="Rectangle 30">
+              <a:extLst>
+                <a:ext uri="{FF2B5EF4-FFF2-40B4-BE49-F238E27FC236}">
+                  <a16:creationId xmlns:a16="http://schemas.microsoft.com/office/drawing/2014/main" id="{24C59C8F-79CD-A111-FB57-ABAC2597FBEE}"/>
+                </a:ext>
+              </a:extLst>
+            </p:cNvPr>
+            <p:cNvSpPr/>
+            <p:nvPr/>
+          </p:nvSpPr>
+          <p:spPr>
+            <a:xfrm>
+              <a:off x="1742173" y="6077167"/>
+              <a:ext cx="407332" cy="246631"/>
+            </a:xfrm>
+            <a:prstGeom prst="rect">
+              <a:avLst/>
+            </a:prstGeom>
+            <a:noFill/>
+            <a:ln w="19050" cap="flat" cmpd="sng" algn="ctr">
+              <a:solidFill>
+                <a:srgbClr val="00B050"/>
+              </a:solidFill>
+              <a:prstDash val="sysDot"/>
+            </a:ln>
+            <a:effectLst/>
+          </p:spPr>
+          <p:txBody>
+            <a:bodyPr rtlCol="0" anchor="t"/>
+            <a:lstStyle/>
+            <a:p>
+              <a:pPr algn="ctr" defTabSz="960120"/>
+              <a:endParaRPr lang="fr-FR" sz="1050" kern="0" dirty="0">
+                <a:solidFill>
+                  <a:prstClr val="black"/>
+                </a:solidFill>
+                <a:latin typeface="Calibri"/>
+              </a:endParaRPr>
+            </a:p>
+          </p:txBody>
+        </p:sp>
+      </p:grpSp>
+      <p:sp>
+        <p:nvSpPr>
+          <p:cNvPr id="33" name="ZoneTexte 32">
+            <a:extLst>
+              <a:ext uri="{FF2B5EF4-FFF2-40B4-BE49-F238E27FC236}">
+                <a16:creationId xmlns:a16="http://schemas.microsoft.com/office/drawing/2014/main" id="{1952C87A-C88B-5806-399E-9C663AF9B7CB}"/>
+              </a:ext>
+            </a:extLst>
+          </p:cNvPr>
+          <p:cNvSpPr txBox="1"/>
+          <p:nvPr/>
+        </p:nvSpPr>
+        <p:spPr>
+          <a:xfrm>
+            <a:off x="4915196" y="4557175"/>
+            <a:ext cx="3569745" cy="1954381"/>
+          </a:xfrm>
+          <a:prstGeom prst="rect">
+            <a:avLst/>
+          </a:prstGeom>
+          <a:noFill/>
+        </p:spPr>
+        <p:txBody>
+          <a:bodyPr wrap="square" rtlCol="0">
+            <a:spAutoFit/>
+          </a:bodyPr>
+          <a:lstStyle/>
+          <a:p>
             <a:pPr algn="just"/>
             <a:r>
-              <a:rPr lang="fr-FR" sz="1000" dirty="0"/>
-              <a:t>Pour moduler la vitesse d’un moteur à courant continu, on va ouvrir et fermer un interrupteur à haute fréquence. Ainsi, le moteur sera alimenté par une tension hachée. </a:t>
+              <a:rPr lang="fr-FR" sz="1100" dirty="0"/>
+              <a:t>Pour disposer d’un interrupteur permettant de s’ouvrir et de se fermer à haute fréquence on utilise un transistor. L’ouverture et la fermeture d’un transistor peut être commandé par un signal en créneau généré par une carte électronique (Arduino par exemple). Ce signal a deux caractéristiques principales : </a:t>
             </a:r>
           </a:p>
           <a:p>
@@ -3932,8 +4284,8 @@
               <a:buChar char="•"/>
             </a:pPr>
             <a:r>
-              <a:rPr lang="fr-FR" sz="1000" dirty="0"/>
-              <a:t>Si l’interrupteur et fermé, le moteur reçoit la totalité de la source d’alimentation. </a:t>
+              <a:rPr lang="fr-FR" sz="1100" dirty="0"/>
+              <a:t>La fréquence de hachage (en Hz)</a:t>
             </a:r>
           </a:p>
           <a:p>
@@ -3942,22 +4294,1702 @@
               <a:buChar char="•"/>
             </a:pPr>
             <a:r>
-              <a:rPr lang="fr-FR" sz="1000" dirty="0"/>
-              <a:t>Si l’interrupteur est ouvert, le moteur reçoit 0V. </a:t>
+              <a:rPr lang="fr-FR" sz="1100" dirty="0"/>
+              <a:t>Le rapport cyclique (en %).</a:t>
             </a:r>
           </a:p>
           <a:p>
-            <a:pPr marL="171450" indent="-171450" algn="just">
-              <a:buFont typeface="Arial" panose="020B0604020202020204" pitchFamily="34" charset="0"/>
-              <a:buChar char="•"/>
-            </a:pPr>
+            <a:pPr algn="just"/>
             <a:r>
-              <a:rPr lang="fr-FR" sz="1000" dirty="0"/>
-              <a:t>Si il est ouvert 50% du temps et fermé 50% du temps, le moteur reçoit la moitié de la tension de la source. </a:t>
+              <a:rPr lang="fr-FR" sz="1100" dirty="0"/>
+              <a:t>Le rapport cyclique et le pourcentage d’une période à l’état haut. On parle de MLI (modulation de largeur d’impulsion – PWM : Pulse </a:t>
+            </a:r>
+            <a:r>
+              <a:rPr lang="fr-FR" sz="1100" dirty="0" err="1"/>
+              <a:t>Width</a:t>
+            </a:r>
+            <a:r>
+              <a:rPr lang="fr-FR" sz="1100" dirty="0"/>
+              <a:t> </a:t>
+            </a:r>
+            <a:r>
+              <a:rPr lang="fr-FR" sz="1100" dirty="0" err="1"/>
+              <a:t>Moldulation</a:t>
+            </a:r>
+            <a:r>
+              <a:rPr lang="fr-FR" sz="1100" dirty="0"/>
+              <a:t> –).</a:t>
             </a:r>
           </a:p>
         </p:txBody>
       </p:sp>
+      <p:grpSp>
+        <p:nvGrpSpPr>
+          <p:cNvPr id="86" name="Groupe 85">
+            <a:extLst>
+              <a:ext uri="{FF2B5EF4-FFF2-40B4-BE49-F238E27FC236}">
+                <a16:creationId xmlns:a16="http://schemas.microsoft.com/office/drawing/2014/main" id="{A85343CA-FE7A-5F1B-BB13-6EC5E93C80E0}"/>
+              </a:ext>
+            </a:extLst>
+          </p:cNvPr>
+          <p:cNvGrpSpPr/>
+          <p:nvPr/>
+        </p:nvGrpSpPr>
+        <p:grpSpPr>
+          <a:xfrm>
+            <a:off x="1343594" y="2012166"/>
+            <a:ext cx="5330256" cy="1521976"/>
+            <a:chOff x="1343594" y="2012166"/>
+            <a:chExt cx="5330256" cy="1521976"/>
+          </a:xfrm>
+        </p:grpSpPr>
+        <p:cxnSp>
+          <p:nvCxnSpPr>
+            <p:cNvPr id="34" name="Connecteur droit 33">
+              <a:extLst>
+                <a:ext uri="{FF2B5EF4-FFF2-40B4-BE49-F238E27FC236}">
+                  <a16:creationId xmlns:a16="http://schemas.microsoft.com/office/drawing/2014/main" id="{167114A0-5E10-F174-CDE6-B8FB7B6C2589}"/>
+                </a:ext>
+              </a:extLst>
+            </p:cNvPr>
+            <p:cNvCxnSpPr>
+              <a:cxnSpLocks/>
+            </p:cNvCxnSpPr>
+            <p:nvPr/>
+          </p:nvCxnSpPr>
+          <p:spPr>
+            <a:xfrm>
+              <a:off x="5001461" y="2444750"/>
+              <a:ext cx="0" cy="1016000"/>
+            </a:xfrm>
+            <a:prstGeom prst="line">
+              <a:avLst/>
+            </a:prstGeom>
+            <a:ln w="28575">
+              <a:solidFill>
+                <a:srgbClr val="00B050"/>
+              </a:solidFill>
+              <a:prstDash val="sysDash"/>
+            </a:ln>
+          </p:spPr>
+          <p:style>
+            <a:lnRef idx="1">
+              <a:schemeClr val="accent1"/>
+            </a:lnRef>
+            <a:fillRef idx="0">
+              <a:schemeClr val="accent1"/>
+            </a:fillRef>
+            <a:effectRef idx="0">
+              <a:schemeClr val="accent1"/>
+            </a:effectRef>
+            <a:fontRef idx="minor">
+              <a:schemeClr val="tx1"/>
+            </a:fontRef>
+          </p:style>
+        </p:cxnSp>
+        <p:cxnSp>
+          <p:nvCxnSpPr>
+            <p:cNvPr id="35" name="Connecteur droit 34">
+              <a:extLst>
+                <a:ext uri="{FF2B5EF4-FFF2-40B4-BE49-F238E27FC236}">
+                  <a16:creationId xmlns:a16="http://schemas.microsoft.com/office/drawing/2014/main" id="{320B3EC8-63B1-2C3D-779B-0ACF57101179}"/>
+                </a:ext>
+              </a:extLst>
+            </p:cNvPr>
+            <p:cNvCxnSpPr>
+              <a:cxnSpLocks/>
+            </p:cNvCxnSpPr>
+            <p:nvPr/>
+          </p:nvCxnSpPr>
+          <p:spPr>
+            <a:xfrm>
+              <a:off x="5752498" y="2481446"/>
+              <a:ext cx="0" cy="1016000"/>
+            </a:xfrm>
+            <a:prstGeom prst="line">
+              <a:avLst/>
+            </a:prstGeom>
+            <a:ln w="28575">
+              <a:solidFill>
+                <a:srgbClr val="00B050"/>
+              </a:solidFill>
+              <a:prstDash val="sysDash"/>
+            </a:ln>
+          </p:spPr>
+          <p:style>
+            <a:lnRef idx="1">
+              <a:schemeClr val="accent1"/>
+            </a:lnRef>
+            <a:fillRef idx="0">
+              <a:schemeClr val="accent1"/>
+            </a:fillRef>
+            <a:effectRef idx="0">
+              <a:schemeClr val="accent1"/>
+            </a:effectRef>
+            <a:fontRef idx="minor">
+              <a:schemeClr val="tx1"/>
+            </a:fontRef>
+          </p:style>
+        </p:cxnSp>
+        <p:cxnSp>
+          <p:nvCxnSpPr>
+            <p:cNvPr id="36" name="Connecteur droit 35">
+              <a:extLst>
+                <a:ext uri="{FF2B5EF4-FFF2-40B4-BE49-F238E27FC236}">
+                  <a16:creationId xmlns:a16="http://schemas.microsoft.com/office/drawing/2014/main" id="{29C460D8-C90E-E114-0054-9ACB0F84CB12}"/>
+                </a:ext>
+              </a:extLst>
+            </p:cNvPr>
+            <p:cNvCxnSpPr>
+              <a:cxnSpLocks/>
+            </p:cNvCxnSpPr>
+            <p:nvPr/>
+          </p:nvCxnSpPr>
+          <p:spPr>
+            <a:xfrm>
+              <a:off x="6503535" y="2518142"/>
+              <a:ext cx="0" cy="1016000"/>
+            </a:xfrm>
+            <a:prstGeom prst="line">
+              <a:avLst/>
+            </a:prstGeom>
+            <a:ln w="28575">
+              <a:solidFill>
+                <a:srgbClr val="00B050"/>
+              </a:solidFill>
+              <a:prstDash val="sysDash"/>
+            </a:ln>
+          </p:spPr>
+          <p:style>
+            <a:lnRef idx="1">
+              <a:schemeClr val="accent1"/>
+            </a:lnRef>
+            <a:fillRef idx="0">
+              <a:schemeClr val="accent1"/>
+            </a:fillRef>
+            <a:effectRef idx="0">
+              <a:schemeClr val="accent1"/>
+            </a:effectRef>
+            <a:fontRef idx="minor">
+              <a:schemeClr val="tx1"/>
+            </a:fontRef>
+          </p:style>
+        </p:cxnSp>
+        <p:cxnSp>
+          <p:nvCxnSpPr>
+            <p:cNvPr id="37" name="Connecteur droit 36">
+              <a:extLst>
+                <a:ext uri="{FF2B5EF4-FFF2-40B4-BE49-F238E27FC236}">
+                  <a16:creationId xmlns:a16="http://schemas.microsoft.com/office/drawing/2014/main" id="{F194001C-F929-50A8-B43B-20009CFFEACF}"/>
+                </a:ext>
+              </a:extLst>
+            </p:cNvPr>
+            <p:cNvCxnSpPr>
+              <a:cxnSpLocks/>
+            </p:cNvCxnSpPr>
+            <p:nvPr/>
+          </p:nvCxnSpPr>
+          <p:spPr>
+            <a:xfrm>
+              <a:off x="2104724" y="2444750"/>
+              <a:ext cx="0" cy="1016000"/>
+            </a:xfrm>
+            <a:prstGeom prst="line">
+              <a:avLst/>
+            </a:prstGeom>
+            <a:ln w="28575">
+              <a:solidFill>
+                <a:srgbClr val="00B050"/>
+              </a:solidFill>
+              <a:prstDash val="sysDash"/>
+            </a:ln>
+          </p:spPr>
+          <p:style>
+            <a:lnRef idx="1">
+              <a:schemeClr val="accent1"/>
+            </a:lnRef>
+            <a:fillRef idx="0">
+              <a:schemeClr val="accent1"/>
+            </a:fillRef>
+            <a:effectRef idx="0">
+              <a:schemeClr val="accent1"/>
+            </a:effectRef>
+            <a:fontRef idx="minor">
+              <a:schemeClr val="tx1"/>
+            </a:fontRef>
+          </p:style>
+        </p:cxnSp>
+        <p:cxnSp>
+          <p:nvCxnSpPr>
+            <p:cNvPr id="38" name="Connecteur droit 37">
+              <a:extLst>
+                <a:ext uri="{FF2B5EF4-FFF2-40B4-BE49-F238E27FC236}">
+                  <a16:creationId xmlns:a16="http://schemas.microsoft.com/office/drawing/2014/main" id="{E012C8D2-97CE-3ADA-D442-EFCD27C0238A}"/>
+                </a:ext>
+              </a:extLst>
+            </p:cNvPr>
+            <p:cNvCxnSpPr>
+              <a:cxnSpLocks/>
+            </p:cNvCxnSpPr>
+            <p:nvPr/>
+          </p:nvCxnSpPr>
+          <p:spPr>
+            <a:xfrm>
+              <a:off x="2855761" y="2481446"/>
+              <a:ext cx="0" cy="1016000"/>
+            </a:xfrm>
+            <a:prstGeom prst="line">
+              <a:avLst/>
+            </a:prstGeom>
+            <a:ln w="28575">
+              <a:solidFill>
+                <a:srgbClr val="00B050"/>
+              </a:solidFill>
+              <a:prstDash val="sysDash"/>
+            </a:ln>
+          </p:spPr>
+          <p:style>
+            <a:lnRef idx="1">
+              <a:schemeClr val="accent1"/>
+            </a:lnRef>
+            <a:fillRef idx="0">
+              <a:schemeClr val="accent1"/>
+            </a:fillRef>
+            <a:effectRef idx="0">
+              <a:schemeClr val="accent1"/>
+            </a:effectRef>
+            <a:fontRef idx="minor">
+              <a:schemeClr val="tx1"/>
+            </a:fontRef>
+          </p:style>
+        </p:cxnSp>
+        <p:cxnSp>
+          <p:nvCxnSpPr>
+            <p:cNvPr id="40" name="Connecteur droit 39">
+              <a:extLst>
+                <a:ext uri="{FF2B5EF4-FFF2-40B4-BE49-F238E27FC236}">
+                  <a16:creationId xmlns:a16="http://schemas.microsoft.com/office/drawing/2014/main" id="{883E9A09-CF3B-3C15-9CEF-D4CAC82108EA}"/>
+                </a:ext>
+              </a:extLst>
+            </p:cNvPr>
+            <p:cNvCxnSpPr>
+              <a:cxnSpLocks/>
+            </p:cNvCxnSpPr>
+            <p:nvPr/>
+          </p:nvCxnSpPr>
+          <p:spPr>
+            <a:xfrm>
+              <a:off x="3606798" y="2518142"/>
+              <a:ext cx="0" cy="1016000"/>
+            </a:xfrm>
+            <a:prstGeom prst="line">
+              <a:avLst/>
+            </a:prstGeom>
+            <a:ln w="28575">
+              <a:solidFill>
+                <a:srgbClr val="00B050"/>
+              </a:solidFill>
+              <a:prstDash val="sysDash"/>
+            </a:ln>
+          </p:spPr>
+          <p:style>
+            <a:lnRef idx="1">
+              <a:schemeClr val="accent1"/>
+            </a:lnRef>
+            <a:fillRef idx="0">
+              <a:schemeClr val="accent1"/>
+            </a:fillRef>
+            <a:effectRef idx="0">
+              <a:schemeClr val="accent1"/>
+            </a:effectRef>
+            <a:fontRef idx="minor">
+              <a:schemeClr val="tx1"/>
+            </a:fontRef>
+          </p:style>
+        </p:cxnSp>
+        <p:cxnSp>
+          <p:nvCxnSpPr>
+            <p:cNvPr id="41" name="Connecteur droit avec flèche 40">
+              <a:extLst>
+                <a:ext uri="{FF2B5EF4-FFF2-40B4-BE49-F238E27FC236}">
+                  <a16:creationId xmlns:a16="http://schemas.microsoft.com/office/drawing/2014/main" id="{FA667282-1A16-A521-C001-A8A69044F292}"/>
+                </a:ext>
+              </a:extLst>
+            </p:cNvPr>
+            <p:cNvCxnSpPr>
+              <a:cxnSpLocks/>
+            </p:cNvCxnSpPr>
+            <p:nvPr/>
+          </p:nvCxnSpPr>
+          <p:spPr>
+            <a:xfrm flipV="1">
+              <a:off x="1357163" y="2387065"/>
+              <a:ext cx="0" cy="952901"/>
+            </a:xfrm>
+            <a:prstGeom prst="straightConnector1">
+              <a:avLst/>
+            </a:prstGeom>
+            <a:ln>
+              <a:solidFill>
+                <a:srgbClr val="002060"/>
+              </a:solidFill>
+              <a:tailEnd type="triangle"/>
+            </a:ln>
+          </p:spPr>
+          <p:style>
+            <a:lnRef idx="1">
+              <a:schemeClr val="accent1"/>
+            </a:lnRef>
+            <a:fillRef idx="0">
+              <a:schemeClr val="accent1"/>
+            </a:fillRef>
+            <a:effectRef idx="0">
+              <a:schemeClr val="accent1"/>
+            </a:effectRef>
+            <a:fontRef idx="minor">
+              <a:schemeClr val="tx1"/>
+            </a:fontRef>
+          </p:style>
+        </p:cxnSp>
+        <p:cxnSp>
+          <p:nvCxnSpPr>
+            <p:cNvPr id="42" name="Connecteur droit avec flèche 41">
+              <a:extLst>
+                <a:ext uri="{FF2B5EF4-FFF2-40B4-BE49-F238E27FC236}">
+                  <a16:creationId xmlns:a16="http://schemas.microsoft.com/office/drawing/2014/main" id="{2DADF451-1170-FA03-9D54-A54FBB85C73A}"/>
+                </a:ext>
+              </a:extLst>
+            </p:cNvPr>
+            <p:cNvCxnSpPr>
+              <a:cxnSpLocks/>
+            </p:cNvCxnSpPr>
+            <p:nvPr/>
+          </p:nvCxnSpPr>
+          <p:spPr>
+            <a:xfrm>
+              <a:off x="1357163" y="3339966"/>
+              <a:ext cx="2414737" cy="0"/>
+            </a:xfrm>
+            <a:prstGeom prst="straightConnector1">
+              <a:avLst/>
+            </a:prstGeom>
+            <a:ln>
+              <a:solidFill>
+                <a:srgbClr val="002060"/>
+              </a:solidFill>
+              <a:tailEnd type="triangle"/>
+            </a:ln>
+          </p:spPr>
+          <p:style>
+            <a:lnRef idx="1">
+              <a:schemeClr val="accent1"/>
+            </a:lnRef>
+            <a:fillRef idx="0">
+              <a:schemeClr val="accent1"/>
+            </a:fillRef>
+            <a:effectRef idx="0">
+              <a:schemeClr val="accent1"/>
+            </a:effectRef>
+            <a:fontRef idx="minor">
+              <a:schemeClr val="tx1"/>
+            </a:fontRef>
+          </p:style>
+        </p:cxnSp>
+        <p:grpSp>
+          <p:nvGrpSpPr>
+            <p:cNvPr id="45" name="Groupe 44">
+              <a:extLst>
+                <a:ext uri="{FF2B5EF4-FFF2-40B4-BE49-F238E27FC236}">
+                  <a16:creationId xmlns:a16="http://schemas.microsoft.com/office/drawing/2014/main" id="{310A3633-593F-BAEB-8FFF-6E71C8DC2E66}"/>
+                </a:ext>
+              </a:extLst>
+            </p:cNvPr>
+            <p:cNvGrpSpPr/>
+            <p:nvPr/>
+          </p:nvGrpSpPr>
+          <p:grpSpPr>
+            <a:xfrm>
+              <a:off x="1357163" y="2608446"/>
+              <a:ext cx="749300" cy="731520"/>
+              <a:chOff x="1357163" y="2608446"/>
+              <a:chExt cx="749300" cy="731520"/>
+            </a:xfrm>
+          </p:grpSpPr>
+          <p:cxnSp>
+            <p:nvCxnSpPr>
+              <p:cNvPr id="46" name="Connecteur droit 45">
+                <a:extLst>
+                  <a:ext uri="{FF2B5EF4-FFF2-40B4-BE49-F238E27FC236}">
+                    <a16:creationId xmlns:a16="http://schemas.microsoft.com/office/drawing/2014/main" id="{253EB9F3-3E5F-C4AC-5EB4-B579A08E043C}"/>
+                  </a:ext>
+                </a:extLst>
+              </p:cNvPr>
+              <p:cNvCxnSpPr/>
+              <p:nvPr/>
+            </p:nvCxnSpPr>
+            <p:spPr>
+              <a:xfrm flipV="1">
+                <a:off x="1357163" y="2608446"/>
+                <a:ext cx="0" cy="731520"/>
+              </a:xfrm>
+              <a:prstGeom prst="line">
+                <a:avLst/>
+              </a:prstGeom>
+              <a:ln w="28575">
+                <a:solidFill>
+                  <a:srgbClr val="C00000"/>
+                </a:solidFill>
+              </a:ln>
+            </p:spPr>
+            <p:style>
+              <a:lnRef idx="1">
+                <a:schemeClr val="accent1"/>
+              </a:lnRef>
+              <a:fillRef idx="0">
+                <a:schemeClr val="accent1"/>
+              </a:fillRef>
+              <a:effectRef idx="0">
+                <a:schemeClr val="accent1"/>
+              </a:effectRef>
+              <a:fontRef idx="minor">
+                <a:schemeClr val="tx1"/>
+              </a:fontRef>
+            </p:style>
+          </p:cxnSp>
+          <p:cxnSp>
+            <p:nvCxnSpPr>
+              <p:cNvPr id="48" name="Connecteur droit 47">
+                <a:extLst>
+                  <a:ext uri="{FF2B5EF4-FFF2-40B4-BE49-F238E27FC236}">
+                    <a16:creationId xmlns:a16="http://schemas.microsoft.com/office/drawing/2014/main" id="{D89997F2-6B28-A99E-E84A-C90201AB3FDA}"/>
+                  </a:ext>
+                </a:extLst>
+              </p:cNvPr>
+              <p:cNvCxnSpPr>
+                <a:cxnSpLocks/>
+              </p:cNvCxnSpPr>
+              <p:nvPr/>
+            </p:nvCxnSpPr>
+            <p:spPr>
+              <a:xfrm flipH="1">
+                <a:off x="1357163" y="2613392"/>
+                <a:ext cx="374650" cy="0"/>
+              </a:xfrm>
+              <a:prstGeom prst="line">
+                <a:avLst/>
+              </a:prstGeom>
+              <a:ln w="28575">
+                <a:solidFill>
+                  <a:srgbClr val="C00000"/>
+                </a:solidFill>
+              </a:ln>
+            </p:spPr>
+            <p:style>
+              <a:lnRef idx="1">
+                <a:schemeClr val="accent1"/>
+              </a:lnRef>
+              <a:fillRef idx="0">
+                <a:schemeClr val="accent1"/>
+              </a:fillRef>
+              <a:effectRef idx="0">
+                <a:schemeClr val="accent1"/>
+              </a:effectRef>
+              <a:fontRef idx="minor">
+                <a:schemeClr val="tx1"/>
+              </a:fontRef>
+            </p:style>
+          </p:cxnSp>
+          <p:cxnSp>
+            <p:nvCxnSpPr>
+              <p:cNvPr id="49" name="Connecteur droit 48">
+                <a:extLst>
+                  <a:ext uri="{FF2B5EF4-FFF2-40B4-BE49-F238E27FC236}">
+                    <a16:creationId xmlns:a16="http://schemas.microsoft.com/office/drawing/2014/main" id="{05FF3977-DE51-5A05-7B5B-DBE012258D52}"/>
+                  </a:ext>
+                </a:extLst>
+              </p:cNvPr>
+              <p:cNvCxnSpPr/>
+              <p:nvPr/>
+            </p:nvCxnSpPr>
+            <p:spPr>
+              <a:xfrm flipV="1">
+                <a:off x="1731813" y="2608446"/>
+                <a:ext cx="0" cy="731520"/>
+              </a:xfrm>
+              <a:prstGeom prst="line">
+                <a:avLst/>
+              </a:prstGeom>
+              <a:ln w="28575">
+                <a:solidFill>
+                  <a:srgbClr val="C00000"/>
+                </a:solidFill>
+              </a:ln>
+            </p:spPr>
+            <p:style>
+              <a:lnRef idx="1">
+                <a:schemeClr val="accent1"/>
+              </a:lnRef>
+              <a:fillRef idx="0">
+                <a:schemeClr val="accent1"/>
+              </a:fillRef>
+              <a:effectRef idx="0">
+                <a:schemeClr val="accent1"/>
+              </a:effectRef>
+              <a:fontRef idx="minor">
+                <a:schemeClr val="tx1"/>
+              </a:fontRef>
+            </p:style>
+          </p:cxnSp>
+          <p:cxnSp>
+            <p:nvCxnSpPr>
+              <p:cNvPr id="50" name="Connecteur droit 49">
+                <a:extLst>
+                  <a:ext uri="{FF2B5EF4-FFF2-40B4-BE49-F238E27FC236}">
+                    <a16:creationId xmlns:a16="http://schemas.microsoft.com/office/drawing/2014/main" id="{401EA001-0F0A-7490-63AA-F00CD0C2AC68}"/>
+                  </a:ext>
+                </a:extLst>
+              </p:cNvPr>
+              <p:cNvCxnSpPr>
+                <a:cxnSpLocks/>
+              </p:cNvCxnSpPr>
+              <p:nvPr/>
+            </p:nvCxnSpPr>
+            <p:spPr>
+              <a:xfrm flipH="1">
+                <a:off x="1731813" y="3324458"/>
+                <a:ext cx="374650" cy="0"/>
+              </a:xfrm>
+              <a:prstGeom prst="line">
+                <a:avLst/>
+              </a:prstGeom>
+              <a:ln w="28575">
+                <a:solidFill>
+                  <a:srgbClr val="C00000"/>
+                </a:solidFill>
+              </a:ln>
+            </p:spPr>
+            <p:style>
+              <a:lnRef idx="1">
+                <a:schemeClr val="accent1"/>
+              </a:lnRef>
+              <a:fillRef idx="0">
+                <a:schemeClr val="accent1"/>
+              </a:fillRef>
+              <a:effectRef idx="0">
+                <a:schemeClr val="accent1"/>
+              </a:effectRef>
+              <a:fontRef idx="minor">
+                <a:schemeClr val="tx1"/>
+              </a:fontRef>
+            </p:style>
+          </p:cxnSp>
+        </p:grpSp>
+        <p:grpSp>
+          <p:nvGrpSpPr>
+            <p:cNvPr id="52" name="Groupe 51">
+              <a:extLst>
+                <a:ext uri="{FF2B5EF4-FFF2-40B4-BE49-F238E27FC236}">
+                  <a16:creationId xmlns:a16="http://schemas.microsoft.com/office/drawing/2014/main" id="{1B770C6E-6CF5-B79B-1CD0-28BD147302FD}"/>
+                </a:ext>
+              </a:extLst>
+            </p:cNvPr>
+            <p:cNvGrpSpPr/>
+            <p:nvPr/>
+          </p:nvGrpSpPr>
+          <p:grpSpPr>
+            <a:xfrm>
+              <a:off x="2104724" y="2608446"/>
+              <a:ext cx="752776" cy="731520"/>
+              <a:chOff x="1357163" y="2608446"/>
+              <a:chExt cx="749300" cy="731520"/>
+            </a:xfrm>
+          </p:grpSpPr>
+          <p:cxnSp>
+            <p:nvCxnSpPr>
+              <p:cNvPr id="53" name="Connecteur droit 52">
+                <a:extLst>
+                  <a:ext uri="{FF2B5EF4-FFF2-40B4-BE49-F238E27FC236}">
+                    <a16:creationId xmlns:a16="http://schemas.microsoft.com/office/drawing/2014/main" id="{AFF59671-F24B-C39B-13E6-C1F86FBAEC4E}"/>
+                  </a:ext>
+                </a:extLst>
+              </p:cNvPr>
+              <p:cNvCxnSpPr/>
+              <p:nvPr/>
+            </p:nvCxnSpPr>
+            <p:spPr>
+              <a:xfrm flipV="1">
+                <a:off x="1357163" y="2608446"/>
+                <a:ext cx="0" cy="731520"/>
+              </a:xfrm>
+              <a:prstGeom prst="line">
+                <a:avLst/>
+              </a:prstGeom>
+              <a:ln w="28575">
+                <a:solidFill>
+                  <a:srgbClr val="C00000"/>
+                </a:solidFill>
+              </a:ln>
+            </p:spPr>
+            <p:style>
+              <a:lnRef idx="1">
+                <a:schemeClr val="accent1"/>
+              </a:lnRef>
+              <a:fillRef idx="0">
+                <a:schemeClr val="accent1"/>
+              </a:fillRef>
+              <a:effectRef idx="0">
+                <a:schemeClr val="accent1"/>
+              </a:effectRef>
+              <a:fontRef idx="minor">
+                <a:schemeClr val="tx1"/>
+              </a:fontRef>
+            </p:style>
+          </p:cxnSp>
+          <p:cxnSp>
+            <p:nvCxnSpPr>
+              <p:cNvPr id="56" name="Connecteur droit 55">
+                <a:extLst>
+                  <a:ext uri="{FF2B5EF4-FFF2-40B4-BE49-F238E27FC236}">
+                    <a16:creationId xmlns:a16="http://schemas.microsoft.com/office/drawing/2014/main" id="{F62EB060-24D3-8E66-261D-5F1AF15299BF}"/>
+                  </a:ext>
+                </a:extLst>
+              </p:cNvPr>
+              <p:cNvCxnSpPr>
+                <a:cxnSpLocks/>
+              </p:cNvCxnSpPr>
+              <p:nvPr/>
+            </p:nvCxnSpPr>
+            <p:spPr>
+              <a:xfrm flipH="1">
+                <a:off x="1357163" y="2613392"/>
+                <a:ext cx="374650" cy="0"/>
+              </a:xfrm>
+              <a:prstGeom prst="line">
+                <a:avLst/>
+              </a:prstGeom>
+              <a:ln w="28575">
+                <a:solidFill>
+                  <a:srgbClr val="C00000"/>
+                </a:solidFill>
+              </a:ln>
+            </p:spPr>
+            <p:style>
+              <a:lnRef idx="1">
+                <a:schemeClr val="accent1"/>
+              </a:lnRef>
+              <a:fillRef idx="0">
+                <a:schemeClr val="accent1"/>
+              </a:fillRef>
+              <a:effectRef idx="0">
+                <a:schemeClr val="accent1"/>
+              </a:effectRef>
+              <a:fontRef idx="minor">
+                <a:schemeClr val="tx1"/>
+              </a:fontRef>
+            </p:style>
+          </p:cxnSp>
+          <p:cxnSp>
+            <p:nvCxnSpPr>
+              <p:cNvPr id="58" name="Connecteur droit 57">
+                <a:extLst>
+                  <a:ext uri="{FF2B5EF4-FFF2-40B4-BE49-F238E27FC236}">
+                    <a16:creationId xmlns:a16="http://schemas.microsoft.com/office/drawing/2014/main" id="{F6624410-CE3B-8352-DE52-2DF5939709E9}"/>
+                  </a:ext>
+                </a:extLst>
+              </p:cNvPr>
+              <p:cNvCxnSpPr/>
+              <p:nvPr/>
+            </p:nvCxnSpPr>
+            <p:spPr>
+              <a:xfrm flipV="1">
+                <a:off x="1731813" y="2608446"/>
+                <a:ext cx="0" cy="731520"/>
+              </a:xfrm>
+              <a:prstGeom prst="line">
+                <a:avLst/>
+              </a:prstGeom>
+              <a:ln w="28575">
+                <a:solidFill>
+                  <a:srgbClr val="C00000"/>
+                </a:solidFill>
+              </a:ln>
+            </p:spPr>
+            <p:style>
+              <a:lnRef idx="1">
+                <a:schemeClr val="accent1"/>
+              </a:lnRef>
+              <a:fillRef idx="0">
+                <a:schemeClr val="accent1"/>
+              </a:fillRef>
+              <a:effectRef idx="0">
+                <a:schemeClr val="accent1"/>
+              </a:effectRef>
+              <a:fontRef idx="minor">
+                <a:schemeClr val="tx1"/>
+              </a:fontRef>
+            </p:style>
+          </p:cxnSp>
+          <p:cxnSp>
+            <p:nvCxnSpPr>
+              <p:cNvPr id="59" name="Connecteur droit 58">
+                <a:extLst>
+                  <a:ext uri="{FF2B5EF4-FFF2-40B4-BE49-F238E27FC236}">
+                    <a16:creationId xmlns:a16="http://schemas.microsoft.com/office/drawing/2014/main" id="{15924FDE-E2EA-A8C9-7BA2-7135D635E78B}"/>
+                  </a:ext>
+                </a:extLst>
+              </p:cNvPr>
+              <p:cNvCxnSpPr>
+                <a:cxnSpLocks/>
+              </p:cNvCxnSpPr>
+              <p:nvPr/>
+            </p:nvCxnSpPr>
+            <p:spPr>
+              <a:xfrm flipH="1">
+                <a:off x="1731813" y="3324458"/>
+                <a:ext cx="374650" cy="0"/>
+              </a:xfrm>
+              <a:prstGeom prst="line">
+                <a:avLst/>
+              </a:prstGeom>
+              <a:ln w="28575">
+                <a:solidFill>
+                  <a:srgbClr val="C00000"/>
+                </a:solidFill>
+              </a:ln>
+            </p:spPr>
+            <p:style>
+              <a:lnRef idx="1">
+                <a:schemeClr val="accent1"/>
+              </a:lnRef>
+              <a:fillRef idx="0">
+                <a:schemeClr val="accent1"/>
+              </a:fillRef>
+              <a:effectRef idx="0">
+                <a:schemeClr val="accent1"/>
+              </a:effectRef>
+              <a:fontRef idx="minor">
+                <a:schemeClr val="tx1"/>
+              </a:fontRef>
+            </p:style>
+          </p:cxnSp>
+        </p:grpSp>
+        <p:grpSp>
+          <p:nvGrpSpPr>
+            <p:cNvPr id="62" name="Groupe 61">
+              <a:extLst>
+                <a:ext uri="{FF2B5EF4-FFF2-40B4-BE49-F238E27FC236}">
+                  <a16:creationId xmlns:a16="http://schemas.microsoft.com/office/drawing/2014/main" id="{7B984691-1EB3-5D29-48F1-FDC9ECB99292}"/>
+                </a:ext>
+              </a:extLst>
+            </p:cNvPr>
+            <p:cNvGrpSpPr/>
+            <p:nvPr/>
+          </p:nvGrpSpPr>
+          <p:grpSpPr>
+            <a:xfrm>
+              <a:off x="2855761" y="2608446"/>
+              <a:ext cx="752776" cy="731520"/>
+              <a:chOff x="1357163" y="2608446"/>
+              <a:chExt cx="749300" cy="731520"/>
+            </a:xfrm>
+          </p:grpSpPr>
+          <p:cxnSp>
+            <p:nvCxnSpPr>
+              <p:cNvPr id="63" name="Connecteur droit 62">
+                <a:extLst>
+                  <a:ext uri="{FF2B5EF4-FFF2-40B4-BE49-F238E27FC236}">
+                    <a16:creationId xmlns:a16="http://schemas.microsoft.com/office/drawing/2014/main" id="{5A7CF93A-6686-9751-E358-CFDDD2703AF0}"/>
+                  </a:ext>
+                </a:extLst>
+              </p:cNvPr>
+              <p:cNvCxnSpPr/>
+              <p:nvPr/>
+            </p:nvCxnSpPr>
+            <p:spPr>
+              <a:xfrm flipV="1">
+                <a:off x="1357163" y="2608446"/>
+                <a:ext cx="0" cy="731520"/>
+              </a:xfrm>
+              <a:prstGeom prst="line">
+                <a:avLst/>
+              </a:prstGeom>
+              <a:ln w="28575">
+                <a:solidFill>
+                  <a:srgbClr val="C00000"/>
+                </a:solidFill>
+              </a:ln>
+            </p:spPr>
+            <p:style>
+              <a:lnRef idx="1">
+                <a:schemeClr val="accent1"/>
+              </a:lnRef>
+              <a:fillRef idx="0">
+                <a:schemeClr val="accent1"/>
+              </a:fillRef>
+              <a:effectRef idx="0">
+                <a:schemeClr val="accent1"/>
+              </a:effectRef>
+              <a:fontRef idx="minor">
+                <a:schemeClr val="tx1"/>
+              </a:fontRef>
+            </p:style>
+          </p:cxnSp>
+          <p:cxnSp>
+            <p:nvCxnSpPr>
+              <p:cNvPr id="64" name="Connecteur droit 63">
+                <a:extLst>
+                  <a:ext uri="{FF2B5EF4-FFF2-40B4-BE49-F238E27FC236}">
+                    <a16:creationId xmlns:a16="http://schemas.microsoft.com/office/drawing/2014/main" id="{88DA85D0-551F-C035-375A-07241063CED5}"/>
+                  </a:ext>
+                </a:extLst>
+              </p:cNvPr>
+              <p:cNvCxnSpPr>
+                <a:cxnSpLocks/>
+              </p:cNvCxnSpPr>
+              <p:nvPr/>
+            </p:nvCxnSpPr>
+            <p:spPr>
+              <a:xfrm flipH="1">
+                <a:off x="1357163" y="2613392"/>
+                <a:ext cx="374650" cy="0"/>
+              </a:xfrm>
+              <a:prstGeom prst="line">
+                <a:avLst/>
+              </a:prstGeom>
+              <a:ln w="28575">
+                <a:solidFill>
+                  <a:srgbClr val="C00000"/>
+                </a:solidFill>
+              </a:ln>
+            </p:spPr>
+            <p:style>
+              <a:lnRef idx="1">
+                <a:schemeClr val="accent1"/>
+              </a:lnRef>
+              <a:fillRef idx="0">
+                <a:schemeClr val="accent1"/>
+              </a:fillRef>
+              <a:effectRef idx="0">
+                <a:schemeClr val="accent1"/>
+              </a:effectRef>
+              <a:fontRef idx="minor">
+                <a:schemeClr val="tx1"/>
+              </a:fontRef>
+            </p:style>
+          </p:cxnSp>
+          <p:cxnSp>
+            <p:nvCxnSpPr>
+              <p:cNvPr id="65" name="Connecteur droit 64">
+                <a:extLst>
+                  <a:ext uri="{FF2B5EF4-FFF2-40B4-BE49-F238E27FC236}">
+                    <a16:creationId xmlns:a16="http://schemas.microsoft.com/office/drawing/2014/main" id="{12D45362-DF08-32B3-A474-8DCFFB600257}"/>
+                  </a:ext>
+                </a:extLst>
+              </p:cNvPr>
+              <p:cNvCxnSpPr/>
+              <p:nvPr/>
+            </p:nvCxnSpPr>
+            <p:spPr>
+              <a:xfrm flipV="1">
+                <a:off x="1731813" y="2608446"/>
+                <a:ext cx="0" cy="731520"/>
+              </a:xfrm>
+              <a:prstGeom prst="line">
+                <a:avLst/>
+              </a:prstGeom>
+              <a:ln w="28575">
+                <a:solidFill>
+                  <a:srgbClr val="C00000"/>
+                </a:solidFill>
+              </a:ln>
+            </p:spPr>
+            <p:style>
+              <a:lnRef idx="1">
+                <a:schemeClr val="accent1"/>
+              </a:lnRef>
+              <a:fillRef idx="0">
+                <a:schemeClr val="accent1"/>
+              </a:fillRef>
+              <a:effectRef idx="0">
+                <a:schemeClr val="accent1"/>
+              </a:effectRef>
+              <a:fontRef idx="minor">
+                <a:schemeClr val="tx1"/>
+              </a:fontRef>
+            </p:style>
+          </p:cxnSp>
+          <p:cxnSp>
+            <p:nvCxnSpPr>
+              <p:cNvPr id="66" name="Connecteur droit 65">
+                <a:extLst>
+                  <a:ext uri="{FF2B5EF4-FFF2-40B4-BE49-F238E27FC236}">
+                    <a16:creationId xmlns:a16="http://schemas.microsoft.com/office/drawing/2014/main" id="{A4655295-09C2-D826-2352-E2B313BBDCC4}"/>
+                  </a:ext>
+                </a:extLst>
+              </p:cNvPr>
+              <p:cNvCxnSpPr>
+                <a:cxnSpLocks/>
+              </p:cNvCxnSpPr>
+              <p:nvPr/>
+            </p:nvCxnSpPr>
+            <p:spPr>
+              <a:xfrm flipH="1">
+                <a:off x="1731813" y="3324458"/>
+                <a:ext cx="374650" cy="0"/>
+              </a:xfrm>
+              <a:prstGeom prst="line">
+                <a:avLst/>
+              </a:prstGeom>
+              <a:ln w="28575">
+                <a:solidFill>
+                  <a:srgbClr val="C00000"/>
+                </a:solidFill>
+              </a:ln>
+            </p:spPr>
+            <p:style>
+              <a:lnRef idx="1">
+                <a:schemeClr val="accent1"/>
+              </a:lnRef>
+              <a:fillRef idx="0">
+                <a:schemeClr val="accent1"/>
+              </a:fillRef>
+              <a:effectRef idx="0">
+                <a:schemeClr val="accent1"/>
+              </a:effectRef>
+              <a:fontRef idx="minor">
+                <a:schemeClr val="tx1"/>
+              </a:fontRef>
+            </p:style>
+          </p:cxnSp>
+        </p:grpSp>
+        <p:cxnSp>
+          <p:nvCxnSpPr>
+            <p:cNvPr id="67" name="Connecteur droit avec flèche 66">
+              <a:extLst>
+                <a:ext uri="{FF2B5EF4-FFF2-40B4-BE49-F238E27FC236}">
+                  <a16:creationId xmlns:a16="http://schemas.microsoft.com/office/drawing/2014/main" id="{C44B756B-5003-A5ED-6963-9F0B773DF0FA}"/>
+                </a:ext>
+              </a:extLst>
+            </p:cNvPr>
+            <p:cNvCxnSpPr>
+              <a:cxnSpLocks/>
+            </p:cNvCxnSpPr>
+            <p:nvPr/>
+          </p:nvCxnSpPr>
+          <p:spPr>
+            <a:xfrm flipV="1">
+              <a:off x="4259113" y="2387065"/>
+              <a:ext cx="0" cy="952901"/>
+            </a:xfrm>
+            <a:prstGeom prst="straightConnector1">
+              <a:avLst/>
+            </a:prstGeom>
+            <a:ln>
+              <a:solidFill>
+                <a:srgbClr val="002060"/>
+              </a:solidFill>
+              <a:tailEnd type="triangle"/>
+            </a:ln>
+          </p:spPr>
+          <p:style>
+            <a:lnRef idx="1">
+              <a:schemeClr val="accent1"/>
+            </a:lnRef>
+            <a:fillRef idx="0">
+              <a:schemeClr val="accent1"/>
+            </a:fillRef>
+            <a:effectRef idx="0">
+              <a:schemeClr val="accent1"/>
+            </a:effectRef>
+            <a:fontRef idx="minor">
+              <a:schemeClr val="tx1"/>
+            </a:fontRef>
+          </p:style>
+        </p:cxnSp>
+        <p:cxnSp>
+          <p:nvCxnSpPr>
+            <p:cNvPr id="68" name="Connecteur droit avec flèche 67">
+              <a:extLst>
+                <a:ext uri="{FF2B5EF4-FFF2-40B4-BE49-F238E27FC236}">
+                  <a16:creationId xmlns:a16="http://schemas.microsoft.com/office/drawing/2014/main" id="{E5C51874-956F-EE3A-5AC2-F6E2196DE7C6}"/>
+                </a:ext>
+              </a:extLst>
+            </p:cNvPr>
+            <p:cNvCxnSpPr>
+              <a:cxnSpLocks/>
+            </p:cNvCxnSpPr>
+            <p:nvPr/>
+          </p:nvCxnSpPr>
+          <p:spPr>
+            <a:xfrm>
+              <a:off x="4259113" y="3339966"/>
+              <a:ext cx="2414737" cy="0"/>
+            </a:xfrm>
+            <a:prstGeom prst="straightConnector1">
+              <a:avLst/>
+            </a:prstGeom>
+            <a:ln>
+              <a:solidFill>
+                <a:srgbClr val="002060"/>
+              </a:solidFill>
+              <a:tailEnd type="triangle"/>
+            </a:ln>
+          </p:spPr>
+          <p:style>
+            <a:lnRef idx="1">
+              <a:schemeClr val="accent1"/>
+            </a:lnRef>
+            <a:fillRef idx="0">
+              <a:schemeClr val="accent1"/>
+            </a:fillRef>
+            <a:effectRef idx="0">
+              <a:schemeClr val="accent1"/>
+            </a:effectRef>
+            <a:fontRef idx="minor">
+              <a:schemeClr val="tx1"/>
+            </a:fontRef>
+          </p:style>
+        </p:cxnSp>
+        <p:grpSp>
+          <p:nvGrpSpPr>
+            <p:cNvPr id="69" name="Groupe 68">
+              <a:extLst>
+                <a:ext uri="{FF2B5EF4-FFF2-40B4-BE49-F238E27FC236}">
+                  <a16:creationId xmlns:a16="http://schemas.microsoft.com/office/drawing/2014/main" id="{479AF130-A6EE-0830-25F4-6B4A0FE506A0}"/>
+                </a:ext>
+              </a:extLst>
+            </p:cNvPr>
+            <p:cNvGrpSpPr/>
+            <p:nvPr/>
+          </p:nvGrpSpPr>
+          <p:grpSpPr>
+            <a:xfrm>
+              <a:off x="4259113" y="2608446"/>
+              <a:ext cx="749300" cy="731520"/>
+              <a:chOff x="1357163" y="2608446"/>
+              <a:chExt cx="749300" cy="731520"/>
+            </a:xfrm>
+          </p:grpSpPr>
+          <p:cxnSp>
+            <p:nvCxnSpPr>
+              <p:cNvPr id="70" name="Connecteur droit 69">
+                <a:extLst>
+                  <a:ext uri="{FF2B5EF4-FFF2-40B4-BE49-F238E27FC236}">
+                    <a16:creationId xmlns:a16="http://schemas.microsoft.com/office/drawing/2014/main" id="{64E5A73F-63B8-E6EB-308D-DD134397F2E8}"/>
+                  </a:ext>
+                </a:extLst>
+              </p:cNvPr>
+              <p:cNvCxnSpPr/>
+              <p:nvPr/>
+            </p:nvCxnSpPr>
+            <p:spPr>
+              <a:xfrm flipV="1">
+                <a:off x="1357163" y="2608446"/>
+                <a:ext cx="0" cy="731520"/>
+              </a:xfrm>
+              <a:prstGeom prst="line">
+                <a:avLst/>
+              </a:prstGeom>
+              <a:ln w="28575">
+                <a:solidFill>
+                  <a:srgbClr val="C00000"/>
+                </a:solidFill>
+              </a:ln>
+            </p:spPr>
+            <p:style>
+              <a:lnRef idx="1">
+                <a:schemeClr val="accent1"/>
+              </a:lnRef>
+              <a:fillRef idx="0">
+                <a:schemeClr val="accent1"/>
+              </a:fillRef>
+              <a:effectRef idx="0">
+                <a:schemeClr val="accent1"/>
+              </a:effectRef>
+              <a:fontRef idx="minor">
+                <a:schemeClr val="tx1"/>
+              </a:fontRef>
+            </p:style>
+          </p:cxnSp>
+          <p:cxnSp>
+            <p:nvCxnSpPr>
+              <p:cNvPr id="71" name="Connecteur droit 70">
+                <a:extLst>
+                  <a:ext uri="{FF2B5EF4-FFF2-40B4-BE49-F238E27FC236}">
+                    <a16:creationId xmlns:a16="http://schemas.microsoft.com/office/drawing/2014/main" id="{A1570315-377C-D63D-93C9-9D74D021713A}"/>
+                  </a:ext>
+                </a:extLst>
+              </p:cNvPr>
+              <p:cNvCxnSpPr>
+                <a:cxnSpLocks/>
+              </p:cNvCxnSpPr>
+              <p:nvPr/>
+            </p:nvCxnSpPr>
+            <p:spPr>
+              <a:xfrm flipH="1">
+                <a:off x="1357163" y="2613392"/>
+                <a:ext cx="247650" cy="0"/>
+              </a:xfrm>
+              <a:prstGeom prst="line">
+                <a:avLst/>
+              </a:prstGeom>
+              <a:ln w="28575">
+                <a:solidFill>
+                  <a:srgbClr val="C00000"/>
+                </a:solidFill>
+              </a:ln>
+            </p:spPr>
+            <p:style>
+              <a:lnRef idx="1">
+                <a:schemeClr val="accent1"/>
+              </a:lnRef>
+              <a:fillRef idx="0">
+                <a:schemeClr val="accent1"/>
+              </a:fillRef>
+              <a:effectRef idx="0">
+                <a:schemeClr val="accent1"/>
+              </a:effectRef>
+              <a:fontRef idx="minor">
+                <a:schemeClr val="tx1"/>
+              </a:fontRef>
+            </p:style>
+          </p:cxnSp>
+          <p:cxnSp>
+            <p:nvCxnSpPr>
+              <p:cNvPr id="72" name="Connecteur droit 71">
+                <a:extLst>
+                  <a:ext uri="{FF2B5EF4-FFF2-40B4-BE49-F238E27FC236}">
+                    <a16:creationId xmlns:a16="http://schemas.microsoft.com/office/drawing/2014/main" id="{175EED85-E9A7-4554-3107-3DC8AD3DA86D}"/>
+                  </a:ext>
+                </a:extLst>
+              </p:cNvPr>
+              <p:cNvCxnSpPr/>
+              <p:nvPr/>
+            </p:nvCxnSpPr>
+            <p:spPr>
+              <a:xfrm flipV="1">
+                <a:off x="1604813" y="2608446"/>
+                <a:ext cx="0" cy="731520"/>
+              </a:xfrm>
+              <a:prstGeom prst="line">
+                <a:avLst/>
+              </a:prstGeom>
+              <a:ln w="28575">
+                <a:solidFill>
+                  <a:srgbClr val="C00000"/>
+                </a:solidFill>
+              </a:ln>
+            </p:spPr>
+            <p:style>
+              <a:lnRef idx="1">
+                <a:schemeClr val="accent1"/>
+              </a:lnRef>
+              <a:fillRef idx="0">
+                <a:schemeClr val="accent1"/>
+              </a:fillRef>
+              <a:effectRef idx="0">
+                <a:schemeClr val="accent1"/>
+              </a:effectRef>
+              <a:fontRef idx="minor">
+                <a:schemeClr val="tx1"/>
+              </a:fontRef>
+            </p:style>
+          </p:cxnSp>
+          <p:cxnSp>
+            <p:nvCxnSpPr>
+              <p:cNvPr id="73" name="Connecteur droit 72">
+                <a:extLst>
+                  <a:ext uri="{FF2B5EF4-FFF2-40B4-BE49-F238E27FC236}">
+                    <a16:creationId xmlns:a16="http://schemas.microsoft.com/office/drawing/2014/main" id="{30A0EBDC-FBB0-703D-D620-F5EC75C24F61}"/>
+                  </a:ext>
+                </a:extLst>
+              </p:cNvPr>
+              <p:cNvCxnSpPr>
+                <a:cxnSpLocks/>
+              </p:cNvCxnSpPr>
+              <p:nvPr/>
+            </p:nvCxnSpPr>
+            <p:spPr>
+              <a:xfrm flipH="1">
+                <a:off x="1604813" y="3324458"/>
+                <a:ext cx="501650" cy="0"/>
+              </a:xfrm>
+              <a:prstGeom prst="line">
+                <a:avLst/>
+              </a:prstGeom>
+              <a:ln w="28575">
+                <a:solidFill>
+                  <a:srgbClr val="C00000"/>
+                </a:solidFill>
+              </a:ln>
+            </p:spPr>
+            <p:style>
+              <a:lnRef idx="1">
+                <a:schemeClr val="accent1"/>
+              </a:lnRef>
+              <a:fillRef idx="0">
+                <a:schemeClr val="accent1"/>
+              </a:fillRef>
+              <a:effectRef idx="0">
+                <a:schemeClr val="accent1"/>
+              </a:effectRef>
+              <a:fontRef idx="minor">
+                <a:schemeClr val="tx1"/>
+              </a:fontRef>
+            </p:style>
+          </p:cxnSp>
+        </p:grpSp>
+        <p:grpSp>
+          <p:nvGrpSpPr>
+            <p:cNvPr id="74" name="Groupe 73">
+              <a:extLst>
+                <a:ext uri="{FF2B5EF4-FFF2-40B4-BE49-F238E27FC236}">
+                  <a16:creationId xmlns:a16="http://schemas.microsoft.com/office/drawing/2014/main" id="{B3507B3C-E0DE-CF70-EE8C-FB804408C6BA}"/>
+                </a:ext>
+              </a:extLst>
+            </p:cNvPr>
+            <p:cNvGrpSpPr/>
+            <p:nvPr/>
+          </p:nvGrpSpPr>
+          <p:grpSpPr>
+            <a:xfrm>
+              <a:off x="5006674" y="2608446"/>
+              <a:ext cx="749300" cy="731520"/>
+              <a:chOff x="1357163" y="2608446"/>
+              <a:chExt cx="749300" cy="731520"/>
+            </a:xfrm>
+          </p:grpSpPr>
+          <p:cxnSp>
+            <p:nvCxnSpPr>
+              <p:cNvPr id="75" name="Connecteur droit 74">
+                <a:extLst>
+                  <a:ext uri="{FF2B5EF4-FFF2-40B4-BE49-F238E27FC236}">
+                    <a16:creationId xmlns:a16="http://schemas.microsoft.com/office/drawing/2014/main" id="{A034026E-FADB-0E79-E55A-C88DD706A698}"/>
+                  </a:ext>
+                </a:extLst>
+              </p:cNvPr>
+              <p:cNvCxnSpPr/>
+              <p:nvPr/>
+            </p:nvCxnSpPr>
+            <p:spPr>
+              <a:xfrm flipV="1">
+                <a:off x="1357163" y="2608446"/>
+                <a:ext cx="0" cy="731520"/>
+              </a:xfrm>
+              <a:prstGeom prst="line">
+                <a:avLst/>
+              </a:prstGeom>
+              <a:ln w="28575">
+                <a:solidFill>
+                  <a:srgbClr val="C00000"/>
+                </a:solidFill>
+              </a:ln>
+            </p:spPr>
+            <p:style>
+              <a:lnRef idx="1">
+                <a:schemeClr val="accent1"/>
+              </a:lnRef>
+              <a:fillRef idx="0">
+                <a:schemeClr val="accent1"/>
+              </a:fillRef>
+              <a:effectRef idx="0">
+                <a:schemeClr val="accent1"/>
+              </a:effectRef>
+              <a:fontRef idx="minor">
+                <a:schemeClr val="tx1"/>
+              </a:fontRef>
+            </p:style>
+          </p:cxnSp>
+          <p:cxnSp>
+            <p:nvCxnSpPr>
+              <p:cNvPr id="76" name="Connecteur droit 75">
+                <a:extLst>
+                  <a:ext uri="{FF2B5EF4-FFF2-40B4-BE49-F238E27FC236}">
+                    <a16:creationId xmlns:a16="http://schemas.microsoft.com/office/drawing/2014/main" id="{2D75D34E-BAC6-524B-5183-FF1B0915A2E7}"/>
+                  </a:ext>
+                </a:extLst>
+              </p:cNvPr>
+              <p:cNvCxnSpPr>
+                <a:cxnSpLocks/>
+              </p:cNvCxnSpPr>
+              <p:nvPr/>
+            </p:nvCxnSpPr>
+            <p:spPr>
+              <a:xfrm flipH="1">
+                <a:off x="1357163" y="2613392"/>
+                <a:ext cx="247650" cy="0"/>
+              </a:xfrm>
+              <a:prstGeom prst="line">
+                <a:avLst/>
+              </a:prstGeom>
+              <a:ln w="28575">
+                <a:solidFill>
+                  <a:srgbClr val="C00000"/>
+                </a:solidFill>
+              </a:ln>
+            </p:spPr>
+            <p:style>
+              <a:lnRef idx="1">
+                <a:schemeClr val="accent1"/>
+              </a:lnRef>
+              <a:fillRef idx="0">
+                <a:schemeClr val="accent1"/>
+              </a:fillRef>
+              <a:effectRef idx="0">
+                <a:schemeClr val="accent1"/>
+              </a:effectRef>
+              <a:fontRef idx="minor">
+                <a:schemeClr val="tx1"/>
+              </a:fontRef>
+            </p:style>
+          </p:cxnSp>
+          <p:cxnSp>
+            <p:nvCxnSpPr>
+              <p:cNvPr id="77" name="Connecteur droit 76">
+                <a:extLst>
+                  <a:ext uri="{FF2B5EF4-FFF2-40B4-BE49-F238E27FC236}">
+                    <a16:creationId xmlns:a16="http://schemas.microsoft.com/office/drawing/2014/main" id="{AA2ED2AC-7127-231F-C8A4-F8BB41CF7B24}"/>
+                  </a:ext>
+                </a:extLst>
+              </p:cNvPr>
+              <p:cNvCxnSpPr/>
+              <p:nvPr/>
+            </p:nvCxnSpPr>
+            <p:spPr>
+              <a:xfrm flipV="1">
+                <a:off x="1604813" y="2608446"/>
+                <a:ext cx="0" cy="731520"/>
+              </a:xfrm>
+              <a:prstGeom prst="line">
+                <a:avLst/>
+              </a:prstGeom>
+              <a:ln w="28575">
+                <a:solidFill>
+                  <a:srgbClr val="C00000"/>
+                </a:solidFill>
+              </a:ln>
+            </p:spPr>
+            <p:style>
+              <a:lnRef idx="1">
+                <a:schemeClr val="accent1"/>
+              </a:lnRef>
+              <a:fillRef idx="0">
+                <a:schemeClr val="accent1"/>
+              </a:fillRef>
+              <a:effectRef idx="0">
+                <a:schemeClr val="accent1"/>
+              </a:effectRef>
+              <a:fontRef idx="minor">
+                <a:schemeClr val="tx1"/>
+              </a:fontRef>
+            </p:style>
+          </p:cxnSp>
+          <p:cxnSp>
+            <p:nvCxnSpPr>
+              <p:cNvPr id="78" name="Connecteur droit 77">
+                <a:extLst>
+                  <a:ext uri="{FF2B5EF4-FFF2-40B4-BE49-F238E27FC236}">
+                    <a16:creationId xmlns:a16="http://schemas.microsoft.com/office/drawing/2014/main" id="{459A4B0B-FDB9-7174-BDB6-114D23E43F15}"/>
+                  </a:ext>
+                </a:extLst>
+              </p:cNvPr>
+              <p:cNvCxnSpPr>
+                <a:cxnSpLocks/>
+              </p:cNvCxnSpPr>
+              <p:nvPr/>
+            </p:nvCxnSpPr>
+            <p:spPr>
+              <a:xfrm flipH="1">
+                <a:off x="1604813" y="3324458"/>
+                <a:ext cx="501650" cy="0"/>
+              </a:xfrm>
+              <a:prstGeom prst="line">
+                <a:avLst/>
+              </a:prstGeom>
+              <a:ln w="28575">
+                <a:solidFill>
+                  <a:srgbClr val="C00000"/>
+                </a:solidFill>
+              </a:ln>
+            </p:spPr>
+            <p:style>
+              <a:lnRef idx="1">
+                <a:schemeClr val="accent1"/>
+              </a:lnRef>
+              <a:fillRef idx="0">
+                <a:schemeClr val="accent1"/>
+              </a:fillRef>
+              <a:effectRef idx="0">
+                <a:schemeClr val="accent1"/>
+              </a:effectRef>
+              <a:fontRef idx="minor">
+                <a:schemeClr val="tx1"/>
+              </a:fontRef>
+            </p:style>
+          </p:cxnSp>
+        </p:grpSp>
+        <p:grpSp>
+          <p:nvGrpSpPr>
+            <p:cNvPr id="79" name="Groupe 78">
+              <a:extLst>
+                <a:ext uri="{FF2B5EF4-FFF2-40B4-BE49-F238E27FC236}">
+                  <a16:creationId xmlns:a16="http://schemas.microsoft.com/office/drawing/2014/main" id="{DAB77239-24B7-05EC-FA63-EA789DC4B853}"/>
+                </a:ext>
+              </a:extLst>
+            </p:cNvPr>
+            <p:cNvGrpSpPr/>
+            <p:nvPr/>
+          </p:nvGrpSpPr>
+          <p:grpSpPr>
+            <a:xfrm>
+              <a:off x="5754235" y="2608446"/>
+              <a:ext cx="749300" cy="731520"/>
+              <a:chOff x="1357163" y="2608446"/>
+              <a:chExt cx="749300" cy="731520"/>
+            </a:xfrm>
+          </p:grpSpPr>
+          <p:cxnSp>
+            <p:nvCxnSpPr>
+              <p:cNvPr id="80" name="Connecteur droit 79">
+                <a:extLst>
+                  <a:ext uri="{FF2B5EF4-FFF2-40B4-BE49-F238E27FC236}">
+                    <a16:creationId xmlns:a16="http://schemas.microsoft.com/office/drawing/2014/main" id="{5654B514-E866-7257-B0AD-085BA826B5AE}"/>
+                  </a:ext>
+                </a:extLst>
+              </p:cNvPr>
+              <p:cNvCxnSpPr/>
+              <p:nvPr/>
+            </p:nvCxnSpPr>
+            <p:spPr>
+              <a:xfrm flipV="1">
+                <a:off x="1357163" y="2608446"/>
+                <a:ext cx="0" cy="731520"/>
+              </a:xfrm>
+              <a:prstGeom prst="line">
+                <a:avLst/>
+              </a:prstGeom>
+              <a:ln w="28575">
+                <a:solidFill>
+                  <a:srgbClr val="C00000"/>
+                </a:solidFill>
+              </a:ln>
+            </p:spPr>
+            <p:style>
+              <a:lnRef idx="1">
+                <a:schemeClr val="accent1"/>
+              </a:lnRef>
+              <a:fillRef idx="0">
+                <a:schemeClr val="accent1"/>
+              </a:fillRef>
+              <a:effectRef idx="0">
+                <a:schemeClr val="accent1"/>
+              </a:effectRef>
+              <a:fontRef idx="minor">
+                <a:schemeClr val="tx1"/>
+              </a:fontRef>
+            </p:style>
+          </p:cxnSp>
+          <p:cxnSp>
+            <p:nvCxnSpPr>
+              <p:cNvPr id="81" name="Connecteur droit 80">
+                <a:extLst>
+                  <a:ext uri="{FF2B5EF4-FFF2-40B4-BE49-F238E27FC236}">
+                    <a16:creationId xmlns:a16="http://schemas.microsoft.com/office/drawing/2014/main" id="{5AAA7ECA-70EC-E561-ED9D-89D4206CD7A8}"/>
+                  </a:ext>
+                </a:extLst>
+              </p:cNvPr>
+              <p:cNvCxnSpPr>
+                <a:cxnSpLocks/>
+              </p:cNvCxnSpPr>
+              <p:nvPr/>
+            </p:nvCxnSpPr>
+            <p:spPr>
+              <a:xfrm flipH="1">
+                <a:off x="1357163" y="2613392"/>
+                <a:ext cx="247650" cy="0"/>
+              </a:xfrm>
+              <a:prstGeom prst="line">
+                <a:avLst/>
+              </a:prstGeom>
+              <a:ln w="28575">
+                <a:solidFill>
+                  <a:srgbClr val="C00000"/>
+                </a:solidFill>
+              </a:ln>
+            </p:spPr>
+            <p:style>
+              <a:lnRef idx="1">
+                <a:schemeClr val="accent1"/>
+              </a:lnRef>
+              <a:fillRef idx="0">
+                <a:schemeClr val="accent1"/>
+              </a:fillRef>
+              <a:effectRef idx="0">
+                <a:schemeClr val="accent1"/>
+              </a:effectRef>
+              <a:fontRef idx="minor">
+                <a:schemeClr val="tx1"/>
+              </a:fontRef>
+            </p:style>
+          </p:cxnSp>
+          <p:cxnSp>
+            <p:nvCxnSpPr>
+              <p:cNvPr id="82" name="Connecteur droit 81">
+                <a:extLst>
+                  <a:ext uri="{FF2B5EF4-FFF2-40B4-BE49-F238E27FC236}">
+                    <a16:creationId xmlns:a16="http://schemas.microsoft.com/office/drawing/2014/main" id="{9BD55167-4E9B-543D-303E-7E1C020F98DF}"/>
+                  </a:ext>
+                </a:extLst>
+              </p:cNvPr>
+              <p:cNvCxnSpPr/>
+              <p:nvPr/>
+            </p:nvCxnSpPr>
+            <p:spPr>
+              <a:xfrm flipV="1">
+                <a:off x="1604813" y="2608446"/>
+                <a:ext cx="0" cy="731520"/>
+              </a:xfrm>
+              <a:prstGeom prst="line">
+                <a:avLst/>
+              </a:prstGeom>
+              <a:ln w="28575">
+                <a:solidFill>
+                  <a:srgbClr val="C00000"/>
+                </a:solidFill>
+              </a:ln>
+            </p:spPr>
+            <p:style>
+              <a:lnRef idx="1">
+                <a:schemeClr val="accent1"/>
+              </a:lnRef>
+              <a:fillRef idx="0">
+                <a:schemeClr val="accent1"/>
+              </a:fillRef>
+              <a:effectRef idx="0">
+                <a:schemeClr val="accent1"/>
+              </a:effectRef>
+              <a:fontRef idx="minor">
+                <a:schemeClr val="tx1"/>
+              </a:fontRef>
+            </p:style>
+          </p:cxnSp>
+          <p:cxnSp>
+            <p:nvCxnSpPr>
+              <p:cNvPr id="83" name="Connecteur droit 82">
+                <a:extLst>
+                  <a:ext uri="{FF2B5EF4-FFF2-40B4-BE49-F238E27FC236}">
+                    <a16:creationId xmlns:a16="http://schemas.microsoft.com/office/drawing/2014/main" id="{87644CCA-133A-063B-9430-A3F401BF44EF}"/>
+                  </a:ext>
+                </a:extLst>
+              </p:cNvPr>
+              <p:cNvCxnSpPr>
+                <a:cxnSpLocks/>
+              </p:cNvCxnSpPr>
+              <p:nvPr/>
+            </p:nvCxnSpPr>
+            <p:spPr>
+              <a:xfrm flipH="1">
+                <a:off x="1604813" y="3324458"/>
+                <a:ext cx="501650" cy="0"/>
+              </a:xfrm>
+              <a:prstGeom prst="line">
+                <a:avLst/>
+              </a:prstGeom>
+              <a:ln w="28575">
+                <a:solidFill>
+                  <a:srgbClr val="C00000"/>
+                </a:solidFill>
+              </a:ln>
+            </p:spPr>
+            <p:style>
+              <a:lnRef idx="1">
+                <a:schemeClr val="accent1"/>
+              </a:lnRef>
+              <a:fillRef idx="0">
+                <a:schemeClr val="accent1"/>
+              </a:fillRef>
+              <a:effectRef idx="0">
+                <a:schemeClr val="accent1"/>
+              </a:effectRef>
+              <a:fontRef idx="minor">
+                <a:schemeClr val="tx1"/>
+              </a:fontRef>
+            </p:style>
+          </p:cxnSp>
+        </p:grpSp>
+        <p:sp>
+          <p:nvSpPr>
+            <p:cNvPr id="84" name="ZoneTexte 83">
+              <a:extLst>
+                <a:ext uri="{FF2B5EF4-FFF2-40B4-BE49-F238E27FC236}">
+                  <a16:creationId xmlns:a16="http://schemas.microsoft.com/office/drawing/2014/main" id="{FA2CF84F-071D-710D-2E7C-E5E5478C5F75}"/>
+                </a:ext>
+              </a:extLst>
+            </p:cNvPr>
+            <p:cNvSpPr txBox="1"/>
+            <p:nvPr/>
+          </p:nvSpPr>
+          <p:spPr>
+            <a:xfrm>
+              <a:off x="1343594" y="2012166"/>
+              <a:ext cx="2263203" cy="369332"/>
+            </a:xfrm>
+            <a:prstGeom prst="rect">
+              <a:avLst/>
+            </a:prstGeom>
+            <a:noFill/>
+          </p:spPr>
+          <p:txBody>
+            <a:bodyPr wrap="square" rtlCol="0">
+              <a:spAutoFit/>
+            </a:bodyPr>
+            <a:lstStyle/>
+            <a:p>
+              <a:pPr algn="ctr"/>
+              <a:r>
+                <a:rPr lang="fr-FR" dirty="0"/>
+                <a:t>PWM – 50%</a:t>
+              </a:r>
+            </a:p>
+          </p:txBody>
+        </p:sp>
+        <p:sp>
+          <p:nvSpPr>
+            <p:cNvPr id="85" name="ZoneTexte 84">
+              <a:extLst>
+                <a:ext uri="{FF2B5EF4-FFF2-40B4-BE49-F238E27FC236}">
+                  <a16:creationId xmlns:a16="http://schemas.microsoft.com/office/drawing/2014/main" id="{A4E59E63-89EC-A66A-5344-422E37FF9FC3}"/>
+                </a:ext>
+              </a:extLst>
+            </p:cNvPr>
+            <p:cNvSpPr txBox="1"/>
+            <p:nvPr/>
+          </p:nvSpPr>
+          <p:spPr>
+            <a:xfrm>
+              <a:off x="4240846" y="2012166"/>
+              <a:ext cx="2263203" cy="369332"/>
+            </a:xfrm>
+            <a:prstGeom prst="rect">
+              <a:avLst/>
+            </a:prstGeom>
+            <a:noFill/>
+          </p:spPr>
+          <p:txBody>
+            <a:bodyPr wrap="square" rtlCol="0">
+              <a:spAutoFit/>
+            </a:bodyPr>
+            <a:lstStyle/>
+            <a:p>
+              <a:pPr algn="ctr"/>
+              <a:r>
+                <a:rPr lang="fr-FR" dirty="0"/>
+                <a:t>PWM – 35%</a:t>
+              </a:r>
+            </a:p>
+          </p:txBody>
+        </p:sp>
+      </p:grpSp>
     </p:spTree>
     <p:extLst>
       <p:ext uri="{BB962C8B-B14F-4D97-AF65-F5344CB8AC3E}">
@@ -3972,6 +6004,1682 @@
 </file>
 
 <file path=ppt/slides/slide2.xml><?xml version="1.0" encoding="utf-8"?>
+<p:sld xmlns:a="http://schemas.openxmlformats.org/drawingml/2006/main" xmlns:r="http://schemas.openxmlformats.org/officeDocument/2006/relationships" xmlns:p="http://schemas.openxmlformats.org/presentationml/2006/main">
+  <p:cSld>
+    <p:spTree>
+      <p:nvGrpSpPr>
+        <p:cNvPr id="1" name=""/>
+        <p:cNvGrpSpPr/>
+        <p:nvPr/>
+      </p:nvGrpSpPr>
+      <p:grpSpPr>
+        <a:xfrm>
+          <a:off x="0" y="0"/>
+          <a:ext cx="0" cy="0"/>
+          <a:chOff x="0" y="0"/>
+          <a:chExt cx="0" cy="0"/>
+        </a:xfrm>
+      </p:grpSpPr>
+      <p:cxnSp>
+        <p:nvCxnSpPr>
+          <p:cNvPr id="85" name="Connecteur droit 84">
+            <a:extLst>
+              <a:ext uri="{FF2B5EF4-FFF2-40B4-BE49-F238E27FC236}">
+                <a16:creationId xmlns:a16="http://schemas.microsoft.com/office/drawing/2014/main" id="{62BD89CC-272D-4789-D33F-168F11292E48}"/>
+              </a:ext>
+            </a:extLst>
+          </p:cNvPr>
+          <p:cNvCxnSpPr>
+            <a:cxnSpLocks/>
+          </p:cNvCxnSpPr>
+          <p:nvPr/>
+        </p:nvCxnSpPr>
+        <p:spPr>
+          <a:xfrm>
+            <a:off x="5001461" y="2444750"/>
+            <a:ext cx="0" cy="1016000"/>
+          </a:xfrm>
+          <a:prstGeom prst="line">
+            <a:avLst/>
+          </a:prstGeom>
+          <a:ln w="28575">
+            <a:solidFill>
+              <a:srgbClr val="00B050"/>
+            </a:solidFill>
+            <a:prstDash val="sysDash"/>
+          </a:ln>
+        </p:spPr>
+        <p:style>
+          <a:lnRef idx="1">
+            <a:schemeClr val="accent1"/>
+          </a:lnRef>
+          <a:fillRef idx="0">
+            <a:schemeClr val="accent1"/>
+          </a:fillRef>
+          <a:effectRef idx="0">
+            <a:schemeClr val="accent1"/>
+          </a:effectRef>
+          <a:fontRef idx="minor">
+            <a:schemeClr val="tx1"/>
+          </a:fontRef>
+        </p:style>
+      </p:cxnSp>
+      <p:cxnSp>
+        <p:nvCxnSpPr>
+          <p:cNvPr id="86" name="Connecteur droit 85">
+            <a:extLst>
+              <a:ext uri="{FF2B5EF4-FFF2-40B4-BE49-F238E27FC236}">
+                <a16:creationId xmlns:a16="http://schemas.microsoft.com/office/drawing/2014/main" id="{3D64F387-C335-EBC6-2A26-C5A1A18AC1BB}"/>
+              </a:ext>
+            </a:extLst>
+          </p:cNvPr>
+          <p:cNvCxnSpPr>
+            <a:cxnSpLocks/>
+          </p:cNvCxnSpPr>
+          <p:nvPr/>
+        </p:nvCxnSpPr>
+        <p:spPr>
+          <a:xfrm>
+            <a:off x="5752498" y="2481446"/>
+            <a:ext cx="0" cy="1016000"/>
+          </a:xfrm>
+          <a:prstGeom prst="line">
+            <a:avLst/>
+          </a:prstGeom>
+          <a:ln w="28575">
+            <a:solidFill>
+              <a:srgbClr val="00B050"/>
+            </a:solidFill>
+            <a:prstDash val="sysDash"/>
+          </a:ln>
+        </p:spPr>
+        <p:style>
+          <a:lnRef idx="1">
+            <a:schemeClr val="accent1"/>
+          </a:lnRef>
+          <a:fillRef idx="0">
+            <a:schemeClr val="accent1"/>
+          </a:fillRef>
+          <a:effectRef idx="0">
+            <a:schemeClr val="accent1"/>
+          </a:effectRef>
+          <a:fontRef idx="minor">
+            <a:schemeClr val="tx1"/>
+          </a:fontRef>
+        </p:style>
+      </p:cxnSp>
+      <p:cxnSp>
+        <p:nvCxnSpPr>
+          <p:cNvPr id="87" name="Connecteur droit 86">
+            <a:extLst>
+              <a:ext uri="{FF2B5EF4-FFF2-40B4-BE49-F238E27FC236}">
+                <a16:creationId xmlns:a16="http://schemas.microsoft.com/office/drawing/2014/main" id="{F64B7C0A-B78B-2173-0FCE-C0A83BCFD593}"/>
+              </a:ext>
+            </a:extLst>
+          </p:cNvPr>
+          <p:cNvCxnSpPr>
+            <a:cxnSpLocks/>
+          </p:cNvCxnSpPr>
+          <p:nvPr/>
+        </p:nvCxnSpPr>
+        <p:spPr>
+          <a:xfrm>
+            <a:off x="6503535" y="2518142"/>
+            <a:ext cx="0" cy="1016000"/>
+          </a:xfrm>
+          <a:prstGeom prst="line">
+            <a:avLst/>
+          </a:prstGeom>
+          <a:ln w="28575">
+            <a:solidFill>
+              <a:srgbClr val="00B050"/>
+            </a:solidFill>
+            <a:prstDash val="sysDash"/>
+          </a:ln>
+        </p:spPr>
+        <p:style>
+          <a:lnRef idx="1">
+            <a:schemeClr val="accent1"/>
+          </a:lnRef>
+          <a:fillRef idx="0">
+            <a:schemeClr val="accent1"/>
+          </a:fillRef>
+          <a:effectRef idx="0">
+            <a:schemeClr val="accent1"/>
+          </a:effectRef>
+          <a:fontRef idx="minor">
+            <a:schemeClr val="tx1"/>
+          </a:fontRef>
+        </p:style>
+      </p:cxnSp>
+      <p:cxnSp>
+        <p:nvCxnSpPr>
+          <p:cNvPr id="79" name="Connecteur droit 78">
+            <a:extLst>
+              <a:ext uri="{FF2B5EF4-FFF2-40B4-BE49-F238E27FC236}">
+                <a16:creationId xmlns:a16="http://schemas.microsoft.com/office/drawing/2014/main" id="{153EE6B3-6E30-BC4D-4B2F-B77D63BA8628}"/>
+              </a:ext>
+            </a:extLst>
+          </p:cNvPr>
+          <p:cNvCxnSpPr>
+            <a:cxnSpLocks/>
+          </p:cNvCxnSpPr>
+          <p:nvPr/>
+        </p:nvCxnSpPr>
+        <p:spPr>
+          <a:xfrm>
+            <a:off x="2104724" y="2444750"/>
+            <a:ext cx="0" cy="1016000"/>
+          </a:xfrm>
+          <a:prstGeom prst="line">
+            <a:avLst/>
+          </a:prstGeom>
+          <a:ln w="28575">
+            <a:solidFill>
+              <a:srgbClr val="00B050"/>
+            </a:solidFill>
+            <a:prstDash val="sysDash"/>
+          </a:ln>
+        </p:spPr>
+        <p:style>
+          <a:lnRef idx="1">
+            <a:schemeClr val="accent1"/>
+          </a:lnRef>
+          <a:fillRef idx="0">
+            <a:schemeClr val="accent1"/>
+          </a:fillRef>
+          <a:effectRef idx="0">
+            <a:schemeClr val="accent1"/>
+          </a:effectRef>
+          <a:fontRef idx="minor">
+            <a:schemeClr val="tx1"/>
+          </a:fontRef>
+        </p:style>
+      </p:cxnSp>
+      <p:cxnSp>
+        <p:nvCxnSpPr>
+          <p:cNvPr id="83" name="Connecteur droit 82">
+            <a:extLst>
+              <a:ext uri="{FF2B5EF4-FFF2-40B4-BE49-F238E27FC236}">
+                <a16:creationId xmlns:a16="http://schemas.microsoft.com/office/drawing/2014/main" id="{B6477D23-B05C-7080-2DF4-B05734EC8424}"/>
+              </a:ext>
+            </a:extLst>
+          </p:cNvPr>
+          <p:cNvCxnSpPr>
+            <a:cxnSpLocks/>
+          </p:cNvCxnSpPr>
+          <p:nvPr/>
+        </p:nvCxnSpPr>
+        <p:spPr>
+          <a:xfrm>
+            <a:off x="2855761" y="2481446"/>
+            <a:ext cx="0" cy="1016000"/>
+          </a:xfrm>
+          <a:prstGeom prst="line">
+            <a:avLst/>
+          </a:prstGeom>
+          <a:ln w="28575">
+            <a:solidFill>
+              <a:srgbClr val="00B050"/>
+            </a:solidFill>
+            <a:prstDash val="sysDash"/>
+          </a:ln>
+        </p:spPr>
+        <p:style>
+          <a:lnRef idx="1">
+            <a:schemeClr val="accent1"/>
+          </a:lnRef>
+          <a:fillRef idx="0">
+            <a:schemeClr val="accent1"/>
+          </a:fillRef>
+          <a:effectRef idx="0">
+            <a:schemeClr val="accent1"/>
+          </a:effectRef>
+          <a:fontRef idx="minor">
+            <a:schemeClr val="tx1"/>
+          </a:fontRef>
+        </p:style>
+      </p:cxnSp>
+      <p:cxnSp>
+        <p:nvCxnSpPr>
+          <p:cNvPr id="84" name="Connecteur droit 83">
+            <a:extLst>
+              <a:ext uri="{FF2B5EF4-FFF2-40B4-BE49-F238E27FC236}">
+                <a16:creationId xmlns:a16="http://schemas.microsoft.com/office/drawing/2014/main" id="{7CE10CE8-5C65-A732-F143-1C95DACE8940}"/>
+              </a:ext>
+            </a:extLst>
+          </p:cNvPr>
+          <p:cNvCxnSpPr>
+            <a:cxnSpLocks/>
+          </p:cNvCxnSpPr>
+          <p:nvPr/>
+        </p:nvCxnSpPr>
+        <p:spPr>
+          <a:xfrm>
+            <a:off x="3606798" y="2518142"/>
+            <a:ext cx="0" cy="1016000"/>
+          </a:xfrm>
+          <a:prstGeom prst="line">
+            <a:avLst/>
+          </a:prstGeom>
+          <a:ln w="28575">
+            <a:solidFill>
+              <a:srgbClr val="00B050"/>
+            </a:solidFill>
+            <a:prstDash val="sysDash"/>
+          </a:ln>
+        </p:spPr>
+        <p:style>
+          <a:lnRef idx="1">
+            <a:schemeClr val="accent1"/>
+          </a:lnRef>
+          <a:fillRef idx="0">
+            <a:schemeClr val="accent1"/>
+          </a:fillRef>
+          <a:effectRef idx="0">
+            <a:schemeClr val="accent1"/>
+          </a:effectRef>
+          <a:fontRef idx="minor">
+            <a:schemeClr val="tx1"/>
+          </a:fontRef>
+        </p:style>
+      </p:cxnSp>
+      <p:cxnSp>
+        <p:nvCxnSpPr>
+          <p:cNvPr id="5" name="Connecteur droit avec flèche 4">
+            <a:extLst>
+              <a:ext uri="{FF2B5EF4-FFF2-40B4-BE49-F238E27FC236}">
+                <a16:creationId xmlns:a16="http://schemas.microsoft.com/office/drawing/2014/main" id="{3F9BB32C-CC07-83B2-F7D1-ED6DF21A52FB}"/>
+              </a:ext>
+            </a:extLst>
+          </p:cNvPr>
+          <p:cNvCxnSpPr>
+            <a:cxnSpLocks/>
+          </p:cNvCxnSpPr>
+          <p:nvPr/>
+        </p:nvCxnSpPr>
+        <p:spPr>
+          <a:xfrm flipV="1">
+            <a:off x="1357163" y="2387065"/>
+            <a:ext cx="0" cy="952901"/>
+          </a:xfrm>
+          <a:prstGeom prst="straightConnector1">
+            <a:avLst/>
+          </a:prstGeom>
+          <a:ln>
+            <a:solidFill>
+              <a:srgbClr val="002060"/>
+            </a:solidFill>
+            <a:tailEnd type="triangle"/>
+          </a:ln>
+        </p:spPr>
+        <p:style>
+          <a:lnRef idx="1">
+            <a:schemeClr val="accent1"/>
+          </a:lnRef>
+          <a:fillRef idx="0">
+            <a:schemeClr val="accent1"/>
+          </a:fillRef>
+          <a:effectRef idx="0">
+            <a:schemeClr val="accent1"/>
+          </a:effectRef>
+          <a:fontRef idx="minor">
+            <a:schemeClr val="tx1"/>
+          </a:fontRef>
+        </p:style>
+      </p:cxnSp>
+      <p:cxnSp>
+        <p:nvCxnSpPr>
+          <p:cNvPr id="7" name="Connecteur droit avec flèche 6">
+            <a:extLst>
+              <a:ext uri="{FF2B5EF4-FFF2-40B4-BE49-F238E27FC236}">
+                <a16:creationId xmlns:a16="http://schemas.microsoft.com/office/drawing/2014/main" id="{8C2AC5E2-11D0-946E-1823-669ECC0282AC}"/>
+              </a:ext>
+            </a:extLst>
+          </p:cNvPr>
+          <p:cNvCxnSpPr>
+            <a:cxnSpLocks/>
+          </p:cNvCxnSpPr>
+          <p:nvPr/>
+        </p:nvCxnSpPr>
+        <p:spPr>
+          <a:xfrm>
+            <a:off x="1357163" y="3339966"/>
+            <a:ext cx="2414737" cy="0"/>
+          </a:xfrm>
+          <a:prstGeom prst="straightConnector1">
+            <a:avLst/>
+          </a:prstGeom>
+          <a:ln>
+            <a:solidFill>
+              <a:srgbClr val="002060"/>
+            </a:solidFill>
+            <a:tailEnd type="triangle"/>
+          </a:ln>
+        </p:spPr>
+        <p:style>
+          <a:lnRef idx="1">
+            <a:schemeClr val="accent1"/>
+          </a:lnRef>
+          <a:fillRef idx="0">
+            <a:schemeClr val="accent1"/>
+          </a:fillRef>
+          <a:effectRef idx="0">
+            <a:schemeClr val="accent1"/>
+          </a:effectRef>
+          <a:fontRef idx="minor">
+            <a:schemeClr val="tx1"/>
+          </a:fontRef>
+        </p:style>
+      </p:cxnSp>
+      <p:grpSp>
+        <p:nvGrpSpPr>
+          <p:cNvPr id="20" name="Groupe 19">
+            <a:extLst>
+              <a:ext uri="{FF2B5EF4-FFF2-40B4-BE49-F238E27FC236}">
+                <a16:creationId xmlns:a16="http://schemas.microsoft.com/office/drawing/2014/main" id="{0C4EC860-A878-7882-302E-BC24B1D40617}"/>
+              </a:ext>
+            </a:extLst>
+          </p:cNvPr>
+          <p:cNvGrpSpPr/>
+          <p:nvPr/>
+        </p:nvGrpSpPr>
+        <p:grpSpPr>
+          <a:xfrm>
+            <a:off x="1357163" y="2608446"/>
+            <a:ext cx="749300" cy="731520"/>
+            <a:chOff x="1357163" y="2608446"/>
+            <a:chExt cx="749300" cy="731520"/>
+          </a:xfrm>
+        </p:grpSpPr>
+        <p:cxnSp>
+          <p:nvCxnSpPr>
+            <p:cNvPr id="12" name="Connecteur droit 11">
+              <a:extLst>
+                <a:ext uri="{FF2B5EF4-FFF2-40B4-BE49-F238E27FC236}">
+                  <a16:creationId xmlns:a16="http://schemas.microsoft.com/office/drawing/2014/main" id="{D5F649A1-64EB-6460-BA5B-875F1C42513B}"/>
+                </a:ext>
+              </a:extLst>
+            </p:cNvPr>
+            <p:cNvCxnSpPr/>
+            <p:nvPr/>
+          </p:nvCxnSpPr>
+          <p:spPr>
+            <a:xfrm flipV="1">
+              <a:off x="1357163" y="2608446"/>
+              <a:ext cx="0" cy="731520"/>
+            </a:xfrm>
+            <a:prstGeom prst="line">
+              <a:avLst/>
+            </a:prstGeom>
+            <a:ln w="28575">
+              <a:solidFill>
+                <a:srgbClr val="C00000"/>
+              </a:solidFill>
+            </a:ln>
+          </p:spPr>
+          <p:style>
+            <a:lnRef idx="1">
+              <a:schemeClr val="accent1"/>
+            </a:lnRef>
+            <a:fillRef idx="0">
+              <a:schemeClr val="accent1"/>
+            </a:fillRef>
+            <a:effectRef idx="0">
+              <a:schemeClr val="accent1"/>
+            </a:effectRef>
+            <a:fontRef idx="minor">
+              <a:schemeClr val="tx1"/>
+            </a:fontRef>
+          </p:style>
+        </p:cxnSp>
+        <p:cxnSp>
+          <p:nvCxnSpPr>
+            <p:cNvPr id="13" name="Connecteur droit 12">
+              <a:extLst>
+                <a:ext uri="{FF2B5EF4-FFF2-40B4-BE49-F238E27FC236}">
+                  <a16:creationId xmlns:a16="http://schemas.microsoft.com/office/drawing/2014/main" id="{4BF5E9BA-B1EE-B9D0-86CE-BF448618CF8A}"/>
+                </a:ext>
+              </a:extLst>
+            </p:cNvPr>
+            <p:cNvCxnSpPr>
+              <a:cxnSpLocks/>
+            </p:cNvCxnSpPr>
+            <p:nvPr/>
+          </p:nvCxnSpPr>
+          <p:spPr>
+            <a:xfrm flipH="1">
+              <a:off x="1357163" y="2613392"/>
+              <a:ext cx="374650" cy="0"/>
+            </a:xfrm>
+            <a:prstGeom prst="line">
+              <a:avLst/>
+            </a:prstGeom>
+            <a:ln w="28575">
+              <a:solidFill>
+                <a:srgbClr val="C00000"/>
+              </a:solidFill>
+            </a:ln>
+          </p:spPr>
+          <p:style>
+            <a:lnRef idx="1">
+              <a:schemeClr val="accent1"/>
+            </a:lnRef>
+            <a:fillRef idx="0">
+              <a:schemeClr val="accent1"/>
+            </a:fillRef>
+            <a:effectRef idx="0">
+              <a:schemeClr val="accent1"/>
+            </a:effectRef>
+            <a:fontRef idx="minor">
+              <a:schemeClr val="tx1"/>
+            </a:fontRef>
+          </p:style>
+        </p:cxnSp>
+        <p:cxnSp>
+          <p:nvCxnSpPr>
+            <p:cNvPr id="17" name="Connecteur droit 16">
+              <a:extLst>
+                <a:ext uri="{FF2B5EF4-FFF2-40B4-BE49-F238E27FC236}">
+                  <a16:creationId xmlns:a16="http://schemas.microsoft.com/office/drawing/2014/main" id="{CE536BC7-0F39-5F39-53D1-1F38F9825210}"/>
+                </a:ext>
+              </a:extLst>
+            </p:cNvPr>
+            <p:cNvCxnSpPr/>
+            <p:nvPr/>
+          </p:nvCxnSpPr>
+          <p:spPr>
+            <a:xfrm flipV="1">
+              <a:off x="1731813" y="2608446"/>
+              <a:ext cx="0" cy="731520"/>
+            </a:xfrm>
+            <a:prstGeom prst="line">
+              <a:avLst/>
+            </a:prstGeom>
+            <a:ln w="28575">
+              <a:solidFill>
+                <a:srgbClr val="C00000"/>
+              </a:solidFill>
+            </a:ln>
+          </p:spPr>
+          <p:style>
+            <a:lnRef idx="1">
+              <a:schemeClr val="accent1"/>
+            </a:lnRef>
+            <a:fillRef idx="0">
+              <a:schemeClr val="accent1"/>
+            </a:fillRef>
+            <a:effectRef idx="0">
+              <a:schemeClr val="accent1"/>
+            </a:effectRef>
+            <a:fontRef idx="minor">
+              <a:schemeClr val="tx1"/>
+            </a:fontRef>
+          </p:style>
+        </p:cxnSp>
+        <p:cxnSp>
+          <p:nvCxnSpPr>
+            <p:cNvPr id="19" name="Connecteur droit 18">
+              <a:extLst>
+                <a:ext uri="{FF2B5EF4-FFF2-40B4-BE49-F238E27FC236}">
+                  <a16:creationId xmlns:a16="http://schemas.microsoft.com/office/drawing/2014/main" id="{D8FDACE2-6BE1-A2F0-C051-99F6ED2903B1}"/>
+                </a:ext>
+              </a:extLst>
+            </p:cNvPr>
+            <p:cNvCxnSpPr>
+              <a:cxnSpLocks/>
+            </p:cNvCxnSpPr>
+            <p:nvPr/>
+          </p:nvCxnSpPr>
+          <p:spPr>
+            <a:xfrm flipH="1">
+              <a:off x="1731813" y="3324458"/>
+              <a:ext cx="374650" cy="0"/>
+            </a:xfrm>
+            <a:prstGeom prst="line">
+              <a:avLst/>
+            </a:prstGeom>
+            <a:ln w="28575">
+              <a:solidFill>
+                <a:srgbClr val="C00000"/>
+              </a:solidFill>
+            </a:ln>
+          </p:spPr>
+          <p:style>
+            <a:lnRef idx="1">
+              <a:schemeClr val="accent1"/>
+            </a:lnRef>
+            <a:fillRef idx="0">
+              <a:schemeClr val="accent1"/>
+            </a:fillRef>
+            <a:effectRef idx="0">
+              <a:schemeClr val="accent1"/>
+            </a:effectRef>
+            <a:fontRef idx="minor">
+              <a:schemeClr val="tx1"/>
+            </a:fontRef>
+          </p:style>
+        </p:cxnSp>
+      </p:grpSp>
+      <p:grpSp>
+        <p:nvGrpSpPr>
+          <p:cNvPr id="21" name="Groupe 20">
+            <a:extLst>
+              <a:ext uri="{FF2B5EF4-FFF2-40B4-BE49-F238E27FC236}">
+                <a16:creationId xmlns:a16="http://schemas.microsoft.com/office/drawing/2014/main" id="{39FE33C4-6178-6339-C25E-D21764F8961D}"/>
+              </a:ext>
+            </a:extLst>
+          </p:cNvPr>
+          <p:cNvGrpSpPr/>
+          <p:nvPr/>
+        </p:nvGrpSpPr>
+        <p:grpSpPr>
+          <a:xfrm>
+            <a:off x="2104724" y="2608446"/>
+            <a:ext cx="752776" cy="731520"/>
+            <a:chOff x="1357163" y="2608446"/>
+            <a:chExt cx="749300" cy="731520"/>
+          </a:xfrm>
+        </p:grpSpPr>
+        <p:cxnSp>
+          <p:nvCxnSpPr>
+            <p:cNvPr id="22" name="Connecteur droit 21">
+              <a:extLst>
+                <a:ext uri="{FF2B5EF4-FFF2-40B4-BE49-F238E27FC236}">
+                  <a16:creationId xmlns:a16="http://schemas.microsoft.com/office/drawing/2014/main" id="{30A20342-1191-E7DF-2016-90834110732C}"/>
+                </a:ext>
+              </a:extLst>
+            </p:cNvPr>
+            <p:cNvCxnSpPr/>
+            <p:nvPr/>
+          </p:nvCxnSpPr>
+          <p:spPr>
+            <a:xfrm flipV="1">
+              <a:off x="1357163" y="2608446"/>
+              <a:ext cx="0" cy="731520"/>
+            </a:xfrm>
+            <a:prstGeom prst="line">
+              <a:avLst/>
+            </a:prstGeom>
+            <a:ln w="28575">
+              <a:solidFill>
+                <a:srgbClr val="C00000"/>
+              </a:solidFill>
+            </a:ln>
+          </p:spPr>
+          <p:style>
+            <a:lnRef idx="1">
+              <a:schemeClr val="accent1"/>
+            </a:lnRef>
+            <a:fillRef idx="0">
+              <a:schemeClr val="accent1"/>
+            </a:fillRef>
+            <a:effectRef idx="0">
+              <a:schemeClr val="accent1"/>
+            </a:effectRef>
+            <a:fontRef idx="minor">
+              <a:schemeClr val="tx1"/>
+            </a:fontRef>
+          </p:style>
+        </p:cxnSp>
+        <p:cxnSp>
+          <p:nvCxnSpPr>
+            <p:cNvPr id="23" name="Connecteur droit 22">
+              <a:extLst>
+                <a:ext uri="{FF2B5EF4-FFF2-40B4-BE49-F238E27FC236}">
+                  <a16:creationId xmlns:a16="http://schemas.microsoft.com/office/drawing/2014/main" id="{D5635E99-BB34-B6E0-26E6-15B52537E53F}"/>
+                </a:ext>
+              </a:extLst>
+            </p:cNvPr>
+            <p:cNvCxnSpPr>
+              <a:cxnSpLocks/>
+            </p:cNvCxnSpPr>
+            <p:nvPr/>
+          </p:nvCxnSpPr>
+          <p:spPr>
+            <a:xfrm flipH="1">
+              <a:off x="1357163" y="2613392"/>
+              <a:ext cx="374650" cy="0"/>
+            </a:xfrm>
+            <a:prstGeom prst="line">
+              <a:avLst/>
+            </a:prstGeom>
+            <a:ln w="28575">
+              <a:solidFill>
+                <a:srgbClr val="C00000"/>
+              </a:solidFill>
+            </a:ln>
+          </p:spPr>
+          <p:style>
+            <a:lnRef idx="1">
+              <a:schemeClr val="accent1"/>
+            </a:lnRef>
+            <a:fillRef idx="0">
+              <a:schemeClr val="accent1"/>
+            </a:fillRef>
+            <a:effectRef idx="0">
+              <a:schemeClr val="accent1"/>
+            </a:effectRef>
+            <a:fontRef idx="minor">
+              <a:schemeClr val="tx1"/>
+            </a:fontRef>
+          </p:style>
+        </p:cxnSp>
+        <p:cxnSp>
+          <p:nvCxnSpPr>
+            <p:cNvPr id="24" name="Connecteur droit 23">
+              <a:extLst>
+                <a:ext uri="{FF2B5EF4-FFF2-40B4-BE49-F238E27FC236}">
+                  <a16:creationId xmlns:a16="http://schemas.microsoft.com/office/drawing/2014/main" id="{69897190-26F4-B162-1C9D-0B58B6A209EC}"/>
+                </a:ext>
+              </a:extLst>
+            </p:cNvPr>
+            <p:cNvCxnSpPr/>
+            <p:nvPr/>
+          </p:nvCxnSpPr>
+          <p:spPr>
+            <a:xfrm flipV="1">
+              <a:off x="1731813" y="2608446"/>
+              <a:ext cx="0" cy="731520"/>
+            </a:xfrm>
+            <a:prstGeom prst="line">
+              <a:avLst/>
+            </a:prstGeom>
+            <a:ln w="28575">
+              <a:solidFill>
+                <a:srgbClr val="C00000"/>
+              </a:solidFill>
+            </a:ln>
+          </p:spPr>
+          <p:style>
+            <a:lnRef idx="1">
+              <a:schemeClr val="accent1"/>
+            </a:lnRef>
+            <a:fillRef idx="0">
+              <a:schemeClr val="accent1"/>
+            </a:fillRef>
+            <a:effectRef idx="0">
+              <a:schemeClr val="accent1"/>
+            </a:effectRef>
+            <a:fontRef idx="minor">
+              <a:schemeClr val="tx1"/>
+            </a:fontRef>
+          </p:style>
+        </p:cxnSp>
+        <p:cxnSp>
+          <p:nvCxnSpPr>
+            <p:cNvPr id="25" name="Connecteur droit 24">
+              <a:extLst>
+                <a:ext uri="{FF2B5EF4-FFF2-40B4-BE49-F238E27FC236}">
+                  <a16:creationId xmlns:a16="http://schemas.microsoft.com/office/drawing/2014/main" id="{FDFA1587-E1F5-865A-09EF-97ED63420A2E}"/>
+                </a:ext>
+              </a:extLst>
+            </p:cNvPr>
+            <p:cNvCxnSpPr>
+              <a:cxnSpLocks/>
+            </p:cNvCxnSpPr>
+            <p:nvPr/>
+          </p:nvCxnSpPr>
+          <p:spPr>
+            <a:xfrm flipH="1">
+              <a:off x="1731813" y="3324458"/>
+              <a:ext cx="374650" cy="0"/>
+            </a:xfrm>
+            <a:prstGeom prst="line">
+              <a:avLst/>
+            </a:prstGeom>
+            <a:ln w="28575">
+              <a:solidFill>
+                <a:srgbClr val="C00000"/>
+              </a:solidFill>
+            </a:ln>
+          </p:spPr>
+          <p:style>
+            <a:lnRef idx="1">
+              <a:schemeClr val="accent1"/>
+            </a:lnRef>
+            <a:fillRef idx="0">
+              <a:schemeClr val="accent1"/>
+            </a:fillRef>
+            <a:effectRef idx="0">
+              <a:schemeClr val="accent1"/>
+            </a:effectRef>
+            <a:fontRef idx="minor">
+              <a:schemeClr val="tx1"/>
+            </a:fontRef>
+          </p:style>
+        </p:cxnSp>
+      </p:grpSp>
+      <p:grpSp>
+        <p:nvGrpSpPr>
+          <p:cNvPr id="26" name="Groupe 25">
+            <a:extLst>
+              <a:ext uri="{FF2B5EF4-FFF2-40B4-BE49-F238E27FC236}">
+                <a16:creationId xmlns:a16="http://schemas.microsoft.com/office/drawing/2014/main" id="{DC8D1CB4-3DEB-B2E1-CF43-878AB2741486}"/>
+              </a:ext>
+            </a:extLst>
+          </p:cNvPr>
+          <p:cNvGrpSpPr/>
+          <p:nvPr/>
+        </p:nvGrpSpPr>
+        <p:grpSpPr>
+          <a:xfrm>
+            <a:off x="2855761" y="2608446"/>
+            <a:ext cx="752776" cy="731520"/>
+            <a:chOff x="1357163" y="2608446"/>
+            <a:chExt cx="749300" cy="731520"/>
+          </a:xfrm>
+        </p:grpSpPr>
+        <p:cxnSp>
+          <p:nvCxnSpPr>
+            <p:cNvPr id="27" name="Connecteur droit 26">
+              <a:extLst>
+                <a:ext uri="{FF2B5EF4-FFF2-40B4-BE49-F238E27FC236}">
+                  <a16:creationId xmlns:a16="http://schemas.microsoft.com/office/drawing/2014/main" id="{75CD6FF1-8249-9568-A1CD-694043E16B09}"/>
+                </a:ext>
+              </a:extLst>
+            </p:cNvPr>
+            <p:cNvCxnSpPr/>
+            <p:nvPr/>
+          </p:nvCxnSpPr>
+          <p:spPr>
+            <a:xfrm flipV="1">
+              <a:off x="1357163" y="2608446"/>
+              <a:ext cx="0" cy="731520"/>
+            </a:xfrm>
+            <a:prstGeom prst="line">
+              <a:avLst/>
+            </a:prstGeom>
+            <a:ln w="28575">
+              <a:solidFill>
+                <a:srgbClr val="C00000"/>
+              </a:solidFill>
+            </a:ln>
+          </p:spPr>
+          <p:style>
+            <a:lnRef idx="1">
+              <a:schemeClr val="accent1"/>
+            </a:lnRef>
+            <a:fillRef idx="0">
+              <a:schemeClr val="accent1"/>
+            </a:fillRef>
+            <a:effectRef idx="0">
+              <a:schemeClr val="accent1"/>
+            </a:effectRef>
+            <a:fontRef idx="minor">
+              <a:schemeClr val="tx1"/>
+            </a:fontRef>
+          </p:style>
+        </p:cxnSp>
+        <p:cxnSp>
+          <p:nvCxnSpPr>
+            <p:cNvPr id="28" name="Connecteur droit 27">
+              <a:extLst>
+                <a:ext uri="{FF2B5EF4-FFF2-40B4-BE49-F238E27FC236}">
+                  <a16:creationId xmlns:a16="http://schemas.microsoft.com/office/drawing/2014/main" id="{1B61486D-E7C3-A578-F620-EEFC1EFEA0DE}"/>
+                </a:ext>
+              </a:extLst>
+            </p:cNvPr>
+            <p:cNvCxnSpPr>
+              <a:cxnSpLocks/>
+            </p:cNvCxnSpPr>
+            <p:nvPr/>
+          </p:nvCxnSpPr>
+          <p:spPr>
+            <a:xfrm flipH="1">
+              <a:off x="1357163" y="2613392"/>
+              <a:ext cx="374650" cy="0"/>
+            </a:xfrm>
+            <a:prstGeom prst="line">
+              <a:avLst/>
+            </a:prstGeom>
+            <a:ln w="28575">
+              <a:solidFill>
+                <a:srgbClr val="C00000"/>
+              </a:solidFill>
+            </a:ln>
+          </p:spPr>
+          <p:style>
+            <a:lnRef idx="1">
+              <a:schemeClr val="accent1"/>
+            </a:lnRef>
+            <a:fillRef idx="0">
+              <a:schemeClr val="accent1"/>
+            </a:fillRef>
+            <a:effectRef idx="0">
+              <a:schemeClr val="accent1"/>
+            </a:effectRef>
+            <a:fontRef idx="minor">
+              <a:schemeClr val="tx1"/>
+            </a:fontRef>
+          </p:style>
+        </p:cxnSp>
+        <p:cxnSp>
+          <p:nvCxnSpPr>
+            <p:cNvPr id="29" name="Connecteur droit 28">
+              <a:extLst>
+                <a:ext uri="{FF2B5EF4-FFF2-40B4-BE49-F238E27FC236}">
+                  <a16:creationId xmlns:a16="http://schemas.microsoft.com/office/drawing/2014/main" id="{95B70A28-067B-0B3C-AFDD-79F7A5385A42}"/>
+                </a:ext>
+              </a:extLst>
+            </p:cNvPr>
+            <p:cNvCxnSpPr/>
+            <p:nvPr/>
+          </p:nvCxnSpPr>
+          <p:spPr>
+            <a:xfrm flipV="1">
+              <a:off x="1731813" y="2608446"/>
+              <a:ext cx="0" cy="731520"/>
+            </a:xfrm>
+            <a:prstGeom prst="line">
+              <a:avLst/>
+            </a:prstGeom>
+            <a:ln w="28575">
+              <a:solidFill>
+                <a:srgbClr val="C00000"/>
+              </a:solidFill>
+            </a:ln>
+          </p:spPr>
+          <p:style>
+            <a:lnRef idx="1">
+              <a:schemeClr val="accent1"/>
+            </a:lnRef>
+            <a:fillRef idx="0">
+              <a:schemeClr val="accent1"/>
+            </a:fillRef>
+            <a:effectRef idx="0">
+              <a:schemeClr val="accent1"/>
+            </a:effectRef>
+            <a:fontRef idx="minor">
+              <a:schemeClr val="tx1"/>
+            </a:fontRef>
+          </p:style>
+        </p:cxnSp>
+        <p:cxnSp>
+          <p:nvCxnSpPr>
+            <p:cNvPr id="30" name="Connecteur droit 29">
+              <a:extLst>
+                <a:ext uri="{FF2B5EF4-FFF2-40B4-BE49-F238E27FC236}">
+                  <a16:creationId xmlns:a16="http://schemas.microsoft.com/office/drawing/2014/main" id="{E95EE650-4195-C03A-8D97-122B9768832E}"/>
+                </a:ext>
+              </a:extLst>
+            </p:cNvPr>
+            <p:cNvCxnSpPr>
+              <a:cxnSpLocks/>
+            </p:cNvCxnSpPr>
+            <p:nvPr/>
+          </p:nvCxnSpPr>
+          <p:spPr>
+            <a:xfrm flipH="1">
+              <a:off x="1731813" y="3324458"/>
+              <a:ext cx="374650" cy="0"/>
+            </a:xfrm>
+            <a:prstGeom prst="line">
+              <a:avLst/>
+            </a:prstGeom>
+            <a:ln w="28575">
+              <a:solidFill>
+                <a:srgbClr val="C00000"/>
+              </a:solidFill>
+            </a:ln>
+          </p:spPr>
+          <p:style>
+            <a:lnRef idx="1">
+              <a:schemeClr val="accent1"/>
+            </a:lnRef>
+            <a:fillRef idx="0">
+              <a:schemeClr val="accent1"/>
+            </a:fillRef>
+            <a:effectRef idx="0">
+              <a:schemeClr val="accent1"/>
+            </a:effectRef>
+            <a:fontRef idx="minor">
+              <a:schemeClr val="tx1"/>
+            </a:fontRef>
+          </p:style>
+        </p:cxnSp>
+      </p:grpSp>
+      <p:cxnSp>
+        <p:nvCxnSpPr>
+          <p:cNvPr id="49" name="Connecteur droit avec flèche 48">
+            <a:extLst>
+              <a:ext uri="{FF2B5EF4-FFF2-40B4-BE49-F238E27FC236}">
+                <a16:creationId xmlns:a16="http://schemas.microsoft.com/office/drawing/2014/main" id="{AF50F0E2-090C-B3DD-CBCE-BC3E566B22E1}"/>
+              </a:ext>
+            </a:extLst>
+          </p:cNvPr>
+          <p:cNvCxnSpPr>
+            <a:cxnSpLocks/>
+          </p:cNvCxnSpPr>
+          <p:nvPr/>
+        </p:nvCxnSpPr>
+        <p:spPr>
+          <a:xfrm flipV="1">
+            <a:off x="4259113" y="2387065"/>
+            <a:ext cx="0" cy="952901"/>
+          </a:xfrm>
+          <a:prstGeom prst="straightConnector1">
+            <a:avLst/>
+          </a:prstGeom>
+          <a:ln>
+            <a:solidFill>
+              <a:srgbClr val="002060"/>
+            </a:solidFill>
+            <a:tailEnd type="triangle"/>
+          </a:ln>
+        </p:spPr>
+        <p:style>
+          <a:lnRef idx="1">
+            <a:schemeClr val="accent1"/>
+          </a:lnRef>
+          <a:fillRef idx="0">
+            <a:schemeClr val="accent1"/>
+          </a:fillRef>
+          <a:effectRef idx="0">
+            <a:schemeClr val="accent1"/>
+          </a:effectRef>
+          <a:fontRef idx="minor">
+            <a:schemeClr val="tx1"/>
+          </a:fontRef>
+        </p:style>
+      </p:cxnSp>
+      <p:cxnSp>
+        <p:nvCxnSpPr>
+          <p:cNvPr id="50" name="Connecteur droit avec flèche 49">
+            <a:extLst>
+              <a:ext uri="{FF2B5EF4-FFF2-40B4-BE49-F238E27FC236}">
+                <a16:creationId xmlns:a16="http://schemas.microsoft.com/office/drawing/2014/main" id="{2A6168FA-4C50-9A5B-224B-40B48A35903C}"/>
+              </a:ext>
+            </a:extLst>
+          </p:cNvPr>
+          <p:cNvCxnSpPr>
+            <a:cxnSpLocks/>
+          </p:cNvCxnSpPr>
+          <p:nvPr/>
+        </p:nvCxnSpPr>
+        <p:spPr>
+          <a:xfrm>
+            <a:off x="4259113" y="3339966"/>
+            <a:ext cx="2414737" cy="0"/>
+          </a:xfrm>
+          <a:prstGeom prst="straightConnector1">
+            <a:avLst/>
+          </a:prstGeom>
+          <a:ln>
+            <a:solidFill>
+              <a:srgbClr val="002060"/>
+            </a:solidFill>
+            <a:tailEnd type="triangle"/>
+          </a:ln>
+        </p:spPr>
+        <p:style>
+          <a:lnRef idx="1">
+            <a:schemeClr val="accent1"/>
+          </a:lnRef>
+          <a:fillRef idx="0">
+            <a:schemeClr val="accent1"/>
+          </a:fillRef>
+          <a:effectRef idx="0">
+            <a:schemeClr val="accent1"/>
+          </a:effectRef>
+          <a:fontRef idx="minor">
+            <a:schemeClr val="tx1"/>
+          </a:fontRef>
+        </p:style>
+      </p:cxnSp>
+      <p:grpSp>
+        <p:nvGrpSpPr>
+          <p:cNvPr id="51" name="Groupe 50">
+            <a:extLst>
+              <a:ext uri="{FF2B5EF4-FFF2-40B4-BE49-F238E27FC236}">
+                <a16:creationId xmlns:a16="http://schemas.microsoft.com/office/drawing/2014/main" id="{726098F9-E175-388C-B2EF-E911187A8889}"/>
+              </a:ext>
+            </a:extLst>
+          </p:cNvPr>
+          <p:cNvGrpSpPr/>
+          <p:nvPr/>
+        </p:nvGrpSpPr>
+        <p:grpSpPr>
+          <a:xfrm>
+            <a:off x="4259113" y="2608446"/>
+            <a:ext cx="749300" cy="731520"/>
+            <a:chOff x="1357163" y="2608446"/>
+            <a:chExt cx="749300" cy="731520"/>
+          </a:xfrm>
+        </p:grpSpPr>
+        <p:cxnSp>
+          <p:nvCxnSpPr>
+            <p:cNvPr id="52" name="Connecteur droit 51">
+              <a:extLst>
+                <a:ext uri="{FF2B5EF4-FFF2-40B4-BE49-F238E27FC236}">
+                  <a16:creationId xmlns:a16="http://schemas.microsoft.com/office/drawing/2014/main" id="{922C9A9E-084A-BC52-8FFF-B5E53D4173CC}"/>
+                </a:ext>
+              </a:extLst>
+            </p:cNvPr>
+            <p:cNvCxnSpPr/>
+            <p:nvPr/>
+          </p:nvCxnSpPr>
+          <p:spPr>
+            <a:xfrm flipV="1">
+              <a:off x="1357163" y="2608446"/>
+              <a:ext cx="0" cy="731520"/>
+            </a:xfrm>
+            <a:prstGeom prst="line">
+              <a:avLst/>
+            </a:prstGeom>
+            <a:ln w="28575">
+              <a:solidFill>
+                <a:srgbClr val="C00000"/>
+              </a:solidFill>
+            </a:ln>
+          </p:spPr>
+          <p:style>
+            <a:lnRef idx="1">
+              <a:schemeClr val="accent1"/>
+            </a:lnRef>
+            <a:fillRef idx="0">
+              <a:schemeClr val="accent1"/>
+            </a:fillRef>
+            <a:effectRef idx="0">
+              <a:schemeClr val="accent1"/>
+            </a:effectRef>
+            <a:fontRef idx="minor">
+              <a:schemeClr val="tx1"/>
+            </a:fontRef>
+          </p:style>
+        </p:cxnSp>
+        <p:cxnSp>
+          <p:nvCxnSpPr>
+            <p:cNvPr id="53" name="Connecteur droit 52">
+              <a:extLst>
+                <a:ext uri="{FF2B5EF4-FFF2-40B4-BE49-F238E27FC236}">
+                  <a16:creationId xmlns:a16="http://schemas.microsoft.com/office/drawing/2014/main" id="{6D94F016-7BF5-CCB7-5262-EEDC813CAEC0}"/>
+                </a:ext>
+              </a:extLst>
+            </p:cNvPr>
+            <p:cNvCxnSpPr>
+              <a:cxnSpLocks/>
+            </p:cNvCxnSpPr>
+            <p:nvPr/>
+          </p:nvCxnSpPr>
+          <p:spPr>
+            <a:xfrm flipH="1">
+              <a:off x="1357163" y="2613392"/>
+              <a:ext cx="247650" cy="0"/>
+            </a:xfrm>
+            <a:prstGeom prst="line">
+              <a:avLst/>
+            </a:prstGeom>
+            <a:ln w="28575">
+              <a:solidFill>
+                <a:srgbClr val="C00000"/>
+              </a:solidFill>
+            </a:ln>
+          </p:spPr>
+          <p:style>
+            <a:lnRef idx="1">
+              <a:schemeClr val="accent1"/>
+            </a:lnRef>
+            <a:fillRef idx="0">
+              <a:schemeClr val="accent1"/>
+            </a:fillRef>
+            <a:effectRef idx="0">
+              <a:schemeClr val="accent1"/>
+            </a:effectRef>
+            <a:fontRef idx="minor">
+              <a:schemeClr val="tx1"/>
+            </a:fontRef>
+          </p:style>
+        </p:cxnSp>
+        <p:cxnSp>
+          <p:nvCxnSpPr>
+            <p:cNvPr id="54" name="Connecteur droit 53">
+              <a:extLst>
+                <a:ext uri="{FF2B5EF4-FFF2-40B4-BE49-F238E27FC236}">
+                  <a16:creationId xmlns:a16="http://schemas.microsoft.com/office/drawing/2014/main" id="{8C71B934-2915-16CB-DA2F-DED7FB275757}"/>
+                </a:ext>
+              </a:extLst>
+            </p:cNvPr>
+            <p:cNvCxnSpPr/>
+            <p:nvPr/>
+          </p:nvCxnSpPr>
+          <p:spPr>
+            <a:xfrm flipV="1">
+              <a:off x="1604813" y="2608446"/>
+              <a:ext cx="0" cy="731520"/>
+            </a:xfrm>
+            <a:prstGeom prst="line">
+              <a:avLst/>
+            </a:prstGeom>
+            <a:ln w="28575">
+              <a:solidFill>
+                <a:srgbClr val="C00000"/>
+              </a:solidFill>
+            </a:ln>
+          </p:spPr>
+          <p:style>
+            <a:lnRef idx="1">
+              <a:schemeClr val="accent1"/>
+            </a:lnRef>
+            <a:fillRef idx="0">
+              <a:schemeClr val="accent1"/>
+            </a:fillRef>
+            <a:effectRef idx="0">
+              <a:schemeClr val="accent1"/>
+            </a:effectRef>
+            <a:fontRef idx="minor">
+              <a:schemeClr val="tx1"/>
+            </a:fontRef>
+          </p:style>
+        </p:cxnSp>
+        <p:cxnSp>
+          <p:nvCxnSpPr>
+            <p:cNvPr id="55" name="Connecteur droit 54">
+              <a:extLst>
+                <a:ext uri="{FF2B5EF4-FFF2-40B4-BE49-F238E27FC236}">
+                  <a16:creationId xmlns:a16="http://schemas.microsoft.com/office/drawing/2014/main" id="{92C4310A-0F18-8A0A-036F-EFA38C51BB32}"/>
+                </a:ext>
+              </a:extLst>
+            </p:cNvPr>
+            <p:cNvCxnSpPr>
+              <a:cxnSpLocks/>
+            </p:cNvCxnSpPr>
+            <p:nvPr/>
+          </p:nvCxnSpPr>
+          <p:spPr>
+            <a:xfrm flipH="1">
+              <a:off x="1604813" y="3324458"/>
+              <a:ext cx="501650" cy="0"/>
+            </a:xfrm>
+            <a:prstGeom prst="line">
+              <a:avLst/>
+            </a:prstGeom>
+            <a:ln w="28575">
+              <a:solidFill>
+                <a:srgbClr val="C00000"/>
+              </a:solidFill>
+            </a:ln>
+          </p:spPr>
+          <p:style>
+            <a:lnRef idx="1">
+              <a:schemeClr val="accent1"/>
+            </a:lnRef>
+            <a:fillRef idx="0">
+              <a:schemeClr val="accent1"/>
+            </a:fillRef>
+            <a:effectRef idx="0">
+              <a:schemeClr val="accent1"/>
+            </a:effectRef>
+            <a:fontRef idx="minor">
+              <a:schemeClr val="tx1"/>
+            </a:fontRef>
+          </p:style>
+        </p:cxnSp>
+      </p:grpSp>
+      <p:grpSp>
+        <p:nvGrpSpPr>
+          <p:cNvPr id="68" name="Groupe 67">
+            <a:extLst>
+              <a:ext uri="{FF2B5EF4-FFF2-40B4-BE49-F238E27FC236}">
+                <a16:creationId xmlns:a16="http://schemas.microsoft.com/office/drawing/2014/main" id="{39A6C851-182E-CA4A-582E-6C698C153228}"/>
+              </a:ext>
+            </a:extLst>
+          </p:cNvPr>
+          <p:cNvGrpSpPr/>
+          <p:nvPr/>
+        </p:nvGrpSpPr>
+        <p:grpSpPr>
+          <a:xfrm>
+            <a:off x="5006674" y="2608446"/>
+            <a:ext cx="749300" cy="731520"/>
+            <a:chOff x="1357163" y="2608446"/>
+            <a:chExt cx="749300" cy="731520"/>
+          </a:xfrm>
+        </p:grpSpPr>
+        <p:cxnSp>
+          <p:nvCxnSpPr>
+            <p:cNvPr id="69" name="Connecteur droit 68">
+              <a:extLst>
+                <a:ext uri="{FF2B5EF4-FFF2-40B4-BE49-F238E27FC236}">
+                  <a16:creationId xmlns:a16="http://schemas.microsoft.com/office/drawing/2014/main" id="{39B03B04-9966-452A-A4B5-45DF5EF5E21D}"/>
+                </a:ext>
+              </a:extLst>
+            </p:cNvPr>
+            <p:cNvCxnSpPr/>
+            <p:nvPr/>
+          </p:nvCxnSpPr>
+          <p:spPr>
+            <a:xfrm flipV="1">
+              <a:off x="1357163" y="2608446"/>
+              <a:ext cx="0" cy="731520"/>
+            </a:xfrm>
+            <a:prstGeom prst="line">
+              <a:avLst/>
+            </a:prstGeom>
+            <a:ln w="28575">
+              <a:solidFill>
+                <a:srgbClr val="C00000"/>
+              </a:solidFill>
+            </a:ln>
+          </p:spPr>
+          <p:style>
+            <a:lnRef idx="1">
+              <a:schemeClr val="accent1"/>
+            </a:lnRef>
+            <a:fillRef idx="0">
+              <a:schemeClr val="accent1"/>
+            </a:fillRef>
+            <a:effectRef idx="0">
+              <a:schemeClr val="accent1"/>
+            </a:effectRef>
+            <a:fontRef idx="minor">
+              <a:schemeClr val="tx1"/>
+            </a:fontRef>
+          </p:style>
+        </p:cxnSp>
+        <p:cxnSp>
+          <p:nvCxnSpPr>
+            <p:cNvPr id="70" name="Connecteur droit 69">
+              <a:extLst>
+                <a:ext uri="{FF2B5EF4-FFF2-40B4-BE49-F238E27FC236}">
+                  <a16:creationId xmlns:a16="http://schemas.microsoft.com/office/drawing/2014/main" id="{E920FFA1-7AFE-E208-7375-3AFDE74D6961}"/>
+                </a:ext>
+              </a:extLst>
+            </p:cNvPr>
+            <p:cNvCxnSpPr>
+              <a:cxnSpLocks/>
+            </p:cNvCxnSpPr>
+            <p:nvPr/>
+          </p:nvCxnSpPr>
+          <p:spPr>
+            <a:xfrm flipH="1">
+              <a:off x="1357163" y="2613392"/>
+              <a:ext cx="247650" cy="0"/>
+            </a:xfrm>
+            <a:prstGeom prst="line">
+              <a:avLst/>
+            </a:prstGeom>
+            <a:ln w="28575">
+              <a:solidFill>
+                <a:srgbClr val="C00000"/>
+              </a:solidFill>
+            </a:ln>
+          </p:spPr>
+          <p:style>
+            <a:lnRef idx="1">
+              <a:schemeClr val="accent1"/>
+            </a:lnRef>
+            <a:fillRef idx="0">
+              <a:schemeClr val="accent1"/>
+            </a:fillRef>
+            <a:effectRef idx="0">
+              <a:schemeClr val="accent1"/>
+            </a:effectRef>
+            <a:fontRef idx="minor">
+              <a:schemeClr val="tx1"/>
+            </a:fontRef>
+          </p:style>
+        </p:cxnSp>
+        <p:cxnSp>
+          <p:nvCxnSpPr>
+            <p:cNvPr id="71" name="Connecteur droit 70">
+              <a:extLst>
+                <a:ext uri="{FF2B5EF4-FFF2-40B4-BE49-F238E27FC236}">
+                  <a16:creationId xmlns:a16="http://schemas.microsoft.com/office/drawing/2014/main" id="{E79B1F0B-8294-6353-8E7A-7D075CF1846A}"/>
+                </a:ext>
+              </a:extLst>
+            </p:cNvPr>
+            <p:cNvCxnSpPr/>
+            <p:nvPr/>
+          </p:nvCxnSpPr>
+          <p:spPr>
+            <a:xfrm flipV="1">
+              <a:off x="1604813" y="2608446"/>
+              <a:ext cx="0" cy="731520"/>
+            </a:xfrm>
+            <a:prstGeom prst="line">
+              <a:avLst/>
+            </a:prstGeom>
+            <a:ln w="28575">
+              <a:solidFill>
+                <a:srgbClr val="C00000"/>
+              </a:solidFill>
+            </a:ln>
+          </p:spPr>
+          <p:style>
+            <a:lnRef idx="1">
+              <a:schemeClr val="accent1"/>
+            </a:lnRef>
+            <a:fillRef idx="0">
+              <a:schemeClr val="accent1"/>
+            </a:fillRef>
+            <a:effectRef idx="0">
+              <a:schemeClr val="accent1"/>
+            </a:effectRef>
+            <a:fontRef idx="minor">
+              <a:schemeClr val="tx1"/>
+            </a:fontRef>
+          </p:style>
+        </p:cxnSp>
+        <p:cxnSp>
+          <p:nvCxnSpPr>
+            <p:cNvPr id="72" name="Connecteur droit 71">
+              <a:extLst>
+                <a:ext uri="{FF2B5EF4-FFF2-40B4-BE49-F238E27FC236}">
+                  <a16:creationId xmlns:a16="http://schemas.microsoft.com/office/drawing/2014/main" id="{A2CF34F8-4A26-DC73-7250-6C4468FADF18}"/>
+                </a:ext>
+              </a:extLst>
+            </p:cNvPr>
+            <p:cNvCxnSpPr>
+              <a:cxnSpLocks/>
+            </p:cNvCxnSpPr>
+            <p:nvPr/>
+          </p:nvCxnSpPr>
+          <p:spPr>
+            <a:xfrm flipH="1">
+              <a:off x="1604813" y="3324458"/>
+              <a:ext cx="501650" cy="0"/>
+            </a:xfrm>
+            <a:prstGeom prst="line">
+              <a:avLst/>
+            </a:prstGeom>
+            <a:ln w="28575">
+              <a:solidFill>
+                <a:srgbClr val="C00000"/>
+              </a:solidFill>
+            </a:ln>
+          </p:spPr>
+          <p:style>
+            <a:lnRef idx="1">
+              <a:schemeClr val="accent1"/>
+            </a:lnRef>
+            <a:fillRef idx="0">
+              <a:schemeClr val="accent1"/>
+            </a:fillRef>
+            <a:effectRef idx="0">
+              <a:schemeClr val="accent1"/>
+            </a:effectRef>
+            <a:fontRef idx="minor">
+              <a:schemeClr val="tx1"/>
+            </a:fontRef>
+          </p:style>
+        </p:cxnSp>
+      </p:grpSp>
+      <p:grpSp>
+        <p:nvGrpSpPr>
+          <p:cNvPr id="73" name="Groupe 72">
+            <a:extLst>
+              <a:ext uri="{FF2B5EF4-FFF2-40B4-BE49-F238E27FC236}">
+                <a16:creationId xmlns:a16="http://schemas.microsoft.com/office/drawing/2014/main" id="{CA0C8799-E466-7CFA-85CE-DA6D09AAF1EB}"/>
+              </a:ext>
+            </a:extLst>
+          </p:cNvPr>
+          <p:cNvGrpSpPr/>
+          <p:nvPr/>
+        </p:nvGrpSpPr>
+        <p:grpSpPr>
+          <a:xfrm>
+            <a:off x="5754235" y="2608446"/>
+            <a:ext cx="749300" cy="731520"/>
+            <a:chOff x="1357163" y="2608446"/>
+            <a:chExt cx="749300" cy="731520"/>
+          </a:xfrm>
+        </p:grpSpPr>
+        <p:cxnSp>
+          <p:nvCxnSpPr>
+            <p:cNvPr id="74" name="Connecteur droit 73">
+              <a:extLst>
+                <a:ext uri="{FF2B5EF4-FFF2-40B4-BE49-F238E27FC236}">
+                  <a16:creationId xmlns:a16="http://schemas.microsoft.com/office/drawing/2014/main" id="{8BE379F7-75B3-F3DC-F0B3-9373C67AE2C4}"/>
+                </a:ext>
+              </a:extLst>
+            </p:cNvPr>
+            <p:cNvCxnSpPr/>
+            <p:nvPr/>
+          </p:nvCxnSpPr>
+          <p:spPr>
+            <a:xfrm flipV="1">
+              <a:off x="1357163" y="2608446"/>
+              <a:ext cx="0" cy="731520"/>
+            </a:xfrm>
+            <a:prstGeom prst="line">
+              <a:avLst/>
+            </a:prstGeom>
+            <a:ln w="28575">
+              <a:solidFill>
+                <a:srgbClr val="C00000"/>
+              </a:solidFill>
+            </a:ln>
+          </p:spPr>
+          <p:style>
+            <a:lnRef idx="1">
+              <a:schemeClr val="accent1"/>
+            </a:lnRef>
+            <a:fillRef idx="0">
+              <a:schemeClr val="accent1"/>
+            </a:fillRef>
+            <a:effectRef idx="0">
+              <a:schemeClr val="accent1"/>
+            </a:effectRef>
+            <a:fontRef idx="minor">
+              <a:schemeClr val="tx1"/>
+            </a:fontRef>
+          </p:style>
+        </p:cxnSp>
+        <p:cxnSp>
+          <p:nvCxnSpPr>
+            <p:cNvPr id="75" name="Connecteur droit 74">
+              <a:extLst>
+                <a:ext uri="{FF2B5EF4-FFF2-40B4-BE49-F238E27FC236}">
+                  <a16:creationId xmlns:a16="http://schemas.microsoft.com/office/drawing/2014/main" id="{198FE891-065E-2F12-2850-63791C20DAE3}"/>
+                </a:ext>
+              </a:extLst>
+            </p:cNvPr>
+            <p:cNvCxnSpPr>
+              <a:cxnSpLocks/>
+            </p:cNvCxnSpPr>
+            <p:nvPr/>
+          </p:nvCxnSpPr>
+          <p:spPr>
+            <a:xfrm flipH="1">
+              <a:off x="1357163" y="2613392"/>
+              <a:ext cx="247650" cy="0"/>
+            </a:xfrm>
+            <a:prstGeom prst="line">
+              <a:avLst/>
+            </a:prstGeom>
+            <a:ln w="28575">
+              <a:solidFill>
+                <a:srgbClr val="C00000"/>
+              </a:solidFill>
+            </a:ln>
+          </p:spPr>
+          <p:style>
+            <a:lnRef idx="1">
+              <a:schemeClr val="accent1"/>
+            </a:lnRef>
+            <a:fillRef idx="0">
+              <a:schemeClr val="accent1"/>
+            </a:fillRef>
+            <a:effectRef idx="0">
+              <a:schemeClr val="accent1"/>
+            </a:effectRef>
+            <a:fontRef idx="minor">
+              <a:schemeClr val="tx1"/>
+            </a:fontRef>
+          </p:style>
+        </p:cxnSp>
+        <p:cxnSp>
+          <p:nvCxnSpPr>
+            <p:cNvPr id="76" name="Connecteur droit 75">
+              <a:extLst>
+                <a:ext uri="{FF2B5EF4-FFF2-40B4-BE49-F238E27FC236}">
+                  <a16:creationId xmlns:a16="http://schemas.microsoft.com/office/drawing/2014/main" id="{1A8CD476-F79A-BF2F-CC3B-6EA621DB2AC4}"/>
+                </a:ext>
+              </a:extLst>
+            </p:cNvPr>
+            <p:cNvCxnSpPr/>
+            <p:nvPr/>
+          </p:nvCxnSpPr>
+          <p:spPr>
+            <a:xfrm flipV="1">
+              <a:off x="1604813" y="2608446"/>
+              <a:ext cx="0" cy="731520"/>
+            </a:xfrm>
+            <a:prstGeom prst="line">
+              <a:avLst/>
+            </a:prstGeom>
+            <a:ln w="28575">
+              <a:solidFill>
+                <a:srgbClr val="C00000"/>
+              </a:solidFill>
+            </a:ln>
+          </p:spPr>
+          <p:style>
+            <a:lnRef idx="1">
+              <a:schemeClr val="accent1"/>
+            </a:lnRef>
+            <a:fillRef idx="0">
+              <a:schemeClr val="accent1"/>
+            </a:fillRef>
+            <a:effectRef idx="0">
+              <a:schemeClr val="accent1"/>
+            </a:effectRef>
+            <a:fontRef idx="minor">
+              <a:schemeClr val="tx1"/>
+            </a:fontRef>
+          </p:style>
+        </p:cxnSp>
+        <p:cxnSp>
+          <p:nvCxnSpPr>
+            <p:cNvPr id="77" name="Connecteur droit 76">
+              <a:extLst>
+                <a:ext uri="{FF2B5EF4-FFF2-40B4-BE49-F238E27FC236}">
+                  <a16:creationId xmlns:a16="http://schemas.microsoft.com/office/drawing/2014/main" id="{4494EE7D-5D71-D33C-B8A7-4B46D64FE92F}"/>
+                </a:ext>
+              </a:extLst>
+            </p:cNvPr>
+            <p:cNvCxnSpPr>
+              <a:cxnSpLocks/>
+            </p:cNvCxnSpPr>
+            <p:nvPr/>
+          </p:nvCxnSpPr>
+          <p:spPr>
+            <a:xfrm flipH="1">
+              <a:off x="1604813" y="3324458"/>
+              <a:ext cx="501650" cy="0"/>
+            </a:xfrm>
+            <a:prstGeom prst="line">
+              <a:avLst/>
+            </a:prstGeom>
+            <a:ln w="28575">
+              <a:solidFill>
+                <a:srgbClr val="C00000"/>
+              </a:solidFill>
+            </a:ln>
+          </p:spPr>
+          <p:style>
+            <a:lnRef idx="1">
+              <a:schemeClr val="accent1"/>
+            </a:lnRef>
+            <a:fillRef idx="0">
+              <a:schemeClr val="accent1"/>
+            </a:fillRef>
+            <a:effectRef idx="0">
+              <a:schemeClr val="accent1"/>
+            </a:effectRef>
+            <a:fontRef idx="minor">
+              <a:schemeClr val="tx1"/>
+            </a:fontRef>
+          </p:style>
+        </p:cxnSp>
+      </p:grpSp>
+      <p:sp>
+        <p:nvSpPr>
+          <p:cNvPr id="112" name="ZoneTexte 111">
+            <a:extLst>
+              <a:ext uri="{FF2B5EF4-FFF2-40B4-BE49-F238E27FC236}">
+                <a16:creationId xmlns:a16="http://schemas.microsoft.com/office/drawing/2014/main" id="{C9E56BF6-7718-B849-83FB-E787F209E4A3}"/>
+              </a:ext>
+            </a:extLst>
+          </p:cNvPr>
+          <p:cNvSpPr txBox="1"/>
+          <p:nvPr/>
+        </p:nvSpPr>
+        <p:spPr>
+          <a:xfrm>
+            <a:off x="1343594" y="2012166"/>
+            <a:ext cx="2263203" cy="369332"/>
+          </a:xfrm>
+          <a:prstGeom prst="rect">
+            <a:avLst/>
+          </a:prstGeom>
+          <a:noFill/>
+        </p:spPr>
+        <p:txBody>
+          <a:bodyPr wrap="square" rtlCol="0">
+            <a:spAutoFit/>
+          </a:bodyPr>
+          <a:lstStyle/>
+          <a:p>
+            <a:pPr algn="ctr"/>
+            <a:r>
+              <a:rPr lang="fr-FR" dirty="0"/>
+              <a:t>PWM – 50%</a:t>
+            </a:r>
+          </a:p>
+        </p:txBody>
+      </p:sp>
+      <p:sp>
+        <p:nvSpPr>
+          <p:cNvPr id="113" name="ZoneTexte 112">
+            <a:extLst>
+              <a:ext uri="{FF2B5EF4-FFF2-40B4-BE49-F238E27FC236}">
+                <a16:creationId xmlns:a16="http://schemas.microsoft.com/office/drawing/2014/main" id="{9569883F-AB1B-90D7-018E-CC45D96F2A1F}"/>
+              </a:ext>
+            </a:extLst>
+          </p:cNvPr>
+          <p:cNvSpPr txBox="1"/>
+          <p:nvPr/>
+        </p:nvSpPr>
+        <p:spPr>
+          <a:xfrm>
+            <a:off x="4240846" y="2012166"/>
+            <a:ext cx="2263203" cy="369332"/>
+          </a:xfrm>
+          <a:prstGeom prst="rect">
+            <a:avLst/>
+          </a:prstGeom>
+          <a:noFill/>
+        </p:spPr>
+        <p:txBody>
+          <a:bodyPr wrap="square" rtlCol="0">
+            <a:spAutoFit/>
+          </a:bodyPr>
+          <a:lstStyle/>
+          <a:p>
+            <a:pPr algn="ctr"/>
+            <a:r>
+              <a:rPr lang="fr-FR" dirty="0"/>
+              <a:t>PWM – 35%</a:t>
+            </a:r>
+          </a:p>
+        </p:txBody>
+      </p:sp>
+    </p:spTree>
+    <p:extLst>
+      <p:ext uri="{BB962C8B-B14F-4D97-AF65-F5344CB8AC3E}">
+        <p14:creationId xmlns:p14="http://schemas.microsoft.com/office/powerpoint/2010/main" val="3370868330"/>
+      </p:ext>
+    </p:extLst>
+  </p:cSld>
+  <p:clrMapOvr>
+    <a:masterClrMapping/>
+  </p:clrMapOvr>
+</p:sld>
+</file>
+
+<file path=ppt/slides/slide3.xml><?xml version="1.0" encoding="utf-8"?>
 <p:sld xmlns:a="http://schemas.openxmlformats.org/drawingml/2006/main" xmlns:r="http://schemas.openxmlformats.org/officeDocument/2006/relationships" xmlns:p="http://schemas.openxmlformats.org/presentationml/2006/main">
   <p:cSld>
     <p:spTree>

--- a/TP_01_MCC_Hacheur_Simulation/TP_01_MCC_Hacheur_Corrige.pptx
+++ b/TP_01_MCC_Hacheur_Simulation/TP_01_MCC_Hacheur_Corrige.pptx
@@ -256,7 +256,7 @@
           <a:p>
             <a:fld id="{721FCA7F-9C42-4E77-B08A-C2F4145F0622}" type="datetimeFigureOut">
               <a:rPr lang="fr-FR" smtClean="0"/>
-              <a:t>09/09/2022</a:t>
+              <a:t>11/09/2022</a:t>
             </a:fld>
             <a:endParaRPr lang="fr-FR"/>
           </a:p>
@@ -426,7 +426,7 @@
           <a:p>
             <a:fld id="{721FCA7F-9C42-4E77-B08A-C2F4145F0622}" type="datetimeFigureOut">
               <a:rPr lang="fr-FR" smtClean="0"/>
-              <a:t>09/09/2022</a:t>
+              <a:t>11/09/2022</a:t>
             </a:fld>
             <a:endParaRPr lang="fr-FR"/>
           </a:p>
@@ -606,7 +606,7 @@
           <a:p>
             <a:fld id="{721FCA7F-9C42-4E77-B08A-C2F4145F0622}" type="datetimeFigureOut">
               <a:rPr lang="fr-FR" smtClean="0"/>
-              <a:t>09/09/2022</a:t>
+              <a:t>11/09/2022</a:t>
             </a:fld>
             <a:endParaRPr lang="fr-FR"/>
           </a:p>
@@ -776,7 +776,7 @@
           <a:p>
             <a:fld id="{721FCA7F-9C42-4E77-B08A-C2F4145F0622}" type="datetimeFigureOut">
               <a:rPr lang="fr-FR" smtClean="0"/>
-              <a:t>09/09/2022</a:t>
+              <a:t>11/09/2022</a:t>
             </a:fld>
             <a:endParaRPr lang="fr-FR"/>
           </a:p>
@@ -1020,7 +1020,7 @@
           <a:p>
             <a:fld id="{721FCA7F-9C42-4E77-B08A-C2F4145F0622}" type="datetimeFigureOut">
               <a:rPr lang="fr-FR" smtClean="0"/>
-              <a:t>09/09/2022</a:t>
+              <a:t>11/09/2022</a:t>
             </a:fld>
             <a:endParaRPr lang="fr-FR"/>
           </a:p>
@@ -1252,7 +1252,7 @@
           <a:p>
             <a:fld id="{721FCA7F-9C42-4E77-B08A-C2F4145F0622}" type="datetimeFigureOut">
               <a:rPr lang="fr-FR" smtClean="0"/>
-              <a:t>09/09/2022</a:t>
+              <a:t>11/09/2022</a:t>
             </a:fld>
             <a:endParaRPr lang="fr-FR"/>
           </a:p>
@@ -1619,7 +1619,7 @@
           <a:p>
             <a:fld id="{721FCA7F-9C42-4E77-B08A-C2F4145F0622}" type="datetimeFigureOut">
               <a:rPr lang="fr-FR" smtClean="0"/>
-              <a:t>09/09/2022</a:t>
+              <a:t>11/09/2022</a:t>
             </a:fld>
             <a:endParaRPr lang="fr-FR"/>
           </a:p>
@@ -1737,7 +1737,7 @@
           <a:p>
             <a:fld id="{721FCA7F-9C42-4E77-B08A-C2F4145F0622}" type="datetimeFigureOut">
               <a:rPr lang="fr-FR" smtClean="0"/>
-              <a:t>09/09/2022</a:t>
+              <a:t>11/09/2022</a:t>
             </a:fld>
             <a:endParaRPr lang="fr-FR"/>
           </a:p>
@@ -1832,7 +1832,7 @@
           <a:p>
             <a:fld id="{721FCA7F-9C42-4E77-B08A-C2F4145F0622}" type="datetimeFigureOut">
               <a:rPr lang="fr-FR" smtClean="0"/>
-              <a:t>09/09/2022</a:t>
+              <a:t>11/09/2022</a:t>
             </a:fld>
             <a:endParaRPr lang="fr-FR"/>
           </a:p>
@@ -2109,7 +2109,7 @@
           <a:p>
             <a:fld id="{721FCA7F-9C42-4E77-B08A-C2F4145F0622}" type="datetimeFigureOut">
               <a:rPr lang="fr-FR" smtClean="0"/>
-              <a:t>09/09/2022</a:t>
+              <a:t>11/09/2022</a:t>
             </a:fld>
             <a:endParaRPr lang="fr-FR"/>
           </a:p>
@@ -2366,7 +2366,7 @@
           <a:p>
             <a:fld id="{721FCA7F-9C42-4E77-B08A-C2F4145F0622}" type="datetimeFigureOut">
               <a:rPr lang="fr-FR" smtClean="0"/>
-              <a:t>09/09/2022</a:t>
+              <a:t>11/09/2022</a:t>
             </a:fld>
             <a:endParaRPr lang="fr-FR"/>
           </a:p>
@@ -2579,7 +2579,7 @@
           <a:p>
             <a:fld id="{721FCA7F-9C42-4E77-B08A-C2F4145F0622}" type="datetimeFigureOut">
               <a:rPr lang="fr-FR" smtClean="0"/>
-              <a:t>09/09/2022</a:t>
+              <a:t>11/09/2022</a:t>
             </a:fld>
             <a:endParaRPr lang="fr-FR"/>
           </a:p>
@@ -2998,10 +2998,10 @@
         </p:nvGrpSpPr>
         <p:grpSpPr>
           <a:xfrm>
-            <a:off x="235325" y="1304925"/>
-            <a:ext cx="12227411" cy="1975485"/>
-            <a:chOff x="235325" y="1304925"/>
-            <a:chExt cx="12227411" cy="1975485"/>
+            <a:off x="89884" y="393766"/>
+            <a:ext cx="12610116" cy="1975485"/>
+            <a:chOff x="-73997" y="1304925"/>
+            <a:chExt cx="12610116" cy="1975485"/>
           </a:xfrm>
         </p:grpSpPr>
         <p:sp>
@@ -3012,8 +3012,8 @@
           </p:nvSpPr>
           <p:spPr>
             <a:xfrm>
-              <a:off x="352426" y="1304925"/>
-              <a:ext cx="12110310" cy="1975485"/>
+              <a:off x="-73997" y="1304925"/>
+              <a:ext cx="12610116" cy="1975485"/>
             </a:xfrm>
             <a:prstGeom prst="rect">
               <a:avLst/>
@@ -3928,7 +3928,7 @@
           <p:spPr>
             <a:xfrm>
               <a:off x="8776913" y="1569392"/>
-              <a:ext cx="3569745" cy="1446550"/>
+              <a:ext cx="3644906" cy="1446550"/>
             </a:xfrm>
             <a:prstGeom prst="rect">
               <a:avLst/>
@@ -3994,8 +3994,8 @@
         </p:nvSpPr>
         <p:spPr>
           <a:xfrm>
-            <a:off x="352422" y="921605"/>
-            <a:ext cx="12110311" cy="369332"/>
+            <a:off x="0" y="0"/>
+            <a:ext cx="12801600" cy="369332"/>
           </a:xfrm>
           <a:prstGeom prst="rect">
             <a:avLst/>
@@ -4030,8 +4030,8 @@
         </p:nvSpPr>
         <p:spPr>
           <a:xfrm>
-            <a:off x="457757" y="4163409"/>
-            <a:ext cx="12110311" cy="369332"/>
+            <a:off x="89884" y="2663443"/>
+            <a:ext cx="12610116" cy="369332"/>
           </a:xfrm>
           <a:prstGeom prst="rect">
             <a:avLst/>
@@ -4066,7 +4066,7 @@
         </p:nvGrpSpPr>
         <p:grpSpPr>
           <a:xfrm>
-            <a:off x="725280" y="4800600"/>
+            <a:off x="531550" y="3164379"/>
             <a:ext cx="3973518" cy="1638839"/>
             <a:chOff x="1299407" y="5247640"/>
             <a:chExt cx="3973518" cy="1638839"/>
@@ -4214,8 +4214,8 @@
           </p:nvSpPr>
           <p:spPr>
             <a:xfrm>
-              <a:off x="1742173" y="6077167"/>
-              <a:ext cx="407332" cy="246631"/>
+              <a:off x="1903757" y="6077168"/>
+              <a:ext cx="245747" cy="203356"/>
             </a:xfrm>
             <a:prstGeom prst="rect">
               <a:avLst/>
@@ -4244,12 +4244,183 @@
           </p:txBody>
         </p:sp>
       </p:grpSp>
-      <p:sp>
-        <p:nvSpPr>
-          <p:cNvPr id="33" name="ZoneTexte 32">
+      <mc:AlternateContent xmlns:mc="http://schemas.openxmlformats.org/markup-compatibility/2006">
+        <mc:Choice xmlns:a14="http://schemas.microsoft.com/office/drawing/2010/main" Requires="a14">
+          <p:sp>
+            <p:nvSpPr>
+              <p:cNvPr id="33" name="ZoneTexte 32">
+                <a:extLst>
+                  <a:ext uri="{FF2B5EF4-FFF2-40B4-BE49-F238E27FC236}">
+                    <a16:creationId xmlns:a16="http://schemas.microsoft.com/office/drawing/2014/main" id="{1952C87A-C88B-5806-399E-9C663AF9B7CB}"/>
+                  </a:ext>
+                </a:extLst>
+              </p:cNvPr>
+              <p:cNvSpPr txBox="1"/>
+              <p:nvPr/>
+            </p:nvSpPr>
+            <p:spPr>
+              <a:xfrm>
+                <a:off x="4736288" y="3165508"/>
+                <a:ext cx="4000318" cy="1785104"/>
+              </a:xfrm>
+              <a:prstGeom prst="rect">
+                <a:avLst/>
+              </a:prstGeom>
+              <a:noFill/>
+            </p:spPr>
+            <p:txBody>
+              <a:bodyPr wrap="square" rtlCol="0">
+                <a:spAutoFit/>
+              </a:bodyPr>
+              <a:lstStyle/>
+              <a:p>
+                <a:pPr algn="just"/>
+                <a:r>
+                  <a:rPr lang="fr-FR" sz="1100" dirty="0"/>
+                  <a:t>Pour disposer d’un interrupteur permettant de s’ouvrir et de se fermer à haute fréquence on utilise un transistor. L’ouverture et la fermeture d’un transistor peut être commandé par un signal en créneau généré par une carte électronique (Arduino par exemple). Ce signal a deux caractéristiques principales : </a:t>
+                </a:r>
+              </a:p>
+              <a:p>
+                <a:pPr marL="171450" indent="-171450" algn="just">
+                  <a:buFont typeface="Arial" panose="020B0604020202020204" pitchFamily="34" charset="0"/>
+                  <a:buChar char="•"/>
+                </a:pPr>
+                <a:r>
+                  <a:rPr lang="fr-FR" sz="1100" dirty="0"/>
+                  <a:t>La fréquence de hachage (en Hz)</a:t>
+                </a:r>
+              </a:p>
+              <a:p>
+                <a:pPr marL="171450" indent="-171450" algn="just">
+                  <a:buFont typeface="Arial" panose="020B0604020202020204" pitchFamily="34" charset="0"/>
+                  <a:buChar char="•"/>
+                </a:pPr>
+                <a:r>
+                  <a:rPr lang="fr-FR" sz="1100" dirty="0"/>
+                  <a:t>Le rapport cyclique (</a:t>
+                </a:r>
+                <a14:m>
+                  <m:oMath xmlns:m="http://schemas.openxmlformats.org/officeDocument/2006/math">
+                    <m:r>
+                      <a:rPr lang="fr-FR" sz="1100" b="0" i="1" smtClean="0">
+                        <a:latin typeface="Cambria Math" panose="02040503050406030204" pitchFamily="18" charset="0"/>
+                      </a:rPr>
+                      <m:t>𝛼</m:t>
+                    </m:r>
+                  </m:oMath>
+                </a14:m>
+                <a:r>
+                  <a:rPr lang="fr-FR" sz="1100" dirty="0"/>
+                  <a:t>en %).</a:t>
+                </a:r>
+              </a:p>
+              <a:p>
+                <a:pPr algn="just"/>
+                <a:r>
+                  <a:rPr lang="fr-FR" sz="1100" dirty="0"/>
+                  <a:t>Le rapport cyclique et le pourcentage d’une période à l’état haut. On parle de MLI (modulation de largeur d’impulsion – PWM : Pulse </a:t>
+                </a:r>
+                <a:r>
+                  <a:rPr lang="fr-FR" sz="1100" dirty="0" err="1"/>
+                  <a:t>Width</a:t>
+                </a:r>
+                <a:r>
+                  <a:rPr lang="fr-FR" sz="1100" dirty="0"/>
+                  <a:t> </a:t>
+                </a:r>
+                <a:r>
+                  <a:rPr lang="fr-FR" sz="1100" dirty="0" err="1"/>
+                  <a:t>Moldulation</a:t>
+                </a:r>
+                <a:r>
+                  <a:rPr lang="fr-FR" sz="1100" dirty="0"/>
+                  <a:t> –).</a:t>
+                </a:r>
+              </a:p>
+            </p:txBody>
+          </p:sp>
+        </mc:Choice>
+        <mc:Fallback>
+          <p:sp>
+            <p:nvSpPr>
+              <p:cNvPr id="33" name="ZoneTexte 32">
+                <a:extLst>
+                  <a:ext uri="{FF2B5EF4-FFF2-40B4-BE49-F238E27FC236}">
+                    <a16:creationId xmlns:a16="http://schemas.microsoft.com/office/drawing/2014/main" id="{1952C87A-C88B-5806-399E-9C663AF9B7CB}"/>
+                  </a:ext>
+                </a:extLst>
+              </p:cNvPr>
+              <p:cNvSpPr txBox="1">
+                <a:spLocks noRot="1" noChangeAspect="1" noMove="1" noResize="1" noEditPoints="1" noAdjustHandles="1" noChangeArrowheads="1" noChangeShapeType="1" noTextEdit="1"/>
+              </p:cNvSpPr>
+              <p:nvPr/>
+            </p:nvSpPr>
+            <p:spPr>
+              <a:xfrm>
+                <a:off x="4736288" y="3165508"/>
+                <a:ext cx="4000318" cy="1785104"/>
+              </a:xfrm>
+              <a:prstGeom prst="rect">
+                <a:avLst/>
+              </a:prstGeom>
+              <a:blipFill>
+                <a:blip r:embed="rId8"/>
+                <a:stretch>
+                  <a:fillRect t="-341" b="-1365"/>
+                </a:stretch>
+              </a:blipFill>
+            </p:spPr>
+            <p:txBody>
+              <a:bodyPr/>
+              <a:lstStyle/>
+              <a:p>
+                <a:r>
+                  <a:rPr lang="fr-FR">
+                    <a:noFill/>
+                  </a:rPr>
+                  <a:t> </a:t>
+                </a:r>
+              </a:p>
+            </p:txBody>
+          </p:sp>
+        </mc:Fallback>
+      </mc:AlternateContent>
+      <p:pic>
+        <p:nvPicPr>
+          <p:cNvPr id="20" name="Image 19">
             <a:extLst>
               <a:ext uri="{FF2B5EF4-FFF2-40B4-BE49-F238E27FC236}">
-                <a16:creationId xmlns:a16="http://schemas.microsoft.com/office/drawing/2014/main" id="{1952C87A-C88B-5806-399E-9C663AF9B7CB}"/>
+                <a16:creationId xmlns:a16="http://schemas.microsoft.com/office/drawing/2014/main" id="{396917DF-959B-BCFB-F95C-08FDA17A5192}"/>
+              </a:ext>
+            </a:extLst>
+          </p:cNvPr>
+          <p:cNvPicPr>
+            <a:picLocks noChangeAspect="1"/>
+          </p:cNvPicPr>
+          <p:nvPr/>
+        </p:nvPicPr>
+        <p:blipFill>
+          <a:blip r:embed="rId9"/>
+          <a:stretch>
+            <a:fillRect/>
+          </a:stretch>
+        </p:blipFill>
+        <p:spPr>
+          <a:xfrm>
+            <a:off x="9020426" y="3079780"/>
+            <a:ext cx="3569745" cy="1028436"/>
+          </a:xfrm>
+          <a:prstGeom prst="rect">
+            <a:avLst/>
+          </a:prstGeom>
+        </p:spPr>
+      </p:pic>
+      <p:sp>
+        <p:nvSpPr>
+          <p:cNvPr id="126" name="ZoneTexte 125">
+            <a:extLst>
+              <a:ext uri="{FF2B5EF4-FFF2-40B4-BE49-F238E27FC236}">
+                <a16:creationId xmlns:a16="http://schemas.microsoft.com/office/drawing/2014/main" id="{441EA661-F7A2-9D40-9980-6600487D666D}"/>
               </a:ext>
             </a:extLst>
           </p:cNvPr>
@@ -4258,8 +4429,8 @@
         </p:nvSpPr>
         <p:spPr>
           <a:xfrm>
-            <a:off x="4915196" y="4557175"/>
-            <a:ext cx="3569745" cy="1954381"/>
+            <a:off x="9020426" y="4211551"/>
+            <a:ext cx="3569745" cy="769441"/>
           </a:xfrm>
           <a:prstGeom prst="rect">
             <a:avLst/>
@@ -4275,1721 +4446,70 @@
             <a:pPr algn="just"/>
             <a:r>
               <a:rPr lang="fr-FR" sz="1100" dirty="0"/>
-              <a:t>Pour disposer d’un interrupteur permettant de s’ouvrir et de se fermer à haute fréquence on utilise un transistor. L’ouverture et la fermeture d’un transistor peut être commandé par un signal en créneau généré par une carte électronique (Arduino par exemple). Ce signal a deux caractéristiques principales : </a:t>
-            </a:r>
-          </a:p>
-          <a:p>
-            <a:pPr marL="171450" indent="-171450" algn="just">
-              <a:buFont typeface="Arial" panose="020B0604020202020204" pitchFamily="34" charset="0"/>
-              <a:buChar char="•"/>
-            </a:pPr>
+              <a:t>Si la source de tension est de 10V et le PWM est à 50%, le moteur est alimenté par 5V.</a:t>
+            </a:r>
+          </a:p>
+          <a:p>
+            <a:pPr algn="just"/>
             <a:r>
               <a:rPr lang="fr-FR" sz="1100" dirty="0"/>
-              <a:t>La fréquence de hachage (en Hz)</a:t>
-            </a:r>
-          </a:p>
-          <a:p>
-            <a:pPr marL="171450" indent="-171450" algn="just">
-              <a:buFont typeface="Arial" panose="020B0604020202020204" pitchFamily="34" charset="0"/>
-              <a:buChar char="•"/>
-            </a:pPr>
-            <a:r>
-              <a:rPr lang="fr-FR" sz="1100" dirty="0"/>
-              <a:t>Le rapport cyclique (en %).</a:t>
-            </a:r>
-          </a:p>
-          <a:p>
-            <a:pPr algn="just"/>
-            <a:r>
-              <a:rPr lang="fr-FR" sz="1100" dirty="0"/>
-              <a:t>Le rapport cyclique et le pourcentage d’une période à l’état haut. On parle de MLI (modulation de largeur d’impulsion – PWM : Pulse </a:t>
-            </a:r>
-            <a:r>
-              <a:rPr lang="fr-FR" sz="1100" dirty="0" err="1"/>
-              <a:t>Width</a:t>
-            </a:r>
-            <a:r>
-              <a:rPr lang="fr-FR" sz="1100" dirty="0"/>
-              <a:t> </a:t>
-            </a:r>
-            <a:r>
-              <a:rPr lang="fr-FR" sz="1100" dirty="0" err="1"/>
-              <a:t>Moldulation</a:t>
-            </a:r>
-            <a:r>
-              <a:rPr lang="fr-FR" sz="1100" dirty="0"/>
-              <a:t> –).</a:t>
-            </a:r>
-          </a:p>
-        </p:txBody>
-      </p:sp>
-      <p:grpSp>
-        <p:nvGrpSpPr>
-          <p:cNvPr id="86" name="Groupe 85">
+              <a:t>Si la source de tension est de 10V et le PWM est à 35%, le moteur est alimenté par 3,5V.</a:t>
+            </a:r>
+          </a:p>
+        </p:txBody>
+      </p:sp>
+      <p:sp>
+        <p:nvSpPr>
+          <p:cNvPr id="127" name="Rectangle 126">
             <a:extLst>
               <a:ext uri="{FF2B5EF4-FFF2-40B4-BE49-F238E27FC236}">
-                <a16:creationId xmlns:a16="http://schemas.microsoft.com/office/drawing/2014/main" id="{A85343CA-FE7A-5F1B-BB13-6EC5E93C80E0}"/>
+                <a16:creationId xmlns:a16="http://schemas.microsoft.com/office/drawing/2014/main" id="{0358ED14-280B-DFEA-A359-159333498828}"/>
               </a:ext>
             </a:extLst>
           </p:cNvPr>
-          <p:cNvGrpSpPr/>
+          <p:cNvSpPr/>
           <p:nvPr/>
-        </p:nvGrpSpPr>
-        <p:grpSpPr>
+        </p:nvSpPr>
+        <p:spPr>
           <a:xfrm>
-            <a:off x="1343594" y="2012166"/>
-            <a:ext cx="5330256" cy="1521976"/>
-            <a:chOff x="1343594" y="2012166"/>
-            <a:chExt cx="5330256" cy="1521976"/>
+            <a:off x="89884" y="3077105"/>
+            <a:ext cx="12610116" cy="1975485"/>
           </a:xfrm>
-        </p:grpSpPr>
-        <p:cxnSp>
-          <p:nvCxnSpPr>
-            <p:cNvPr id="34" name="Connecteur droit 33">
-              <a:extLst>
-                <a:ext uri="{FF2B5EF4-FFF2-40B4-BE49-F238E27FC236}">
-                  <a16:creationId xmlns:a16="http://schemas.microsoft.com/office/drawing/2014/main" id="{167114A0-5E10-F174-CDE6-B8FB7B6C2589}"/>
-                </a:ext>
-              </a:extLst>
-            </p:cNvPr>
-            <p:cNvCxnSpPr>
-              <a:cxnSpLocks/>
-            </p:cNvCxnSpPr>
-            <p:nvPr/>
-          </p:nvCxnSpPr>
-          <p:spPr>
-            <a:xfrm>
-              <a:off x="5001461" y="2444750"/>
-              <a:ext cx="0" cy="1016000"/>
-            </a:xfrm>
-            <a:prstGeom prst="line">
-              <a:avLst/>
-            </a:prstGeom>
-            <a:ln w="28575">
-              <a:solidFill>
-                <a:srgbClr val="00B050"/>
-              </a:solidFill>
-              <a:prstDash val="sysDash"/>
-            </a:ln>
-          </p:spPr>
-          <p:style>
-            <a:lnRef idx="1">
-              <a:schemeClr val="accent1"/>
-            </a:lnRef>
-            <a:fillRef idx="0">
-              <a:schemeClr val="accent1"/>
-            </a:fillRef>
-            <a:effectRef idx="0">
-              <a:schemeClr val="accent1"/>
-            </a:effectRef>
-            <a:fontRef idx="minor">
-              <a:schemeClr val="tx1"/>
-            </a:fontRef>
-          </p:style>
-        </p:cxnSp>
-        <p:cxnSp>
-          <p:nvCxnSpPr>
-            <p:cNvPr id="35" name="Connecteur droit 34">
-              <a:extLst>
-                <a:ext uri="{FF2B5EF4-FFF2-40B4-BE49-F238E27FC236}">
-                  <a16:creationId xmlns:a16="http://schemas.microsoft.com/office/drawing/2014/main" id="{320B3EC8-63B1-2C3D-779B-0ACF57101179}"/>
-                </a:ext>
-              </a:extLst>
-            </p:cNvPr>
-            <p:cNvCxnSpPr>
-              <a:cxnSpLocks/>
-            </p:cNvCxnSpPr>
-            <p:nvPr/>
-          </p:nvCxnSpPr>
-          <p:spPr>
-            <a:xfrm>
-              <a:off x="5752498" y="2481446"/>
-              <a:ext cx="0" cy="1016000"/>
-            </a:xfrm>
-            <a:prstGeom prst="line">
-              <a:avLst/>
-            </a:prstGeom>
-            <a:ln w="28575">
-              <a:solidFill>
-                <a:srgbClr val="00B050"/>
-              </a:solidFill>
-              <a:prstDash val="sysDash"/>
-            </a:ln>
-          </p:spPr>
-          <p:style>
-            <a:lnRef idx="1">
-              <a:schemeClr val="accent1"/>
-            </a:lnRef>
-            <a:fillRef idx="0">
-              <a:schemeClr val="accent1"/>
-            </a:fillRef>
-            <a:effectRef idx="0">
-              <a:schemeClr val="accent1"/>
-            </a:effectRef>
-            <a:fontRef idx="minor">
-              <a:schemeClr val="tx1"/>
-            </a:fontRef>
-          </p:style>
-        </p:cxnSp>
-        <p:cxnSp>
-          <p:nvCxnSpPr>
-            <p:cNvPr id="36" name="Connecteur droit 35">
-              <a:extLst>
-                <a:ext uri="{FF2B5EF4-FFF2-40B4-BE49-F238E27FC236}">
-                  <a16:creationId xmlns:a16="http://schemas.microsoft.com/office/drawing/2014/main" id="{29C460D8-C90E-E114-0054-9ACB0F84CB12}"/>
-                </a:ext>
-              </a:extLst>
-            </p:cNvPr>
-            <p:cNvCxnSpPr>
-              <a:cxnSpLocks/>
-            </p:cNvCxnSpPr>
-            <p:nvPr/>
-          </p:nvCxnSpPr>
-          <p:spPr>
-            <a:xfrm>
-              <a:off x="6503535" y="2518142"/>
-              <a:ext cx="0" cy="1016000"/>
-            </a:xfrm>
-            <a:prstGeom prst="line">
-              <a:avLst/>
-            </a:prstGeom>
-            <a:ln w="28575">
-              <a:solidFill>
-                <a:srgbClr val="00B050"/>
-              </a:solidFill>
-              <a:prstDash val="sysDash"/>
-            </a:ln>
-          </p:spPr>
-          <p:style>
-            <a:lnRef idx="1">
-              <a:schemeClr val="accent1"/>
-            </a:lnRef>
-            <a:fillRef idx="0">
-              <a:schemeClr val="accent1"/>
-            </a:fillRef>
-            <a:effectRef idx="0">
-              <a:schemeClr val="accent1"/>
-            </a:effectRef>
-            <a:fontRef idx="minor">
-              <a:schemeClr val="tx1"/>
-            </a:fontRef>
-          </p:style>
-        </p:cxnSp>
-        <p:cxnSp>
-          <p:nvCxnSpPr>
-            <p:cNvPr id="37" name="Connecteur droit 36">
-              <a:extLst>
-                <a:ext uri="{FF2B5EF4-FFF2-40B4-BE49-F238E27FC236}">
-                  <a16:creationId xmlns:a16="http://schemas.microsoft.com/office/drawing/2014/main" id="{F194001C-F929-50A8-B43B-20009CFFEACF}"/>
-                </a:ext>
-              </a:extLst>
-            </p:cNvPr>
-            <p:cNvCxnSpPr>
-              <a:cxnSpLocks/>
-            </p:cNvCxnSpPr>
-            <p:nvPr/>
-          </p:nvCxnSpPr>
-          <p:spPr>
-            <a:xfrm>
-              <a:off x="2104724" y="2444750"/>
-              <a:ext cx="0" cy="1016000"/>
-            </a:xfrm>
-            <a:prstGeom prst="line">
-              <a:avLst/>
-            </a:prstGeom>
-            <a:ln w="28575">
-              <a:solidFill>
-                <a:srgbClr val="00B050"/>
-              </a:solidFill>
-              <a:prstDash val="sysDash"/>
-            </a:ln>
-          </p:spPr>
-          <p:style>
-            <a:lnRef idx="1">
-              <a:schemeClr val="accent1"/>
-            </a:lnRef>
-            <a:fillRef idx="0">
-              <a:schemeClr val="accent1"/>
-            </a:fillRef>
-            <a:effectRef idx="0">
-              <a:schemeClr val="accent1"/>
-            </a:effectRef>
-            <a:fontRef idx="minor">
-              <a:schemeClr val="tx1"/>
-            </a:fontRef>
-          </p:style>
-        </p:cxnSp>
-        <p:cxnSp>
-          <p:nvCxnSpPr>
-            <p:cNvPr id="38" name="Connecteur droit 37">
-              <a:extLst>
-                <a:ext uri="{FF2B5EF4-FFF2-40B4-BE49-F238E27FC236}">
-                  <a16:creationId xmlns:a16="http://schemas.microsoft.com/office/drawing/2014/main" id="{E012C8D2-97CE-3ADA-D442-EFCD27C0238A}"/>
-                </a:ext>
-              </a:extLst>
-            </p:cNvPr>
-            <p:cNvCxnSpPr>
-              <a:cxnSpLocks/>
-            </p:cNvCxnSpPr>
-            <p:nvPr/>
-          </p:nvCxnSpPr>
-          <p:spPr>
-            <a:xfrm>
-              <a:off x="2855761" y="2481446"/>
-              <a:ext cx="0" cy="1016000"/>
-            </a:xfrm>
-            <a:prstGeom prst="line">
-              <a:avLst/>
-            </a:prstGeom>
-            <a:ln w="28575">
-              <a:solidFill>
-                <a:srgbClr val="00B050"/>
-              </a:solidFill>
-              <a:prstDash val="sysDash"/>
-            </a:ln>
-          </p:spPr>
-          <p:style>
-            <a:lnRef idx="1">
-              <a:schemeClr val="accent1"/>
-            </a:lnRef>
-            <a:fillRef idx="0">
-              <a:schemeClr val="accent1"/>
-            </a:fillRef>
-            <a:effectRef idx="0">
-              <a:schemeClr val="accent1"/>
-            </a:effectRef>
-            <a:fontRef idx="minor">
-              <a:schemeClr val="tx1"/>
-            </a:fontRef>
-          </p:style>
-        </p:cxnSp>
-        <p:cxnSp>
-          <p:nvCxnSpPr>
-            <p:cNvPr id="40" name="Connecteur droit 39">
-              <a:extLst>
-                <a:ext uri="{FF2B5EF4-FFF2-40B4-BE49-F238E27FC236}">
-                  <a16:creationId xmlns:a16="http://schemas.microsoft.com/office/drawing/2014/main" id="{883E9A09-CF3B-3C15-9CEF-D4CAC82108EA}"/>
-                </a:ext>
-              </a:extLst>
-            </p:cNvPr>
-            <p:cNvCxnSpPr>
-              <a:cxnSpLocks/>
-            </p:cNvCxnSpPr>
-            <p:nvPr/>
-          </p:nvCxnSpPr>
-          <p:spPr>
-            <a:xfrm>
-              <a:off x="3606798" y="2518142"/>
-              <a:ext cx="0" cy="1016000"/>
-            </a:xfrm>
-            <a:prstGeom prst="line">
-              <a:avLst/>
-            </a:prstGeom>
-            <a:ln w="28575">
-              <a:solidFill>
-                <a:srgbClr val="00B050"/>
-              </a:solidFill>
-              <a:prstDash val="sysDash"/>
-            </a:ln>
-          </p:spPr>
-          <p:style>
-            <a:lnRef idx="1">
-              <a:schemeClr val="accent1"/>
-            </a:lnRef>
-            <a:fillRef idx="0">
-              <a:schemeClr val="accent1"/>
-            </a:fillRef>
-            <a:effectRef idx="0">
-              <a:schemeClr val="accent1"/>
-            </a:effectRef>
-            <a:fontRef idx="minor">
-              <a:schemeClr val="tx1"/>
-            </a:fontRef>
-          </p:style>
-        </p:cxnSp>
-        <p:cxnSp>
-          <p:nvCxnSpPr>
-            <p:cNvPr id="41" name="Connecteur droit avec flèche 40">
-              <a:extLst>
-                <a:ext uri="{FF2B5EF4-FFF2-40B4-BE49-F238E27FC236}">
-                  <a16:creationId xmlns:a16="http://schemas.microsoft.com/office/drawing/2014/main" id="{FA667282-1A16-A521-C001-A8A69044F292}"/>
-                </a:ext>
-              </a:extLst>
-            </p:cNvPr>
-            <p:cNvCxnSpPr>
-              <a:cxnSpLocks/>
-            </p:cNvCxnSpPr>
-            <p:nvPr/>
-          </p:nvCxnSpPr>
-          <p:spPr>
-            <a:xfrm flipV="1">
-              <a:off x="1357163" y="2387065"/>
-              <a:ext cx="0" cy="952901"/>
-            </a:xfrm>
-            <a:prstGeom prst="straightConnector1">
-              <a:avLst/>
-            </a:prstGeom>
-            <a:ln>
-              <a:solidFill>
-                <a:srgbClr val="002060"/>
-              </a:solidFill>
-              <a:tailEnd type="triangle"/>
-            </a:ln>
-          </p:spPr>
-          <p:style>
-            <a:lnRef idx="1">
-              <a:schemeClr val="accent1"/>
-            </a:lnRef>
-            <a:fillRef idx="0">
-              <a:schemeClr val="accent1"/>
-            </a:fillRef>
-            <a:effectRef idx="0">
-              <a:schemeClr val="accent1"/>
-            </a:effectRef>
-            <a:fontRef idx="minor">
-              <a:schemeClr val="tx1"/>
-            </a:fontRef>
-          </p:style>
-        </p:cxnSp>
-        <p:cxnSp>
-          <p:nvCxnSpPr>
-            <p:cNvPr id="42" name="Connecteur droit avec flèche 41">
-              <a:extLst>
-                <a:ext uri="{FF2B5EF4-FFF2-40B4-BE49-F238E27FC236}">
-                  <a16:creationId xmlns:a16="http://schemas.microsoft.com/office/drawing/2014/main" id="{2DADF451-1170-FA03-9D54-A54FBB85C73A}"/>
-                </a:ext>
-              </a:extLst>
-            </p:cNvPr>
-            <p:cNvCxnSpPr>
-              <a:cxnSpLocks/>
-            </p:cNvCxnSpPr>
-            <p:nvPr/>
-          </p:nvCxnSpPr>
-          <p:spPr>
-            <a:xfrm>
-              <a:off x="1357163" y="3339966"/>
-              <a:ext cx="2414737" cy="0"/>
-            </a:xfrm>
-            <a:prstGeom prst="straightConnector1">
-              <a:avLst/>
-            </a:prstGeom>
-            <a:ln>
-              <a:solidFill>
-                <a:srgbClr val="002060"/>
-              </a:solidFill>
-              <a:tailEnd type="triangle"/>
-            </a:ln>
-          </p:spPr>
-          <p:style>
-            <a:lnRef idx="1">
-              <a:schemeClr val="accent1"/>
-            </a:lnRef>
-            <a:fillRef idx="0">
-              <a:schemeClr val="accent1"/>
-            </a:fillRef>
-            <a:effectRef idx="0">
-              <a:schemeClr val="accent1"/>
-            </a:effectRef>
-            <a:fontRef idx="minor">
-              <a:schemeClr val="tx1"/>
-            </a:fontRef>
-          </p:style>
-        </p:cxnSp>
-        <p:grpSp>
-          <p:nvGrpSpPr>
-            <p:cNvPr id="45" name="Groupe 44">
-              <a:extLst>
-                <a:ext uri="{FF2B5EF4-FFF2-40B4-BE49-F238E27FC236}">
-                  <a16:creationId xmlns:a16="http://schemas.microsoft.com/office/drawing/2014/main" id="{310A3633-593F-BAEB-8FFF-6E71C8DC2E66}"/>
-                </a:ext>
-              </a:extLst>
-            </p:cNvPr>
-            <p:cNvGrpSpPr/>
-            <p:nvPr/>
-          </p:nvGrpSpPr>
-          <p:grpSpPr>
-            <a:xfrm>
-              <a:off x="1357163" y="2608446"/>
-              <a:ext cx="749300" cy="731520"/>
-              <a:chOff x="1357163" y="2608446"/>
-              <a:chExt cx="749300" cy="731520"/>
-            </a:xfrm>
-          </p:grpSpPr>
-          <p:cxnSp>
-            <p:nvCxnSpPr>
-              <p:cNvPr id="46" name="Connecteur droit 45">
-                <a:extLst>
-                  <a:ext uri="{FF2B5EF4-FFF2-40B4-BE49-F238E27FC236}">
-                    <a16:creationId xmlns:a16="http://schemas.microsoft.com/office/drawing/2014/main" id="{253EB9F3-3E5F-C4AC-5EB4-B579A08E043C}"/>
-                  </a:ext>
-                </a:extLst>
-              </p:cNvPr>
-              <p:cNvCxnSpPr/>
-              <p:nvPr/>
-            </p:nvCxnSpPr>
-            <p:spPr>
-              <a:xfrm flipV="1">
-                <a:off x="1357163" y="2608446"/>
-                <a:ext cx="0" cy="731520"/>
-              </a:xfrm>
-              <a:prstGeom prst="line">
-                <a:avLst/>
-              </a:prstGeom>
-              <a:ln w="28575">
-                <a:solidFill>
-                  <a:srgbClr val="C00000"/>
-                </a:solidFill>
-              </a:ln>
-            </p:spPr>
-            <p:style>
-              <a:lnRef idx="1">
-                <a:schemeClr val="accent1"/>
-              </a:lnRef>
-              <a:fillRef idx="0">
-                <a:schemeClr val="accent1"/>
-              </a:fillRef>
-              <a:effectRef idx="0">
-                <a:schemeClr val="accent1"/>
-              </a:effectRef>
-              <a:fontRef idx="minor">
-                <a:schemeClr val="tx1"/>
-              </a:fontRef>
-            </p:style>
-          </p:cxnSp>
-          <p:cxnSp>
-            <p:nvCxnSpPr>
-              <p:cNvPr id="48" name="Connecteur droit 47">
-                <a:extLst>
-                  <a:ext uri="{FF2B5EF4-FFF2-40B4-BE49-F238E27FC236}">
-                    <a16:creationId xmlns:a16="http://schemas.microsoft.com/office/drawing/2014/main" id="{D89997F2-6B28-A99E-E84A-C90201AB3FDA}"/>
-                  </a:ext>
-                </a:extLst>
-              </p:cNvPr>
-              <p:cNvCxnSpPr>
-                <a:cxnSpLocks/>
-              </p:cNvCxnSpPr>
-              <p:nvPr/>
-            </p:nvCxnSpPr>
-            <p:spPr>
-              <a:xfrm flipH="1">
-                <a:off x="1357163" y="2613392"/>
-                <a:ext cx="374650" cy="0"/>
-              </a:xfrm>
-              <a:prstGeom prst="line">
-                <a:avLst/>
-              </a:prstGeom>
-              <a:ln w="28575">
-                <a:solidFill>
-                  <a:srgbClr val="C00000"/>
-                </a:solidFill>
-              </a:ln>
-            </p:spPr>
-            <p:style>
-              <a:lnRef idx="1">
-                <a:schemeClr val="accent1"/>
-              </a:lnRef>
-              <a:fillRef idx="0">
-                <a:schemeClr val="accent1"/>
-              </a:fillRef>
-              <a:effectRef idx="0">
-                <a:schemeClr val="accent1"/>
-              </a:effectRef>
-              <a:fontRef idx="minor">
-                <a:schemeClr val="tx1"/>
-              </a:fontRef>
-            </p:style>
-          </p:cxnSp>
-          <p:cxnSp>
-            <p:nvCxnSpPr>
-              <p:cNvPr id="49" name="Connecteur droit 48">
-                <a:extLst>
-                  <a:ext uri="{FF2B5EF4-FFF2-40B4-BE49-F238E27FC236}">
-                    <a16:creationId xmlns:a16="http://schemas.microsoft.com/office/drawing/2014/main" id="{05FF3977-DE51-5A05-7B5B-DBE012258D52}"/>
-                  </a:ext>
-                </a:extLst>
-              </p:cNvPr>
-              <p:cNvCxnSpPr/>
-              <p:nvPr/>
-            </p:nvCxnSpPr>
-            <p:spPr>
-              <a:xfrm flipV="1">
-                <a:off x="1731813" y="2608446"/>
-                <a:ext cx="0" cy="731520"/>
-              </a:xfrm>
-              <a:prstGeom prst="line">
-                <a:avLst/>
-              </a:prstGeom>
-              <a:ln w="28575">
-                <a:solidFill>
-                  <a:srgbClr val="C00000"/>
-                </a:solidFill>
-              </a:ln>
-            </p:spPr>
-            <p:style>
-              <a:lnRef idx="1">
-                <a:schemeClr val="accent1"/>
-              </a:lnRef>
-              <a:fillRef idx="0">
-                <a:schemeClr val="accent1"/>
-              </a:fillRef>
-              <a:effectRef idx="0">
-                <a:schemeClr val="accent1"/>
-              </a:effectRef>
-              <a:fontRef idx="minor">
-                <a:schemeClr val="tx1"/>
-              </a:fontRef>
-            </p:style>
-          </p:cxnSp>
-          <p:cxnSp>
-            <p:nvCxnSpPr>
-              <p:cNvPr id="50" name="Connecteur droit 49">
-                <a:extLst>
-                  <a:ext uri="{FF2B5EF4-FFF2-40B4-BE49-F238E27FC236}">
-                    <a16:creationId xmlns:a16="http://schemas.microsoft.com/office/drawing/2014/main" id="{401EA001-0F0A-7490-63AA-F00CD0C2AC68}"/>
-                  </a:ext>
-                </a:extLst>
-              </p:cNvPr>
-              <p:cNvCxnSpPr>
-                <a:cxnSpLocks/>
-              </p:cNvCxnSpPr>
-              <p:nvPr/>
-            </p:nvCxnSpPr>
-            <p:spPr>
-              <a:xfrm flipH="1">
-                <a:off x="1731813" y="3324458"/>
-                <a:ext cx="374650" cy="0"/>
-              </a:xfrm>
-              <a:prstGeom prst="line">
-                <a:avLst/>
-              </a:prstGeom>
-              <a:ln w="28575">
-                <a:solidFill>
-                  <a:srgbClr val="C00000"/>
-                </a:solidFill>
-              </a:ln>
-            </p:spPr>
-            <p:style>
-              <a:lnRef idx="1">
-                <a:schemeClr val="accent1"/>
-              </a:lnRef>
-              <a:fillRef idx="0">
-                <a:schemeClr val="accent1"/>
-              </a:fillRef>
-              <a:effectRef idx="0">
-                <a:schemeClr val="accent1"/>
-              </a:effectRef>
-              <a:fontRef idx="minor">
-                <a:schemeClr val="tx1"/>
-              </a:fontRef>
-            </p:style>
-          </p:cxnSp>
-        </p:grpSp>
-        <p:grpSp>
-          <p:nvGrpSpPr>
-            <p:cNvPr id="52" name="Groupe 51">
-              <a:extLst>
-                <a:ext uri="{FF2B5EF4-FFF2-40B4-BE49-F238E27FC236}">
-                  <a16:creationId xmlns:a16="http://schemas.microsoft.com/office/drawing/2014/main" id="{1B770C6E-6CF5-B79B-1CD0-28BD147302FD}"/>
-                </a:ext>
-              </a:extLst>
-            </p:cNvPr>
-            <p:cNvGrpSpPr/>
-            <p:nvPr/>
-          </p:nvGrpSpPr>
-          <p:grpSpPr>
-            <a:xfrm>
-              <a:off x="2104724" y="2608446"/>
-              <a:ext cx="752776" cy="731520"/>
-              <a:chOff x="1357163" y="2608446"/>
-              <a:chExt cx="749300" cy="731520"/>
-            </a:xfrm>
-          </p:grpSpPr>
-          <p:cxnSp>
-            <p:nvCxnSpPr>
-              <p:cNvPr id="53" name="Connecteur droit 52">
-                <a:extLst>
-                  <a:ext uri="{FF2B5EF4-FFF2-40B4-BE49-F238E27FC236}">
-                    <a16:creationId xmlns:a16="http://schemas.microsoft.com/office/drawing/2014/main" id="{AFF59671-F24B-C39B-13E6-C1F86FBAEC4E}"/>
-                  </a:ext>
-                </a:extLst>
-              </p:cNvPr>
-              <p:cNvCxnSpPr/>
-              <p:nvPr/>
-            </p:nvCxnSpPr>
-            <p:spPr>
-              <a:xfrm flipV="1">
-                <a:off x="1357163" y="2608446"/>
-                <a:ext cx="0" cy="731520"/>
-              </a:xfrm>
-              <a:prstGeom prst="line">
-                <a:avLst/>
-              </a:prstGeom>
-              <a:ln w="28575">
-                <a:solidFill>
-                  <a:srgbClr val="C00000"/>
-                </a:solidFill>
-              </a:ln>
-            </p:spPr>
-            <p:style>
-              <a:lnRef idx="1">
-                <a:schemeClr val="accent1"/>
-              </a:lnRef>
-              <a:fillRef idx="0">
-                <a:schemeClr val="accent1"/>
-              </a:fillRef>
-              <a:effectRef idx="0">
-                <a:schemeClr val="accent1"/>
-              </a:effectRef>
-              <a:fontRef idx="minor">
-                <a:schemeClr val="tx1"/>
-              </a:fontRef>
-            </p:style>
-          </p:cxnSp>
-          <p:cxnSp>
-            <p:nvCxnSpPr>
-              <p:cNvPr id="56" name="Connecteur droit 55">
-                <a:extLst>
-                  <a:ext uri="{FF2B5EF4-FFF2-40B4-BE49-F238E27FC236}">
-                    <a16:creationId xmlns:a16="http://schemas.microsoft.com/office/drawing/2014/main" id="{F62EB060-24D3-8E66-261D-5F1AF15299BF}"/>
-                  </a:ext>
-                </a:extLst>
-              </p:cNvPr>
-              <p:cNvCxnSpPr>
-                <a:cxnSpLocks/>
-              </p:cNvCxnSpPr>
-              <p:nvPr/>
-            </p:nvCxnSpPr>
-            <p:spPr>
-              <a:xfrm flipH="1">
-                <a:off x="1357163" y="2613392"/>
-                <a:ext cx="374650" cy="0"/>
-              </a:xfrm>
-              <a:prstGeom prst="line">
-                <a:avLst/>
-              </a:prstGeom>
-              <a:ln w="28575">
-                <a:solidFill>
-                  <a:srgbClr val="C00000"/>
-                </a:solidFill>
-              </a:ln>
-            </p:spPr>
-            <p:style>
-              <a:lnRef idx="1">
-                <a:schemeClr val="accent1"/>
-              </a:lnRef>
-              <a:fillRef idx="0">
-                <a:schemeClr val="accent1"/>
-              </a:fillRef>
-              <a:effectRef idx="0">
-                <a:schemeClr val="accent1"/>
-              </a:effectRef>
-              <a:fontRef idx="minor">
-                <a:schemeClr val="tx1"/>
-              </a:fontRef>
-            </p:style>
-          </p:cxnSp>
-          <p:cxnSp>
-            <p:nvCxnSpPr>
-              <p:cNvPr id="58" name="Connecteur droit 57">
-                <a:extLst>
-                  <a:ext uri="{FF2B5EF4-FFF2-40B4-BE49-F238E27FC236}">
-                    <a16:creationId xmlns:a16="http://schemas.microsoft.com/office/drawing/2014/main" id="{F6624410-CE3B-8352-DE52-2DF5939709E9}"/>
-                  </a:ext>
-                </a:extLst>
-              </p:cNvPr>
-              <p:cNvCxnSpPr/>
-              <p:nvPr/>
-            </p:nvCxnSpPr>
-            <p:spPr>
-              <a:xfrm flipV="1">
-                <a:off x="1731813" y="2608446"/>
-                <a:ext cx="0" cy="731520"/>
-              </a:xfrm>
-              <a:prstGeom prst="line">
-                <a:avLst/>
-              </a:prstGeom>
-              <a:ln w="28575">
-                <a:solidFill>
-                  <a:srgbClr val="C00000"/>
-                </a:solidFill>
-              </a:ln>
-            </p:spPr>
-            <p:style>
-              <a:lnRef idx="1">
-                <a:schemeClr val="accent1"/>
-              </a:lnRef>
-              <a:fillRef idx="0">
-                <a:schemeClr val="accent1"/>
-              </a:fillRef>
-              <a:effectRef idx="0">
-                <a:schemeClr val="accent1"/>
-              </a:effectRef>
-              <a:fontRef idx="minor">
-                <a:schemeClr val="tx1"/>
-              </a:fontRef>
-            </p:style>
-          </p:cxnSp>
-          <p:cxnSp>
-            <p:nvCxnSpPr>
-              <p:cNvPr id="59" name="Connecteur droit 58">
-                <a:extLst>
-                  <a:ext uri="{FF2B5EF4-FFF2-40B4-BE49-F238E27FC236}">
-                    <a16:creationId xmlns:a16="http://schemas.microsoft.com/office/drawing/2014/main" id="{15924FDE-E2EA-A8C9-7BA2-7135D635E78B}"/>
-                  </a:ext>
-                </a:extLst>
-              </p:cNvPr>
-              <p:cNvCxnSpPr>
-                <a:cxnSpLocks/>
-              </p:cNvCxnSpPr>
-              <p:nvPr/>
-            </p:nvCxnSpPr>
-            <p:spPr>
-              <a:xfrm flipH="1">
-                <a:off x="1731813" y="3324458"/>
-                <a:ext cx="374650" cy="0"/>
-              </a:xfrm>
-              <a:prstGeom prst="line">
-                <a:avLst/>
-              </a:prstGeom>
-              <a:ln w="28575">
-                <a:solidFill>
-                  <a:srgbClr val="C00000"/>
-                </a:solidFill>
-              </a:ln>
-            </p:spPr>
-            <p:style>
-              <a:lnRef idx="1">
-                <a:schemeClr val="accent1"/>
-              </a:lnRef>
-              <a:fillRef idx="0">
-                <a:schemeClr val="accent1"/>
-              </a:fillRef>
-              <a:effectRef idx="0">
-                <a:schemeClr val="accent1"/>
-              </a:effectRef>
-              <a:fontRef idx="minor">
-                <a:schemeClr val="tx1"/>
-              </a:fontRef>
-            </p:style>
-          </p:cxnSp>
-        </p:grpSp>
-        <p:grpSp>
-          <p:nvGrpSpPr>
-            <p:cNvPr id="62" name="Groupe 61">
-              <a:extLst>
-                <a:ext uri="{FF2B5EF4-FFF2-40B4-BE49-F238E27FC236}">
-                  <a16:creationId xmlns:a16="http://schemas.microsoft.com/office/drawing/2014/main" id="{7B984691-1EB3-5D29-48F1-FDC9ECB99292}"/>
-                </a:ext>
-              </a:extLst>
-            </p:cNvPr>
-            <p:cNvGrpSpPr/>
-            <p:nvPr/>
-          </p:nvGrpSpPr>
-          <p:grpSpPr>
-            <a:xfrm>
-              <a:off x="2855761" y="2608446"/>
-              <a:ext cx="752776" cy="731520"/>
-              <a:chOff x="1357163" y="2608446"/>
-              <a:chExt cx="749300" cy="731520"/>
-            </a:xfrm>
-          </p:grpSpPr>
-          <p:cxnSp>
-            <p:nvCxnSpPr>
-              <p:cNvPr id="63" name="Connecteur droit 62">
-                <a:extLst>
-                  <a:ext uri="{FF2B5EF4-FFF2-40B4-BE49-F238E27FC236}">
-                    <a16:creationId xmlns:a16="http://schemas.microsoft.com/office/drawing/2014/main" id="{5A7CF93A-6686-9751-E358-CFDDD2703AF0}"/>
-                  </a:ext>
-                </a:extLst>
-              </p:cNvPr>
-              <p:cNvCxnSpPr/>
-              <p:nvPr/>
-            </p:nvCxnSpPr>
-            <p:spPr>
-              <a:xfrm flipV="1">
-                <a:off x="1357163" y="2608446"/>
-                <a:ext cx="0" cy="731520"/>
-              </a:xfrm>
-              <a:prstGeom prst="line">
-                <a:avLst/>
-              </a:prstGeom>
-              <a:ln w="28575">
-                <a:solidFill>
-                  <a:srgbClr val="C00000"/>
-                </a:solidFill>
-              </a:ln>
-            </p:spPr>
-            <p:style>
-              <a:lnRef idx="1">
-                <a:schemeClr val="accent1"/>
-              </a:lnRef>
-              <a:fillRef idx="0">
-                <a:schemeClr val="accent1"/>
-              </a:fillRef>
-              <a:effectRef idx="0">
-                <a:schemeClr val="accent1"/>
-              </a:effectRef>
-              <a:fontRef idx="minor">
-                <a:schemeClr val="tx1"/>
-              </a:fontRef>
-            </p:style>
-          </p:cxnSp>
-          <p:cxnSp>
-            <p:nvCxnSpPr>
-              <p:cNvPr id="64" name="Connecteur droit 63">
-                <a:extLst>
-                  <a:ext uri="{FF2B5EF4-FFF2-40B4-BE49-F238E27FC236}">
-                    <a16:creationId xmlns:a16="http://schemas.microsoft.com/office/drawing/2014/main" id="{88DA85D0-551F-C035-375A-07241063CED5}"/>
-                  </a:ext>
-                </a:extLst>
-              </p:cNvPr>
-              <p:cNvCxnSpPr>
-                <a:cxnSpLocks/>
-              </p:cNvCxnSpPr>
-              <p:nvPr/>
-            </p:nvCxnSpPr>
-            <p:spPr>
-              <a:xfrm flipH="1">
-                <a:off x="1357163" y="2613392"/>
-                <a:ext cx="374650" cy="0"/>
-              </a:xfrm>
-              <a:prstGeom prst="line">
-                <a:avLst/>
-              </a:prstGeom>
-              <a:ln w="28575">
-                <a:solidFill>
-                  <a:srgbClr val="C00000"/>
-                </a:solidFill>
-              </a:ln>
-            </p:spPr>
-            <p:style>
-              <a:lnRef idx="1">
-                <a:schemeClr val="accent1"/>
-              </a:lnRef>
-              <a:fillRef idx="0">
-                <a:schemeClr val="accent1"/>
-              </a:fillRef>
-              <a:effectRef idx="0">
-                <a:schemeClr val="accent1"/>
-              </a:effectRef>
-              <a:fontRef idx="minor">
-                <a:schemeClr val="tx1"/>
-              </a:fontRef>
-            </p:style>
-          </p:cxnSp>
-          <p:cxnSp>
-            <p:nvCxnSpPr>
-              <p:cNvPr id="65" name="Connecteur droit 64">
-                <a:extLst>
-                  <a:ext uri="{FF2B5EF4-FFF2-40B4-BE49-F238E27FC236}">
-                    <a16:creationId xmlns:a16="http://schemas.microsoft.com/office/drawing/2014/main" id="{12D45362-DF08-32B3-A474-8DCFFB600257}"/>
-                  </a:ext>
-                </a:extLst>
-              </p:cNvPr>
-              <p:cNvCxnSpPr/>
-              <p:nvPr/>
-            </p:nvCxnSpPr>
-            <p:spPr>
-              <a:xfrm flipV="1">
-                <a:off x="1731813" y="2608446"/>
-                <a:ext cx="0" cy="731520"/>
-              </a:xfrm>
-              <a:prstGeom prst="line">
-                <a:avLst/>
-              </a:prstGeom>
-              <a:ln w="28575">
-                <a:solidFill>
-                  <a:srgbClr val="C00000"/>
-                </a:solidFill>
-              </a:ln>
-            </p:spPr>
-            <p:style>
-              <a:lnRef idx="1">
-                <a:schemeClr val="accent1"/>
-              </a:lnRef>
-              <a:fillRef idx="0">
-                <a:schemeClr val="accent1"/>
-              </a:fillRef>
-              <a:effectRef idx="0">
-                <a:schemeClr val="accent1"/>
-              </a:effectRef>
-              <a:fontRef idx="minor">
-                <a:schemeClr val="tx1"/>
-              </a:fontRef>
-            </p:style>
-          </p:cxnSp>
-          <p:cxnSp>
-            <p:nvCxnSpPr>
-              <p:cNvPr id="66" name="Connecteur droit 65">
-                <a:extLst>
-                  <a:ext uri="{FF2B5EF4-FFF2-40B4-BE49-F238E27FC236}">
-                    <a16:creationId xmlns:a16="http://schemas.microsoft.com/office/drawing/2014/main" id="{A4655295-09C2-D826-2352-E2B313BBDCC4}"/>
-                  </a:ext>
-                </a:extLst>
-              </p:cNvPr>
-              <p:cNvCxnSpPr>
-                <a:cxnSpLocks/>
-              </p:cNvCxnSpPr>
-              <p:nvPr/>
-            </p:nvCxnSpPr>
-            <p:spPr>
-              <a:xfrm flipH="1">
-                <a:off x="1731813" y="3324458"/>
-                <a:ext cx="374650" cy="0"/>
-              </a:xfrm>
-              <a:prstGeom prst="line">
-                <a:avLst/>
-              </a:prstGeom>
-              <a:ln w="28575">
-                <a:solidFill>
-                  <a:srgbClr val="C00000"/>
-                </a:solidFill>
-              </a:ln>
-            </p:spPr>
-            <p:style>
-              <a:lnRef idx="1">
-                <a:schemeClr val="accent1"/>
-              </a:lnRef>
-              <a:fillRef idx="0">
-                <a:schemeClr val="accent1"/>
-              </a:fillRef>
-              <a:effectRef idx="0">
-                <a:schemeClr val="accent1"/>
-              </a:effectRef>
-              <a:fontRef idx="minor">
-                <a:schemeClr val="tx1"/>
-              </a:fontRef>
-            </p:style>
-          </p:cxnSp>
-        </p:grpSp>
-        <p:cxnSp>
-          <p:nvCxnSpPr>
-            <p:cNvPr id="67" name="Connecteur droit avec flèche 66">
-              <a:extLst>
-                <a:ext uri="{FF2B5EF4-FFF2-40B4-BE49-F238E27FC236}">
-                  <a16:creationId xmlns:a16="http://schemas.microsoft.com/office/drawing/2014/main" id="{C44B756B-5003-A5ED-6963-9F0B773DF0FA}"/>
-                </a:ext>
-              </a:extLst>
-            </p:cNvPr>
-            <p:cNvCxnSpPr>
-              <a:cxnSpLocks/>
-            </p:cNvCxnSpPr>
-            <p:nvPr/>
-          </p:nvCxnSpPr>
-          <p:spPr>
-            <a:xfrm flipV="1">
-              <a:off x="4259113" y="2387065"/>
-              <a:ext cx="0" cy="952901"/>
-            </a:xfrm>
-            <a:prstGeom prst="straightConnector1">
-              <a:avLst/>
-            </a:prstGeom>
-            <a:ln>
-              <a:solidFill>
-                <a:srgbClr val="002060"/>
-              </a:solidFill>
-              <a:tailEnd type="triangle"/>
-            </a:ln>
-          </p:spPr>
-          <p:style>
-            <a:lnRef idx="1">
-              <a:schemeClr val="accent1"/>
-            </a:lnRef>
-            <a:fillRef idx="0">
-              <a:schemeClr val="accent1"/>
-            </a:fillRef>
-            <a:effectRef idx="0">
-              <a:schemeClr val="accent1"/>
-            </a:effectRef>
-            <a:fontRef idx="minor">
-              <a:schemeClr val="tx1"/>
-            </a:fontRef>
-          </p:style>
-        </p:cxnSp>
-        <p:cxnSp>
-          <p:nvCxnSpPr>
-            <p:cNvPr id="68" name="Connecteur droit avec flèche 67">
-              <a:extLst>
-                <a:ext uri="{FF2B5EF4-FFF2-40B4-BE49-F238E27FC236}">
-                  <a16:creationId xmlns:a16="http://schemas.microsoft.com/office/drawing/2014/main" id="{E5C51874-956F-EE3A-5AC2-F6E2196DE7C6}"/>
-                </a:ext>
-              </a:extLst>
-            </p:cNvPr>
-            <p:cNvCxnSpPr>
-              <a:cxnSpLocks/>
-            </p:cNvCxnSpPr>
-            <p:nvPr/>
-          </p:nvCxnSpPr>
-          <p:spPr>
-            <a:xfrm>
-              <a:off x="4259113" y="3339966"/>
-              <a:ext cx="2414737" cy="0"/>
-            </a:xfrm>
-            <a:prstGeom prst="straightConnector1">
-              <a:avLst/>
-            </a:prstGeom>
-            <a:ln>
-              <a:solidFill>
-                <a:srgbClr val="002060"/>
-              </a:solidFill>
-              <a:tailEnd type="triangle"/>
-            </a:ln>
-          </p:spPr>
-          <p:style>
-            <a:lnRef idx="1">
-              <a:schemeClr val="accent1"/>
-            </a:lnRef>
-            <a:fillRef idx="0">
-              <a:schemeClr val="accent1"/>
-            </a:fillRef>
-            <a:effectRef idx="0">
-              <a:schemeClr val="accent1"/>
-            </a:effectRef>
-            <a:fontRef idx="minor">
-              <a:schemeClr val="tx1"/>
-            </a:fontRef>
-          </p:style>
-        </p:cxnSp>
-        <p:grpSp>
-          <p:nvGrpSpPr>
-            <p:cNvPr id="69" name="Groupe 68">
-              <a:extLst>
-                <a:ext uri="{FF2B5EF4-FFF2-40B4-BE49-F238E27FC236}">
-                  <a16:creationId xmlns:a16="http://schemas.microsoft.com/office/drawing/2014/main" id="{479AF130-A6EE-0830-25F4-6B4A0FE506A0}"/>
-                </a:ext>
-              </a:extLst>
-            </p:cNvPr>
-            <p:cNvGrpSpPr/>
-            <p:nvPr/>
-          </p:nvGrpSpPr>
-          <p:grpSpPr>
-            <a:xfrm>
-              <a:off x="4259113" y="2608446"/>
-              <a:ext cx="749300" cy="731520"/>
-              <a:chOff x="1357163" y="2608446"/>
-              <a:chExt cx="749300" cy="731520"/>
-            </a:xfrm>
-          </p:grpSpPr>
-          <p:cxnSp>
-            <p:nvCxnSpPr>
-              <p:cNvPr id="70" name="Connecteur droit 69">
-                <a:extLst>
-                  <a:ext uri="{FF2B5EF4-FFF2-40B4-BE49-F238E27FC236}">
-                    <a16:creationId xmlns:a16="http://schemas.microsoft.com/office/drawing/2014/main" id="{64E5A73F-63B8-E6EB-308D-DD134397F2E8}"/>
-                  </a:ext>
-                </a:extLst>
-              </p:cNvPr>
-              <p:cNvCxnSpPr/>
-              <p:nvPr/>
-            </p:nvCxnSpPr>
-            <p:spPr>
-              <a:xfrm flipV="1">
-                <a:off x="1357163" y="2608446"/>
-                <a:ext cx="0" cy="731520"/>
-              </a:xfrm>
-              <a:prstGeom prst="line">
-                <a:avLst/>
-              </a:prstGeom>
-              <a:ln w="28575">
-                <a:solidFill>
-                  <a:srgbClr val="C00000"/>
-                </a:solidFill>
-              </a:ln>
-            </p:spPr>
-            <p:style>
-              <a:lnRef idx="1">
-                <a:schemeClr val="accent1"/>
-              </a:lnRef>
-              <a:fillRef idx="0">
-                <a:schemeClr val="accent1"/>
-              </a:fillRef>
-              <a:effectRef idx="0">
-                <a:schemeClr val="accent1"/>
-              </a:effectRef>
-              <a:fontRef idx="minor">
-                <a:schemeClr val="tx1"/>
-              </a:fontRef>
-            </p:style>
-          </p:cxnSp>
-          <p:cxnSp>
-            <p:nvCxnSpPr>
-              <p:cNvPr id="71" name="Connecteur droit 70">
-                <a:extLst>
-                  <a:ext uri="{FF2B5EF4-FFF2-40B4-BE49-F238E27FC236}">
-                    <a16:creationId xmlns:a16="http://schemas.microsoft.com/office/drawing/2014/main" id="{A1570315-377C-D63D-93C9-9D74D021713A}"/>
-                  </a:ext>
-                </a:extLst>
-              </p:cNvPr>
-              <p:cNvCxnSpPr>
-                <a:cxnSpLocks/>
-              </p:cNvCxnSpPr>
-              <p:nvPr/>
-            </p:nvCxnSpPr>
-            <p:spPr>
-              <a:xfrm flipH="1">
-                <a:off x="1357163" y="2613392"/>
-                <a:ext cx="247650" cy="0"/>
-              </a:xfrm>
-              <a:prstGeom prst="line">
-                <a:avLst/>
-              </a:prstGeom>
-              <a:ln w="28575">
-                <a:solidFill>
-                  <a:srgbClr val="C00000"/>
-                </a:solidFill>
-              </a:ln>
-            </p:spPr>
-            <p:style>
-              <a:lnRef idx="1">
-                <a:schemeClr val="accent1"/>
-              </a:lnRef>
-              <a:fillRef idx="0">
-                <a:schemeClr val="accent1"/>
-              </a:fillRef>
-              <a:effectRef idx="0">
-                <a:schemeClr val="accent1"/>
-              </a:effectRef>
-              <a:fontRef idx="minor">
-                <a:schemeClr val="tx1"/>
-              </a:fontRef>
-            </p:style>
-          </p:cxnSp>
-          <p:cxnSp>
-            <p:nvCxnSpPr>
-              <p:cNvPr id="72" name="Connecteur droit 71">
-                <a:extLst>
-                  <a:ext uri="{FF2B5EF4-FFF2-40B4-BE49-F238E27FC236}">
-                    <a16:creationId xmlns:a16="http://schemas.microsoft.com/office/drawing/2014/main" id="{175EED85-E9A7-4554-3107-3DC8AD3DA86D}"/>
-                  </a:ext>
-                </a:extLst>
-              </p:cNvPr>
-              <p:cNvCxnSpPr/>
-              <p:nvPr/>
-            </p:nvCxnSpPr>
-            <p:spPr>
-              <a:xfrm flipV="1">
-                <a:off x="1604813" y="2608446"/>
-                <a:ext cx="0" cy="731520"/>
-              </a:xfrm>
-              <a:prstGeom prst="line">
-                <a:avLst/>
-              </a:prstGeom>
-              <a:ln w="28575">
-                <a:solidFill>
-                  <a:srgbClr val="C00000"/>
-                </a:solidFill>
-              </a:ln>
-            </p:spPr>
-            <p:style>
-              <a:lnRef idx="1">
-                <a:schemeClr val="accent1"/>
-              </a:lnRef>
-              <a:fillRef idx="0">
-                <a:schemeClr val="accent1"/>
-              </a:fillRef>
-              <a:effectRef idx="0">
-                <a:schemeClr val="accent1"/>
-              </a:effectRef>
-              <a:fontRef idx="minor">
-                <a:schemeClr val="tx1"/>
-              </a:fontRef>
-            </p:style>
-          </p:cxnSp>
-          <p:cxnSp>
-            <p:nvCxnSpPr>
-              <p:cNvPr id="73" name="Connecteur droit 72">
-                <a:extLst>
-                  <a:ext uri="{FF2B5EF4-FFF2-40B4-BE49-F238E27FC236}">
-                    <a16:creationId xmlns:a16="http://schemas.microsoft.com/office/drawing/2014/main" id="{30A0EBDC-FBB0-703D-D620-F5EC75C24F61}"/>
-                  </a:ext>
-                </a:extLst>
-              </p:cNvPr>
-              <p:cNvCxnSpPr>
-                <a:cxnSpLocks/>
-              </p:cNvCxnSpPr>
-              <p:nvPr/>
-            </p:nvCxnSpPr>
-            <p:spPr>
-              <a:xfrm flipH="1">
-                <a:off x="1604813" y="3324458"/>
-                <a:ext cx="501650" cy="0"/>
-              </a:xfrm>
-              <a:prstGeom prst="line">
-                <a:avLst/>
-              </a:prstGeom>
-              <a:ln w="28575">
-                <a:solidFill>
-                  <a:srgbClr val="C00000"/>
-                </a:solidFill>
-              </a:ln>
-            </p:spPr>
-            <p:style>
-              <a:lnRef idx="1">
-                <a:schemeClr val="accent1"/>
-              </a:lnRef>
-              <a:fillRef idx="0">
-                <a:schemeClr val="accent1"/>
-              </a:fillRef>
-              <a:effectRef idx="0">
-                <a:schemeClr val="accent1"/>
-              </a:effectRef>
-              <a:fontRef idx="minor">
-                <a:schemeClr val="tx1"/>
-              </a:fontRef>
-            </p:style>
-          </p:cxnSp>
-        </p:grpSp>
-        <p:grpSp>
-          <p:nvGrpSpPr>
-            <p:cNvPr id="74" name="Groupe 73">
-              <a:extLst>
-                <a:ext uri="{FF2B5EF4-FFF2-40B4-BE49-F238E27FC236}">
-                  <a16:creationId xmlns:a16="http://schemas.microsoft.com/office/drawing/2014/main" id="{B3507B3C-E0DE-CF70-EE8C-FB804408C6BA}"/>
-                </a:ext>
-              </a:extLst>
-            </p:cNvPr>
-            <p:cNvGrpSpPr/>
-            <p:nvPr/>
-          </p:nvGrpSpPr>
-          <p:grpSpPr>
-            <a:xfrm>
-              <a:off x="5006674" y="2608446"/>
-              <a:ext cx="749300" cy="731520"/>
-              <a:chOff x="1357163" y="2608446"/>
-              <a:chExt cx="749300" cy="731520"/>
-            </a:xfrm>
-          </p:grpSpPr>
-          <p:cxnSp>
-            <p:nvCxnSpPr>
-              <p:cNvPr id="75" name="Connecteur droit 74">
-                <a:extLst>
-                  <a:ext uri="{FF2B5EF4-FFF2-40B4-BE49-F238E27FC236}">
-                    <a16:creationId xmlns:a16="http://schemas.microsoft.com/office/drawing/2014/main" id="{A034026E-FADB-0E79-E55A-C88DD706A698}"/>
-                  </a:ext>
-                </a:extLst>
-              </p:cNvPr>
-              <p:cNvCxnSpPr/>
-              <p:nvPr/>
-            </p:nvCxnSpPr>
-            <p:spPr>
-              <a:xfrm flipV="1">
-                <a:off x="1357163" y="2608446"/>
-                <a:ext cx="0" cy="731520"/>
-              </a:xfrm>
-              <a:prstGeom prst="line">
-                <a:avLst/>
-              </a:prstGeom>
-              <a:ln w="28575">
-                <a:solidFill>
-                  <a:srgbClr val="C00000"/>
-                </a:solidFill>
-              </a:ln>
-            </p:spPr>
-            <p:style>
-              <a:lnRef idx="1">
-                <a:schemeClr val="accent1"/>
-              </a:lnRef>
-              <a:fillRef idx="0">
-                <a:schemeClr val="accent1"/>
-              </a:fillRef>
-              <a:effectRef idx="0">
-                <a:schemeClr val="accent1"/>
-              </a:effectRef>
-              <a:fontRef idx="minor">
-                <a:schemeClr val="tx1"/>
-              </a:fontRef>
-            </p:style>
-          </p:cxnSp>
-          <p:cxnSp>
-            <p:nvCxnSpPr>
-              <p:cNvPr id="76" name="Connecteur droit 75">
-                <a:extLst>
-                  <a:ext uri="{FF2B5EF4-FFF2-40B4-BE49-F238E27FC236}">
-                    <a16:creationId xmlns:a16="http://schemas.microsoft.com/office/drawing/2014/main" id="{2D75D34E-BAC6-524B-5183-FF1B0915A2E7}"/>
-                  </a:ext>
-                </a:extLst>
-              </p:cNvPr>
-              <p:cNvCxnSpPr>
-                <a:cxnSpLocks/>
-              </p:cNvCxnSpPr>
-              <p:nvPr/>
-            </p:nvCxnSpPr>
-            <p:spPr>
-              <a:xfrm flipH="1">
-                <a:off x="1357163" y="2613392"/>
-                <a:ext cx="247650" cy="0"/>
-              </a:xfrm>
-              <a:prstGeom prst="line">
-                <a:avLst/>
-              </a:prstGeom>
-              <a:ln w="28575">
-                <a:solidFill>
-                  <a:srgbClr val="C00000"/>
-                </a:solidFill>
-              </a:ln>
-            </p:spPr>
-            <p:style>
-              <a:lnRef idx="1">
-                <a:schemeClr val="accent1"/>
-              </a:lnRef>
-              <a:fillRef idx="0">
-                <a:schemeClr val="accent1"/>
-              </a:fillRef>
-              <a:effectRef idx="0">
-                <a:schemeClr val="accent1"/>
-              </a:effectRef>
-              <a:fontRef idx="minor">
-                <a:schemeClr val="tx1"/>
-              </a:fontRef>
-            </p:style>
-          </p:cxnSp>
-          <p:cxnSp>
-            <p:nvCxnSpPr>
-              <p:cNvPr id="77" name="Connecteur droit 76">
-                <a:extLst>
-                  <a:ext uri="{FF2B5EF4-FFF2-40B4-BE49-F238E27FC236}">
-                    <a16:creationId xmlns:a16="http://schemas.microsoft.com/office/drawing/2014/main" id="{AA2ED2AC-7127-231F-C8A4-F8BB41CF7B24}"/>
-                  </a:ext>
-                </a:extLst>
-              </p:cNvPr>
-              <p:cNvCxnSpPr/>
-              <p:nvPr/>
-            </p:nvCxnSpPr>
-            <p:spPr>
-              <a:xfrm flipV="1">
-                <a:off x="1604813" y="2608446"/>
-                <a:ext cx="0" cy="731520"/>
-              </a:xfrm>
-              <a:prstGeom prst="line">
-                <a:avLst/>
-              </a:prstGeom>
-              <a:ln w="28575">
-                <a:solidFill>
-                  <a:srgbClr val="C00000"/>
-                </a:solidFill>
-              </a:ln>
-            </p:spPr>
-            <p:style>
-              <a:lnRef idx="1">
-                <a:schemeClr val="accent1"/>
-              </a:lnRef>
-              <a:fillRef idx="0">
-                <a:schemeClr val="accent1"/>
-              </a:fillRef>
-              <a:effectRef idx="0">
-                <a:schemeClr val="accent1"/>
-              </a:effectRef>
-              <a:fontRef idx="minor">
-                <a:schemeClr val="tx1"/>
-              </a:fontRef>
-            </p:style>
-          </p:cxnSp>
-          <p:cxnSp>
-            <p:nvCxnSpPr>
-              <p:cNvPr id="78" name="Connecteur droit 77">
-                <a:extLst>
-                  <a:ext uri="{FF2B5EF4-FFF2-40B4-BE49-F238E27FC236}">
-                    <a16:creationId xmlns:a16="http://schemas.microsoft.com/office/drawing/2014/main" id="{459A4B0B-FDB9-7174-BDB6-114D23E43F15}"/>
-                  </a:ext>
-                </a:extLst>
-              </p:cNvPr>
-              <p:cNvCxnSpPr>
-                <a:cxnSpLocks/>
-              </p:cNvCxnSpPr>
-              <p:nvPr/>
-            </p:nvCxnSpPr>
-            <p:spPr>
-              <a:xfrm flipH="1">
-                <a:off x="1604813" y="3324458"/>
-                <a:ext cx="501650" cy="0"/>
-              </a:xfrm>
-              <a:prstGeom prst="line">
-                <a:avLst/>
-              </a:prstGeom>
-              <a:ln w="28575">
-                <a:solidFill>
-                  <a:srgbClr val="C00000"/>
-                </a:solidFill>
-              </a:ln>
-            </p:spPr>
-            <p:style>
-              <a:lnRef idx="1">
-                <a:schemeClr val="accent1"/>
-              </a:lnRef>
-              <a:fillRef idx="0">
-                <a:schemeClr val="accent1"/>
-              </a:fillRef>
-              <a:effectRef idx="0">
-                <a:schemeClr val="accent1"/>
-              </a:effectRef>
-              <a:fontRef idx="minor">
-                <a:schemeClr val="tx1"/>
-              </a:fontRef>
-            </p:style>
-          </p:cxnSp>
-        </p:grpSp>
-        <p:grpSp>
-          <p:nvGrpSpPr>
-            <p:cNvPr id="79" name="Groupe 78">
-              <a:extLst>
-                <a:ext uri="{FF2B5EF4-FFF2-40B4-BE49-F238E27FC236}">
-                  <a16:creationId xmlns:a16="http://schemas.microsoft.com/office/drawing/2014/main" id="{DAB77239-24B7-05EC-FA63-EA789DC4B853}"/>
-                </a:ext>
-              </a:extLst>
-            </p:cNvPr>
-            <p:cNvGrpSpPr/>
-            <p:nvPr/>
-          </p:nvGrpSpPr>
-          <p:grpSpPr>
-            <a:xfrm>
-              <a:off x="5754235" y="2608446"/>
-              <a:ext cx="749300" cy="731520"/>
-              <a:chOff x="1357163" y="2608446"/>
-              <a:chExt cx="749300" cy="731520"/>
-            </a:xfrm>
-          </p:grpSpPr>
-          <p:cxnSp>
-            <p:nvCxnSpPr>
-              <p:cNvPr id="80" name="Connecteur droit 79">
-                <a:extLst>
-                  <a:ext uri="{FF2B5EF4-FFF2-40B4-BE49-F238E27FC236}">
-                    <a16:creationId xmlns:a16="http://schemas.microsoft.com/office/drawing/2014/main" id="{5654B514-E866-7257-B0AD-085BA826B5AE}"/>
-                  </a:ext>
-                </a:extLst>
-              </p:cNvPr>
-              <p:cNvCxnSpPr/>
-              <p:nvPr/>
-            </p:nvCxnSpPr>
-            <p:spPr>
-              <a:xfrm flipV="1">
-                <a:off x="1357163" y="2608446"/>
-                <a:ext cx="0" cy="731520"/>
-              </a:xfrm>
-              <a:prstGeom prst="line">
-                <a:avLst/>
-              </a:prstGeom>
-              <a:ln w="28575">
-                <a:solidFill>
-                  <a:srgbClr val="C00000"/>
-                </a:solidFill>
-              </a:ln>
-            </p:spPr>
-            <p:style>
-              <a:lnRef idx="1">
-                <a:schemeClr val="accent1"/>
-              </a:lnRef>
-              <a:fillRef idx="0">
-                <a:schemeClr val="accent1"/>
-              </a:fillRef>
-              <a:effectRef idx="0">
-                <a:schemeClr val="accent1"/>
-              </a:effectRef>
-              <a:fontRef idx="minor">
-                <a:schemeClr val="tx1"/>
-              </a:fontRef>
-            </p:style>
-          </p:cxnSp>
-          <p:cxnSp>
-            <p:nvCxnSpPr>
-              <p:cNvPr id="81" name="Connecteur droit 80">
-                <a:extLst>
-                  <a:ext uri="{FF2B5EF4-FFF2-40B4-BE49-F238E27FC236}">
-                    <a16:creationId xmlns:a16="http://schemas.microsoft.com/office/drawing/2014/main" id="{5AAA7ECA-70EC-E561-ED9D-89D4206CD7A8}"/>
-                  </a:ext>
-                </a:extLst>
-              </p:cNvPr>
-              <p:cNvCxnSpPr>
-                <a:cxnSpLocks/>
-              </p:cNvCxnSpPr>
-              <p:nvPr/>
-            </p:nvCxnSpPr>
-            <p:spPr>
-              <a:xfrm flipH="1">
-                <a:off x="1357163" y="2613392"/>
-                <a:ext cx="247650" cy="0"/>
-              </a:xfrm>
-              <a:prstGeom prst="line">
-                <a:avLst/>
-              </a:prstGeom>
-              <a:ln w="28575">
-                <a:solidFill>
-                  <a:srgbClr val="C00000"/>
-                </a:solidFill>
-              </a:ln>
-            </p:spPr>
-            <p:style>
-              <a:lnRef idx="1">
-                <a:schemeClr val="accent1"/>
-              </a:lnRef>
-              <a:fillRef idx="0">
-                <a:schemeClr val="accent1"/>
-              </a:fillRef>
-              <a:effectRef idx="0">
-                <a:schemeClr val="accent1"/>
-              </a:effectRef>
-              <a:fontRef idx="minor">
-                <a:schemeClr val="tx1"/>
-              </a:fontRef>
-            </p:style>
-          </p:cxnSp>
-          <p:cxnSp>
-            <p:nvCxnSpPr>
-              <p:cNvPr id="82" name="Connecteur droit 81">
-                <a:extLst>
-                  <a:ext uri="{FF2B5EF4-FFF2-40B4-BE49-F238E27FC236}">
-                    <a16:creationId xmlns:a16="http://schemas.microsoft.com/office/drawing/2014/main" id="{9BD55167-4E9B-543D-303E-7E1C020F98DF}"/>
-                  </a:ext>
-                </a:extLst>
-              </p:cNvPr>
-              <p:cNvCxnSpPr/>
-              <p:nvPr/>
-            </p:nvCxnSpPr>
-            <p:spPr>
-              <a:xfrm flipV="1">
-                <a:off x="1604813" y="2608446"/>
-                <a:ext cx="0" cy="731520"/>
-              </a:xfrm>
-              <a:prstGeom prst="line">
-                <a:avLst/>
-              </a:prstGeom>
-              <a:ln w="28575">
-                <a:solidFill>
-                  <a:srgbClr val="C00000"/>
-                </a:solidFill>
-              </a:ln>
-            </p:spPr>
-            <p:style>
-              <a:lnRef idx="1">
-                <a:schemeClr val="accent1"/>
-              </a:lnRef>
-              <a:fillRef idx="0">
-                <a:schemeClr val="accent1"/>
-              </a:fillRef>
-              <a:effectRef idx="0">
-                <a:schemeClr val="accent1"/>
-              </a:effectRef>
-              <a:fontRef idx="minor">
-                <a:schemeClr val="tx1"/>
-              </a:fontRef>
-            </p:style>
-          </p:cxnSp>
-          <p:cxnSp>
-            <p:nvCxnSpPr>
-              <p:cNvPr id="83" name="Connecteur droit 82">
-                <a:extLst>
-                  <a:ext uri="{FF2B5EF4-FFF2-40B4-BE49-F238E27FC236}">
-                    <a16:creationId xmlns:a16="http://schemas.microsoft.com/office/drawing/2014/main" id="{87644CCA-133A-063B-9430-A3F401BF44EF}"/>
-                  </a:ext>
-                </a:extLst>
-              </p:cNvPr>
-              <p:cNvCxnSpPr>
-                <a:cxnSpLocks/>
-              </p:cNvCxnSpPr>
-              <p:nvPr/>
-            </p:nvCxnSpPr>
-            <p:spPr>
-              <a:xfrm flipH="1">
-                <a:off x="1604813" y="3324458"/>
-                <a:ext cx="501650" cy="0"/>
-              </a:xfrm>
-              <a:prstGeom prst="line">
-                <a:avLst/>
-              </a:prstGeom>
-              <a:ln w="28575">
-                <a:solidFill>
-                  <a:srgbClr val="C00000"/>
-                </a:solidFill>
-              </a:ln>
-            </p:spPr>
-            <p:style>
-              <a:lnRef idx="1">
-                <a:schemeClr val="accent1"/>
-              </a:lnRef>
-              <a:fillRef idx="0">
-                <a:schemeClr val="accent1"/>
-              </a:fillRef>
-              <a:effectRef idx="0">
-                <a:schemeClr val="accent1"/>
-              </a:effectRef>
-              <a:fontRef idx="minor">
-                <a:schemeClr val="tx1"/>
-              </a:fontRef>
-            </p:style>
-          </p:cxnSp>
-        </p:grpSp>
-        <p:sp>
-          <p:nvSpPr>
-            <p:cNvPr id="84" name="ZoneTexte 83">
-              <a:extLst>
-                <a:ext uri="{FF2B5EF4-FFF2-40B4-BE49-F238E27FC236}">
-                  <a16:creationId xmlns:a16="http://schemas.microsoft.com/office/drawing/2014/main" id="{FA2CF84F-071D-710D-2E7C-E5E5478C5F75}"/>
-                </a:ext>
-              </a:extLst>
-            </p:cNvPr>
-            <p:cNvSpPr txBox="1"/>
-            <p:nvPr/>
-          </p:nvSpPr>
-          <p:spPr>
-            <a:xfrm>
-              <a:off x="1343594" y="2012166"/>
-              <a:ext cx="2263203" cy="369332"/>
-            </a:xfrm>
-            <a:prstGeom prst="rect">
-              <a:avLst/>
-            </a:prstGeom>
-            <a:noFill/>
-          </p:spPr>
-          <p:txBody>
-            <a:bodyPr wrap="square" rtlCol="0">
-              <a:spAutoFit/>
-            </a:bodyPr>
-            <a:lstStyle/>
-            <a:p>
-              <a:pPr algn="ctr"/>
-              <a:r>
-                <a:rPr lang="fr-FR" dirty="0"/>
-                <a:t>PWM – 50%</a:t>
-              </a:r>
-            </a:p>
-          </p:txBody>
-        </p:sp>
-        <p:sp>
-          <p:nvSpPr>
-            <p:cNvPr id="85" name="ZoneTexte 84">
-              <a:extLst>
-                <a:ext uri="{FF2B5EF4-FFF2-40B4-BE49-F238E27FC236}">
-                  <a16:creationId xmlns:a16="http://schemas.microsoft.com/office/drawing/2014/main" id="{A4E59E63-89EC-A66A-5344-422E37FF9FC3}"/>
-                </a:ext>
-              </a:extLst>
-            </p:cNvPr>
-            <p:cNvSpPr txBox="1"/>
-            <p:nvPr/>
-          </p:nvSpPr>
-          <p:spPr>
-            <a:xfrm>
-              <a:off x="4240846" y="2012166"/>
-              <a:ext cx="2263203" cy="369332"/>
-            </a:xfrm>
-            <a:prstGeom prst="rect">
-              <a:avLst/>
-            </a:prstGeom>
-            <a:noFill/>
-          </p:spPr>
-          <p:txBody>
-            <a:bodyPr wrap="square" rtlCol="0">
-              <a:spAutoFit/>
-            </a:bodyPr>
-            <a:lstStyle/>
-            <a:p>
-              <a:pPr algn="ctr"/>
-              <a:r>
-                <a:rPr lang="fr-FR" dirty="0"/>
-                <a:t>PWM – 35%</a:t>
-              </a:r>
-            </a:p>
-          </p:txBody>
-        </p:sp>
-      </p:grpSp>
+          <a:prstGeom prst="rect">
+            <a:avLst/>
+          </a:prstGeom>
+          <a:noFill/>
+          <a:ln>
+            <a:solidFill>
+              <a:schemeClr val="tx2"/>
+            </a:solidFill>
+          </a:ln>
+        </p:spPr>
+        <p:style>
+          <a:lnRef idx="2">
+            <a:schemeClr val="accent1">
+              <a:shade val="50000"/>
+            </a:schemeClr>
+          </a:lnRef>
+          <a:fillRef idx="1">
+            <a:schemeClr val="accent1"/>
+          </a:fillRef>
+          <a:effectRef idx="0">
+            <a:schemeClr val="accent1"/>
+          </a:effectRef>
+          <a:fontRef idx="minor">
+            <a:schemeClr val="lt1"/>
+          </a:fontRef>
+        </p:style>
+        <p:txBody>
+          <a:bodyPr rtlCol="0" anchor="ctr"/>
+          <a:lstStyle/>
+          <a:p>
+            <a:pPr algn="ctr"/>
+            <a:endParaRPr lang="fr-FR" sz="2223"/>
+          </a:p>
+        </p:txBody>
+      </p:sp>
     </p:spTree>
     <p:extLst>
       <p:ext uri="{BB962C8B-B14F-4D97-AF65-F5344CB8AC3E}">
